--- a/lessons/2_gender_analyze/ppt/“判断性别”Demo需求分析和初步设计（下2）.pptx
+++ b/lessons/2_gender_analyze/ppt/“判断性别”Demo需求分析和初步设计（下2）.pptx
@@ -5,10 +5,10 @@
     <p:sldMasterId id="2147483648" r:id="rId1"/>
   </p:sldMasterIdLst>
   <p:notesMasterIdLst>
-    <p:notesMasterId r:id="rId24"/>
+    <p:notesMasterId r:id="rId23"/>
   </p:notesMasterIdLst>
   <p:handoutMasterIdLst>
-    <p:handoutMasterId r:id="rId25"/>
+    <p:handoutMasterId r:id="rId24"/>
   </p:handoutMasterIdLst>
   <p:sldIdLst>
     <p:sldId id="307" r:id="rId2"/>
@@ -16,28 +16,27 @@
     <p:sldId id="284" r:id="rId4"/>
     <p:sldId id="1004" r:id="rId5"/>
     <p:sldId id="1000" r:id="rId6"/>
-    <p:sldId id="524" r:id="rId7"/>
-    <p:sldId id="1018" r:id="rId8"/>
-    <p:sldId id="1020" r:id="rId9"/>
-    <p:sldId id="1022" r:id="rId10"/>
-    <p:sldId id="1023" r:id="rId11"/>
-    <p:sldId id="1015" r:id="rId12"/>
-    <p:sldId id="1024" r:id="rId13"/>
-    <p:sldId id="1025" r:id="rId14"/>
-    <p:sldId id="1026" r:id="rId15"/>
-    <p:sldId id="1027" r:id="rId16"/>
-    <p:sldId id="537" r:id="rId17"/>
-    <p:sldId id="536" r:id="rId18"/>
-    <p:sldId id="1028" r:id="rId19"/>
-    <p:sldId id="996" r:id="rId20"/>
-    <p:sldId id="997" r:id="rId21"/>
-    <p:sldId id="998" r:id="rId22"/>
-    <p:sldId id="653" r:id="rId23"/>
+    <p:sldId id="1018" r:id="rId7"/>
+    <p:sldId id="1020" r:id="rId8"/>
+    <p:sldId id="1022" r:id="rId9"/>
+    <p:sldId id="1023" r:id="rId10"/>
+    <p:sldId id="1015" r:id="rId11"/>
+    <p:sldId id="1024" r:id="rId12"/>
+    <p:sldId id="1025" r:id="rId13"/>
+    <p:sldId id="1026" r:id="rId14"/>
+    <p:sldId id="1027" r:id="rId15"/>
+    <p:sldId id="537" r:id="rId16"/>
+    <p:sldId id="536" r:id="rId17"/>
+    <p:sldId id="1028" r:id="rId18"/>
+    <p:sldId id="996" r:id="rId19"/>
+    <p:sldId id="997" r:id="rId20"/>
+    <p:sldId id="998" r:id="rId21"/>
+    <p:sldId id="653" r:id="rId22"/>
   </p:sldIdLst>
   <p:sldSz cx="12192000" cy="6858000"/>
   <p:notesSz cx="6858000" cy="9144000"/>
   <p:custDataLst>
-    <p:tags r:id="rId26"/>
+    <p:tags r:id="rId25"/>
   </p:custDataLst>
   <p:defaultTextStyle>
     <a:defPPr>
@@ -6483,81 +6482,6 @@
       </p:grpSpPr>
       <p:sp>
         <p:nvSpPr>
-          <p:cNvPr id="2" name="标题 1"/>
-          <p:cNvSpPr>
-            <a:spLocks noGrp="1"/>
-          </p:cNvSpPr>
-          <p:nvPr>
-            <p:ph type="title"/>
-          </p:nvPr>
-        </p:nvSpPr>
-        <p:spPr/>
-        <p:txBody>
-          <a:bodyPr/>
-          <a:lstStyle/>
-          <a:p>
-            <a:r>
-              <a:rPr lang="zh-CN" altLang="en-US" dirty="0">
-                <a:sym typeface="+mn-ea"/>
-              </a:rPr>
-              <a:t>任务</a:t>
-            </a:r>
-            <a:r>
-              <a:rPr dirty="0">
-                <a:sym typeface="+mn-ea"/>
-              </a:rPr>
-              <a:t>：</a:t>
-            </a:r>
-            <a:br>
-              <a:rPr lang="en-US" dirty="0">
-                <a:sym typeface="+mn-ea"/>
-              </a:rPr>
-            </a:br>
-            <a:r>
-              <a:rPr lang="en-US" dirty="0" err="1">
-                <a:sym typeface="+mn-ea"/>
-              </a:rPr>
-              <a:t>根据梯度下降算法实现训练</a:t>
-            </a:r>
-            <a:endParaRPr lang="zh-CN" altLang="en-US" dirty="0"/>
-          </a:p>
-        </p:txBody>
-      </p:sp>
-    </p:spTree>
-    <p:custDataLst>
-      <p:tags r:id="rId1"/>
-    </p:custDataLst>
-    <p:extLst>
-      <p:ext uri="{BB962C8B-B14F-4D97-AF65-F5344CB8AC3E}">
-        <p14:creationId xmlns:p14="http://schemas.microsoft.com/office/powerpoint/2010/main" val="2008857281"/>
-      </p:ext>
-    </p:extLst>
-  </p:cSld>
-  <p:clrMapOvr>
-    <a:masterClrMapping/>
-  </p:clrMapOvr>
-</p:sld>
-</file>
-
-<file path=ppt/slides/slide11.xml><?xml version="1.0" encoding="utf-8"?>
-<p:sld xmlns:a="http://schemas.openxmlformats.org/drawingml/2006/main" xmlns:r="http://schemas.openxmlformats.org/officeDocument/2006/relationships" xmlns:p="http://schemas.openxmlformats.org/presentationml/2006/main">
-  <p:cSld>
-    <p:spTree>
-      <p:nvGrpSpPr>
-        <p:cNvPr id="1" name=""/>
-        <p:cNvGrpSpPr/>
-        <p:nvPr/>
-      </p:nvGrpSpPr>
-      <p:grpSpPr>
-        <a:xfrm>
-          <a:off x="0" y="0"/>
-          <a:ext cx="0" cy="0"/>
-          <a:chOff x="0" y="0"/>
-          <a:chExt cx="0" cy="0"/>
-        </a:xfrm>
-      </p:grpSpPr>
-      <p:sp>
-        <p:nvSpPr>
           <p:cNvPr id="2" name="文本占位符 1"/>
           <p:cNvSpPr>
             <a:spLocks noGrp="1"/>
@@ -6828,7 +6752,7 @@
                                         <p:tgtEl>
                                           <p:spTgt spid="2">
                                             <p:txEl>
-                                              <p:pRg st="1" end="1"/>
+                                              <p:pRg st="0" end="0"/>
                                             </p:txEl>
                                           </p:spTgt>
                                         </p:tgtEl>
@@ -6862,7 +6786,7 @@
                             </p:stCondLst>
                             <p:childTnLst>
                               <p:par>
-                                <p:cTn id="9" presetID="1" presetClass="entr" presetSubtype="0" fill="hold" nodeType="clickEffect">
+                                <p:cTn id="9" presetID="1" presetClass="entr" presetSubtype="0" fill="hold" grpId="0" nodeType="clickEffect">
                                   <p:stCondLst>
                                     <p:cond delay="0"/>
                                   </p:stCondLst>
@@ -6875,11 +6799,7 @@
                                           </p:stCondLst>
                                         </p:cTn>
                                         <p:tgtEl>
-                                          <p:spTgt spid="2">
-                                            <p:txEl>
-                                              <p:pRg st="2" end="2"/>
-                                            </p:txEl>
-                                          </p:spTgt>
+                                          <p:spTgt spid="4"/>
                                         </p:tgtEl>
                                         <p:attrNameLst>
                                           <p:attrName>style.visibility</p:attrName>
@@ -6926,7 +6846,7 @@
                                         <p:tgtEl>
                                           <p:spTgt spid="2">
                                             <p:txEl>
-                                              <p:pRg st="3" end="3"/>
+                                              <p:pRg st="1" end="1"/>
                                             </p:txEl>
                                           </p:spTgt>
                                         </p:tgtEl>
@@ -6975,7 +6895,7 @@
                                         <p:tgtEl>
                                           <p:spTgt spid="2">
                                             <p:txEl>
-                                              <p:pRg st="4" end="4"/>
+                                              <p:pRg st="2" end="2"/>
                                             </p:txEl>
                                           </p:spTgt>
                                         </p:tgtEl>
@@ -7024,7 +6944,7 @@
                                         <p:tgtEl>
                                           <p:spTgt spid="2">
                                             <p:txEl>
-                                              <p:pRg st="5" end="5"/>
+                                              <p:pRg st="3" end="3"/>
                                             </p:txEl>
                                           </p:spTgt>
                                         </p:tgtEl>
@@ -7073,7 +6993,56 @@
                                         <p:tgtEl>
                                           <p:spTgt spid="2">
                                             <p:txEl>
-                                              <p:pRg st="0" end="0"/>
+                                              <p:pRg st="4" end="4"/>
+                                            </p:txEl>
+                                          </p:spTgt>
+                                        </p:tgtEl>
+                                        <p:attrNameLst>
+                                          <p:attrName>style.visibility</p:attrName>
+                                        </p:attrNameLst>
+                                      </p:cBhvr>
+                                      <p:to>
+                                        <p:strVal val="visible"/>
+                                      </p:to>
+                                    </p:set>
+                                  </p:childTnLst>
+                                </p:cTn>
+                              </p:par>
+                            </p:childTnLst>
+                          </p:cTn>
+                        </p:par>
+                      </p:childTnLst>
+                    </p:cTn>
+                  </p:par>
+                  <p:par>
+                    <p:cTn id="27" fill="hold">
+                      <p:stCondLst>
+                        <p:cond delay="indefinite"/>
+                      </p:stCondLst>
+                      <p:childTnLst>
+                        <p:par>
+                          <p:cTn id="28" fill="hold">
+                            <p:stCondLst>
+                              <p:cond delay="0"/>
+                            </p:stCondLst>
+                            <p:childTnLst>
+                              <p:par>
+                                <p:cTn id="29" presetID="1" presetClass="entr" presetSubtype="0" fill="hold" nodeType="clickEffect">
+                                  <p:stCondLst>
+                                    <p:cond delay="0"/>
+                                  </p:stCondLst>
+                                  <p:childTnLst>
+                                    <p:set>
+                                      <p:cBhvr>
+                                        <p:cTn id="30" dur="1" fill="hold">
+                                          <p:stCondLst>
+                                            <p:cond delay="0"/>
+                                          </p:stCondLst>
+                                        </p:cTn>
+                                        <p:tgtEl>
+                                          <p:spTgt spid="2">
+                                            <p:txEl>
+                                              <p:pRg st="5" end="5"/>
                                             </p:txEl>
                                           </p:spTgt>
                                         </p:tgtEl>
@@ -7115,11 +7084,14 @@
         </p:cTn>
       </p:par>
     </p:tnLst>
+    <p:bldLst>
+      <p:bldP spid="4" grpId="0"/>
+    </p:bldLst>
   </p:timing>
 </p:sld>
 </file>
 
-<file path=ppt/slides/slide12.xml><?xml version="1.0" encoding="utf-8"?>
+<file path=ppt/slides/slide11.xml><?xml version="1.0" encoding="utf-8"?>
 <p:sld xmlns:a="http://schemas.openxmlformats.org/drawingml/2006/main" xmlns:r="http://schemas.openxmlformats.org/officeDocument/2006/relationships" xmlns:p="http://schemas.openxmlformats.org/presentationml/2006/main">
   <p:cSld>
     <p:spTree>
@@ -7201,7 +7173,7 @@
 </p:sld>
 </file>
 
-<file path=ppt/slides/slide13.xml><?xml version="1.0" encoding="utf-8"?>
+<file path=ppt/slides/slide12.xml><?xml version="1.0" encoding="utf-8"?>
 <p:sld xmlns:a="http://schemas.openxmlformats.org/drawingml/2006/main" xmlns:r="http://schemas.openxmlformats.org/officeDocument/2006/relationships" xmlns:p="http://schemas.openxmlformats.org/presentationml/2006/main">
   <p:cSld>
     <p:spTree>
@@ -7259,17 +7231,6 @@
             <a:r>
               <a:rPr lang="zh-CN" altLang="en-US" dirty="0"/>
               <a:t>应该如何改进？</a:t>
-            </a:r>
-            <a:endParaRPr lang="en-US" altLang="zh-CN" dirty="0"/>
-          </a:p>
-          <a:p>
-            <a:pPr marL="742950" lvl="1" indent="-285750">
-              <a:buFont typeface="Arial" panose="020B0604020202020204" pitchFamily="34" charset="0"/>
-              <a:buChar char="•"/>
-            </a:pPr>
-            <a:r>
-              <a:rPr lang="zh-CN" altLang="en-US" dirty="0"/>
-              <a:t>改进激活函数</a:t>
             </a:r>
             <a:endParaRPr lang="en-US" altLang="zh-CN" dirty="0"/>
           </a:p>
@@ -7625,7 +7586,7 @@
             </p:nvSpPr>
             <p:spPr>
               <a:xfrm>
-                <a:off x="1247707" y="4998892"/>
+                <a:off x="1264960" y="4731473"/>
                 <a:ext cx="5013104" cy="646331"/>
               </a:xfrm>
               <a:prstGeom prst="rect">
@@ -7783,7 +7744,7 @@
             </p:nvSpPr>
             <p:spPr>
               <a:xfrm>
-                <a:off x="1247707" y="4998892"/>
+                <a:off x="1264960" y="4731473"/>
                 <a:ext cx="5013104" cy="646331"/>
               </a:xfrm>
               <a:prstGeom prst="rect">
@@ -7792,7 +7753,7 @@
               <a:blipFill>
                 <a:blip r:embed="rId5"/>
                 <a:stretch>
-                  <a:fillRect l="-1013" t="-3846" b="-7692"/>
+                  <a:fillRect l="-1010" t="-3846" b="-7692"/>
                 </a:stretch>
               </a:blipFill>
             </p:spPr>
@@ -7811,6 +7772,42 @@
           </p:sp>
         </mc:Fallback>
       </mc:AlternateContent>
+      <p:sp>
+        <p:nvSpPr>
+          <p:cNvPr id="7" name="文本框 6">
+            <a:extLst>
+              <a:ext uri="{FF2B5EF4-FFF2-40B4-BE49-F238E27FC236}">
+                <a16:creationId xmlns:a16="http://schemas.microsoft.com/office/drawing/2014/main" id="{2D778991-78C5-D58F-3202-DA3CF49B22B2}"/>
+              </a:ext>
+            </a:extLst>
+          </p:cNvPr>
+          <p:cNvSpPr txBox="1"/>
+          <p:nvPr/>
+        </p:nvSpPr>
+        <p:spPr>
+          <a:xfrm>
+            <a:off x="4442604" y="3429000"/>
+            <a:ext cx="1569660" cy="369332"/>
+          </a:xfrm>
+          <a:prstGeom prst="rect">
+            <a:avLst/>
+          </a:prstGeom>
+          <a:noFill/>
+        </p:spPr>
+        <p:txBody>
+          <a:bodyPr wrap="none" rtlCol="0">
+            <a:spAutoFit/>
+          </a:bodyPr>
+          <a:lstStyle/>
+          <a:p>
+            <a:r>
+              <a:rPr lang="zh-CN" altLang="en-US" dirty="0"/>
+              <a:t>改进激活函数</a:t>
+            </a:r>
+            <a:endParaRPr lang="en-US" altLang="zh-CN" dirty="0"/>
+          </a:p>
+        </p:txBody>
+      </p:sp>
     </p:spTree>
     <p:custDataLst>
       <p:tags r:id="rId1"/>
@@ -7894,7 +7891,7 @@
                             </p:stCondLst>
                             <p:childTnLst>
                               <p:par>
-                                <p:cTn id="9" presetID="1" presetClass="entr" presetSubtype="0" fill="hold" nodeType="clickEffect">
+                                <p:cTn id="9" presetID="1" presetClass="entr" presetSubtype="0" fill="hold" grpId="0" nodeType="clickEffect">
                                   <p:stCondLst>
                                     <p:cond delay="0"/>
                                   </p:stCondLst>
@@ -7907,11 +7904,7 @@
                                           </p:stCondLst>
                                         </p:cTn>
                                         <p:tgtEl>
-                                          <p:spTgt spid="2">
-                                            <p:txEl>
-                                              <p:pRg st="1" end="1"/>
-                                            </p:txEl>
-                                          </p:spTgt>
+                                          <p:spTgt spid="4"/>
                                         </p:tgtEl>
                                         <p:attrNameLst>
                                           <p:attrName>style.visibility</p:attrName>
@@ -7958,7 +7951,7 @@
                                         <p:tgtEl>
                                           <p:spTgt spid="2">
                                             <p:txEl>
-                                              <p:pRg st="2" end="2"/>
+                                              <p:pRg st="1" end="1"/>
                                             </p:txEl>
                                           </p:spTgt>
                                         </p:tgtEl>
@@ -7992,7 +7985,7 @@
                             </p:stCondLst>
                             <p:childTnLst>
                               <p:par>
-                                <p:cTn id="17" presetID="1" presetClass="entr" presetSubtype="0" fill="hold" nodeType="clickEffect">
+                                <p:cTn id="17" presetID="1" presetClass="entr" presetSubtype="0" fill="hold" grpId="0" nodeType="clickEffect">
                                   <p:stCondLst>
                                     <p:cond delay="0"/>
                                   </p:stCondLst>
@@ -8005,9 +7998,189 @@
                                           </p:stCondLst>
                                         </p:cTn>
                                         <p:tgtEl>
+                                          <p:spTgt spid="7"/>
+                                        </p:tgtEl>
+                                        <p:attrNameLst>
+                                          <p:attrName>style.visibility</p:attrName>
+                                        </p:attrNameLst>
+                                      </p:cBhvr>
+                                      <p:to>
+                                        <p:strVal val="visible"/>
+                                      </p:to>
+                                    </p:set>
+                                  </p:childTnLst>
+                                </p:cTn>
+                              </p:par>
+                            </p:childTnLst>
+                          </p:cTn>
+                        </p:par>
+                      </p:childTnLst>
+                    </p:cTn>
+                  </p:par>
+                  <p:par>
+                    <p:cTn id="19" fill="hold">
+                      <p:stCondLst>
+                        <p:cond delay="indefinite"/>
+                      </p:stCondLst>
+                      <p:childTnLst>
+                        <p:par>
+                          <p:cTn id="20" fill="hold">
+                            <p:stCondLst>
+                              <p:cond delay="0"/>
+                            </p:stCondLst>
+                            <p:childTnLst>
+                              <p:par>
+                                <p:cTn id="21" presetID="1" presetClass="entr" presetSubtype="0" fill="hold" grpId="0" nodeType="clickEffect">
+                                  <p:stCondLst>
+                                    <p:cond delay="0"/>
+                                  </p:stCondLst>
+                                  <p:childTnLst>
+                                    <p:set>
+                                      <p:cBhvr>
+                                        <p:cTn id="22" dur="1" fill="hold">
+                                          <p:stCondLst>
+                                            <p:cond delay="0"/>
+                                          </p:stCondLst>
+                                        </p:cTn>
+                                        <p:tgtEl>
+                                          <p:spTgt spid="5"/>
+                                        </p:tgtEl>
+                                        <p:attrNameLst>
+                                          <p:attrName>style.visibility</p:attrName>
+                                        </p:attrNameLst>
+                                      </p:cBhvr>
+                                      <p:to>
+                                        <p:strVal val="visible"/>
+                                      </p:to>
+                                    </p:set>
+                                  </p:childTnLst>
+                                </p:cTn>
+                              </p:par>
+                            </p:childTnLst>
+                          </p:cTn>
+                        </p:par>
+                      </p:childTnLst>
+                    </p:cTn>
+                  </p:par>
+                  <p:par>
+                    <p:cTn id="23" fill="hold">
+                      <p:stCondLst>
+                        <p:cond delay="indefinite"/>
+                      </p:stCondLst>
+                      <p:childTnLst>
+                        <p:par>
+                          <p:cTn id="24" fill="hold">
+                            <p:stCondLst>
+                              <p:cond delay="0"/>
+                            </p:stCondLst>
+                            <p:childTnLst>
+                              <p:par>
+                                <p:cTn id="25" presetID="1" presetClass="entr" presetSubtype="0" fill="hold" nodeType="clickEffect">
+                                  <p:stCondLst>
+                                    <p:cond delay="0"/>
+                                  </p:stCondLst>
+                                  <p:childTnLst>
+                                    <p:set>
+                                      <p:cBhvr>
+                                        <p:cTn id="26" dur="1" fill="hold">
+                                          <p:stCondLst>
+                                            <p:cond delay="0"/>
+                                          </p:stCondLst>
+                                        </p:cTn>
+                                        <p:tgtEl>
+                                          <p:spTgt spid="1026"/>
+                                        </p:tgtEl>
+                                        <p:attrNameLst>
+                                          <p:attrName>style.visibility</p:attrName>
+                                        </p:attrNameLst>
+                                      </p:cBhvr>
+                                      <p:to>
+                                        <p:strVal val="visible"/>
+                                      </p:to>
+                                    </p:set>
+                                  </p:childTnLst>
+                                </p:cTn>
+                              </p:par>
+                            </p:childTnLst>
+                          </p:cTn>
+                        </p:par>
+                      </p:childTnLst>
+                    </p:cTn>
+                  </p:par>
+                  <p:par>
+                    <p:cTn id="27" fill="hold">
+                      <p:stCondLst>
+                        <p:cond delay="indefinite"/>
+                      </p:stCondLst>
+                      <p:childTnLst>
+                        <p:par>
+                          <p:cTn id="28" fill="hold">
+                            <p:stCondLst>
+                              <p:cond delay="0"/>
+                            </p:stCondLst>
+                            <p:childTnLst>
+                              <p:par>
+                                <p:cTn id="29" presetID="1" presetClass="entr" presetSubtype="0" fill="hold" grpId="0" nodeType="clickEffect">
+                                  <p:stCondLst>
+                                    <p:cond delay="0"/>
+                                  </p:stCondLst>
+                                  <p:childTnLst>
+                                    <p:set>
+                                      <p:cBhvr>
+                                        <p:cTn id="30" dur="1" fill="hold">
+                                          <p:stCondLst>
+                                            <p:cond delay="0"/>
+                                          </p:stCondLst>
+                                        </p:cTn>
+                                        <p:tgtEl>
+                                          <p:spTgt spid="6"/>
+                                        </p:tgtEl>
+                                        <p:attrNameLst>
+                                          <p:attrName>style.visibility</p:attrName>
+                                        </p:attrNameLst>
+                                      </p:cBhvr>
+                                      <p:to>
+                                        <p:strVal val="visible"/>
+                                      </p:to>
+                                    </p:set>
+                                  </p:childTnLst>
+                                </p:cTn>
+                              </p:par>
+                            </p:childTnLst>
+                          </p:cTn>
+                        </p:par>
+                      </p:childTnLst>
+                    </p:cTn>
+                  </p:par>
+                  <p:par>
+                    <p:cTn id="31" fill="hold">
+                      <p:stCondLst>
+                        <p:cond delay="indefinite"/>
+                      </p:stCondLst>
+                      <p:childTnLst>
+                        <p:par>
+                          <p:cTn id="32" fill="hold">
+                            <p:stCondLst>
+                              <p:cond delay="0"/>
+                            </p:stCondLst>
+                            <p:childTnLst>
+                              <p:par>
+                                <p:cTn id="33" presetID="1" presetClass="entr" presetSubtype="0" fill="hold" nodeType="clickEffect">
+                                  <p:stCondLst>
+                                    <p:cond delay="0"/>
+                                  </p:stCondLst>
+                                  <p:childTnLst>
+                                    <p:set>
+                                      <p:cBhvr>
+                                        <p:cTn id="34" dur="1" fill="hold">
+                                          <p:stCondLst>
+                                            <p:cond delay="0"/>
+                                          </p:stCondLst>
+                                        </p:cTn>
+                                        <p:tgtEl>
                                           <p:spTgt spid="2">
                                             <p:txEl>
-                                              <p:pRg st="3" end="3"/>
+                                              <p:pRg st="2" end="2"/>
                                             </p:txEl>
                                           </p:spTgt>
                                         </p:tgtEl>
@@ -8049,11 +8222,17 @@
         </p:cTn>
       </p:par>
     </p:tnLst>
+    <p:bldLst>
+      <p:bldP spid="4" grpId="0"/>
+      <p:bldP spid="5" grpId="0"/>
+      <p:bldP spid="6" grpId="0"/>
+      <p:bldP spid="7" grpId="0"/>
+    </p:bldLst>
   </p:timing>
 </p:sld>
 </file>
 
-<file path=ppt/slides/slide14.xml><?xml version="1.0" encoding="utf-8"?>
+<file path=ppt/slides/slide13.xml><?xml version="1.0" encoding="utf-8"?>
 <p:sld xmlns:a="http://schemas.openxmlformats.org/drawingml/2006/main" xmlns:r="http://schemas.openxmlformats.org/officeDocument/2006/relationships" xmlns:p="http://schemas.openxmlformats.org/presentationml/2006/main">
   <p:cSld>
     <p:spTree>
@@ -8111,17 +8290,6 @@
             <a:r>
               <a:rPr lang="zh-CN" altLang="en-US" dirty="0"/>
               <a:t>应该如何改进？</a:t>
-            </a:r>
-            <a:endParaRPr lang="en-US" altLang="zh-CN" dirty="0"/>
-          </a:p>
-          <a:p>
-            <a:pPr marL="742950" lvl="1" indent="-285750">
-              <a:buFont typeface="Arial" panose="020B0604020202020204" pitchFamily="34" charset="0"/>
-              <a:buChar char="•"/>
-            </a:pPr>
-            <a:r>
-              <a:rPr lang="zh-CN" altLang="en-US" dirty="0"/>
-              <a:t>将样本零均值化</a:t>
             </a:r>
             <a:endParaRPr lang="en-US" altLang="zh-CN" dirty="0"/>
           </a:p>
@@ -8925,7 +9093,7 @@
         </p:nvSpPr>
         <p:spPr>
           <a:xfrm>
-            <a:off x="811033" y="3855687"/>
+            <a:off x="862399" y="3579861"/>
             <a:ext cx="6368995" cy="646331"/>
           </a:xfrm>
           <a:prstGeom prst="rect">
@@ -9232,7 +9400,7 @@
         </p:blipFill>
         <p:spPr bwMode="auto">
           <a:xfrm>
-            <a:off x="3566228" y="4461694"/>
+            <a:off x="3566228" y="4340304"/>
             <a:ext cx="3857640" cy="2210799"/>
           </a:xfrm>
           <a:prstGeom prst="rect">
@@ -9250,6 +9418,101 @@
           </a:extLst>
         </p:spPr>
       </p:pic>
+      <p:sp>
+        <p:nvSpPr>
+          <p:cNvPr id="12" name="文本框 11">
+            <a:extLst>
+              <a:ext uri="{FF2B5EF4-FFF2-40B4-BE49-F238E27FC236}">
+                <a16:creationId xmlns:a16="http://schemas.microsoft.com/office/drawing/2014/main" id="{90D7B822-D01F-20C4-02A6-C8CB538F7E8E}"/>
+              </a:ext>
+            </a:extLst>
+          </p:cNvPr>
+          <p:cNvSpPr txBox="1"/>
+          <p:nvPr/>
+        </p:nvSpPr>
+        <p:spPr>
+          <a:xfrm>
+            <a:off x="3566227" y="1632598"/>
+            <a:ext cx="4162441" cy="646331"/>
+          </a:xfrm>
+          <a:prstGeom prst="rect">
+            <a:avLst/>
+          </a:prstGeom>
+          <a:noFill/>
+        </p:spPr>
+        <p:txBody>
+          <a:bodyPr wrap="square" rtlCol="0">
+            <a:spAutoFit/>
+          </a:bodyPr>
+          <a:lstStyle/>
+          <a:p>
+            <a:r>
+              <a:rPr kumimoji="1" lang="zh-CN" altLang="en-US" dirty="0"/>
+              <a:t>输入太大</a:t>
+            </a:r>
+            <a:r>
+              <a:rPr kumimoji="1" lang="en-US" altLang="zh-CN" dirty="0"/>
+              <a:t>-&gt;</a:t>
+            </a:r>
+            <a:r>
+              <a:rPr kumimoji="1" lang="zh-CN" altLang="en-US" dirty="0"/>
+              <a:t>隐藏层的激活函数的导数为</a:t>
+            </a:r>
+            <a:r>
+              <a:rPr kumimoji="1" lang="en-US" altLang="zh-CN" dirty="0"/>
+              <a:t>0-&gt;</a:t>
+            </a:r>
+            <a:r>
+              <a:rPr kumimoji="1" lang="zh-CN" altLang="en-US" dirty="0"/>
+              <a:t>梯度为</a:t>
+            </a:r>
+            <a:r>
+              <a:rPr kumimoji="1" lang="en-US" altLang="zh-CN" dirty="0"/>
+              <a:t>0-&gt;loss</a:t>
+            </a:r>
+            <a:r>
+              <a:rPr kumimoji="1" lang="zh-CN" altLang="en-US" dirty="0"/>
+              <a:t>不变</a:t>
+            </a:r>
+          </a:p>
+        </p:txBody>
+      </p:sp>
+      <p:sp>
+        <p:nvSpPr>
+          <p:cNvPr id="13" name="文本框 12">
+            <a:extLst>
+              <a:ext uri="{FF2B5EF4-FFF2-40B4-BE49-F238E27FC236}">
+                <a16:creationId xmlns:a16="http://schemas.microsoft.com/office/drawing/2014/main" id="{BB21400F-1C31-AEAE-9FAA-13203F4ABFA0}"/>
+              </a:ext>
+            </a:extLst>
+          </p:cNvPr>
+          <p:cNvSpPr txBox="1"/>
+          <p:nvPr/>
+        </p:nvSpPr>
+        <p:spPr>
+          <a:xfrm>
+            <a:off x="4934310" y="2467962"/>
+            <a:ext cx="1800493" cy="369332"/>
+          </a:xfrm>
+          <a:prstGeom prst="rect">
+            <a:avLst/>
+          </a:prstGeom>
+          <a:noFill/>
+        </p:spPr>
+        <p:txBody>
+          <a:bodyPr wrap="none" rtlCol="0">
+            <a:spAutoFit/>
+          </a:bodyPr>
+          <a:lstStyle/>
+          <a:p>
+            <a:r>
+              <a:rPr lang="zh-CN" altLang="en-US" dirty="0"/>
+              <a:t>将样本零均值化</a:t>
+            </a:r>
+            <a:endParaRPr lang="en-US" altLang="zh-CN" dirty="0"/>
+          </a:p>
+        </p:txBody>
+      </p:sp>
     </p:spTree>
     <p:custDataLst>
       <p:tags r:id="rId1"/>
@@ -9259,6 +9522,2146 @@
         <p14:creationId xmlns:p14="http://schemas.microsoft.com/office/powerpoint/2010/main" val="2302485208"/>
       </p:ext>
     </p:extLst>
+  </p:cSld>
+  <p:clrMapOvr>
+    <a:masterClrMapping/>
+  </p:clrMapOvr>
+  <p:timing>
+    <p:tnLst>
+      <p:par>
+        <p:cTn id="1" dur="indefinite" restart="never" nodeType="tmRoot">
+          <p:childTnLst>
+            <p:seq concurrent="1" nextAc="seek">
+              <p:cTn id="2" dur="indefinite" nodeType="mainSeq">
+                <p:childTnLst>
+                  <p:par>
+                    <p:cTn id="3" fill="hold">
+                      <p:stCondLst>
+                        <p:cond delay="indefinite"/>
+                      </p:stCondLst>
+                      <p:childTnLst>
+                        <p:par>
+                          <p:cTn id="4" fill="hold">
+                            <p:stCondLst>
+                              <p:cond delay="0"/>
+                            </p:stCondLst>
+                            <p:childTnLst>
+                              <p:par>
+                                <p:cTn id="5" presetID="1" presetClass="entr" presetSubtype="0" fill="hold" nodeType="clickEffect">
+                                  <p:stCondLst>
+                                    <p:cond delay="0"/>
+                                  </p:stCondLst>
+                                  <p:childTnLst>
+                                    <p:set>
+                                      <p:cBhvr>
+                                        <p:cTn id="6" dur="1" fill="hold">
+                                          <p:stCondLst>
+                                            <p:cond delay="0"/>
+                                          </p:stCondLst>
+                                        </p:cTn>
+                                        <p:tgtEl>
+                                          <p:spTgt spid="2">
+                                            <p:txEl>
+                                              <p:pRg st="0" end="0"/>
+                                            </p:txEl>
+                                          </p:spTgt>
+                                        </p:tgtEl>
+                                        <p:attrNameLst>
+                                          <p:attrName>style.visibility</p:attrName>
+                                        </p:attrNameLst>
+                                      </p:cBhvr>
+                                      <p:to>
+                                        <p:strVal val="visible"/>
+                                      </p:to>
+                                    </p:set>
+                                  </p:childTnLst>
+                                </p:cTn>
+                              </p:par>
+                            </p:childTnLst>
+                          </p:cTn>
+                        </p:par>
+                      </p:childTnLst>
+                    </p:cTn>
+                  </p:par>
+                  <p:par>
+                    <p:cTn id="7" fill="hold">
+                      <p:stCondLst>
+                        <p:cond delay="indefinite"/>
+                      </p:stCondLst>
+                      <p:childTnLst>
+                        <p:par>
+                          <p:cTn id="8" fill="hold">
+                            <p:stCondLst>
+                              <p:cond delay="0"/>
+                            </p:stCondLst>
+                            <p:childTnLst>
+                              <p:par>
+                                <p:cTn id="9" presetID="1" presetClass="entr" presetSubtype="0" fill="hold" grpId="0" nodeType="clickEffect">
+                                  <p:stCondLst>
+                                    <p:cond delay="0"/>
+                                  </p:stCondLst>
+                                  <p:childTnLst>
+                                    <p:set>
+                                      <p:cBhvr>
+                                        <p:cTn id="10" dur="1" fill="hold">
+                                          <p:stCondLst>
+                                            <p:cond delay="0"/>
+                                          </p:stCondLst>
+                                        </p:cTn>
+                                        <p:tgtEl>
+                                          <p:spTgt spid="12"/>
+                                        </p:tgtEl>
+                                        <p:attrNameLst>
+                                          <p:attrName>style.visibility</p:attrName>
+                                        </p:attrNameLst>
+                                      </p:cBhvr>
+                                      <p:to>
+                                        <p:strVal val="visible"/>
+                                      </p:to>
+                                    </p:set>
+                                  </p:childTnLst>
+                                </p:cTn>
+                              </p:par>
+                            </p:childTnLst>
+                          </p:cTn>
+                        </p:par>
+                      </p:childTnLst>
+                    </p:cTn>
+                  </p:par>
+                  <p:par>
+                    <p:cTn id="11" fill="hold">
+                      <p:stCondLst>
+                        <p:cond delay="indefinite"/>
+                      </p:stCondLst>
+                      <p:childTnLst>
+                        <p:par>
+                          <p:cTn id="12" fill="hold">
+                            <p:stCondLst>
+                              <p:cond delay="0"/>
+                            </p:stCondLst>
+                            <p:childTnLst>
+                              <p:par>
+                                <p:cTn id="13" presetID="1" presetClass="entr" presetSubtype="0" fill="hold" nodeType="clickEffect">
+                                  <p:stCondLst>
+                                    <p:cond delay="0"/>
+                                  </p:stCondLst>
+                                  <p:childTnLst>
+                                    <p:set>
+                                      <p:cBhvr>
+                                        <p:cTn id="14" dur="1" fill="hold">
+                                          <p:stCondLst>
+                                            <p:cond delay="0"/>
+                                          </p:stCondLst>
+                                        </p:cTn>
+                                        <p:tgtEl>
+                                          <p:spTgt spid="2">
+                                            <p:txEl>
+                                              <p:pRg st="1" end="1"/>
+                                            </p:txEl>
+                                          </p:spTgt>
+                                        </p:tgtEl>
+                                        <p:attrNameLst>
+                                          <p:attrName>style.visibility</p:attrName>
+                                        </p:attrNameLst>
+                                      </p:cBhvr>
+                                      <p:to>
+                                        <p:strVal val="visible"/>
+                                      </p:to>
+                                    </p:set>
+                                  </p:childTnLst>
+                                </p:cTn>
+                              </p:par>
+                            </p:childTnLst>
+                          </p:cTn>
+                        </p:par>
+                      </p:childTnLst>
+                    </p:cTn>
+                  </p:par>
+                  <p:par>
+                    <p:cTn id="15" fill="hold">
+                      <p:stCondLst>
+                        <p:cond delay="indefinite"/>
+                      </p:stCondLst>
+                      <p:childTnLst>
+                        <p:par>
+                          <p:cTn id="16" fill="hold">
+                            <p:stCondLst>
+                              <p:cond delay="0"/>
+                            </p:stCondLst>
+                            <p:childTnLst>
+                              <p:par>
+                                <p:cTn id="17" presetID="1" presetClass="entr" presetSubtype="0" fill="hold" grpId="0" nodeType="clickEffect">
+                                  <p:stCondLst>
+                                    <p:cond delay="0"/>
+                                  </p:stCondLst>
+                                  <p:childTnLst>
+                                    <p:set>
+                                      <p:cBhvr>
+                                        <p:cTn id="18" dur="1" fill="hold">
+                                          <p:stCondLst>
+                                            <p:cond delay="0"/>
+                                          </p:stCondLst>
+                                        </p:cTn>
+                                        <p:tgtEl>
+                                          <p:spTgt spid="13"/>
+                                        </p:tgtEl>
+                                        <p:attrNameLst>
+                                          <p:attrName>style.visibility</p:attrName>
+                                        </p:attrNameLst>
+                                      </p:cBhvr>
+                                      <p:to>
+                                        <p:strVal val="visible"/>
+                                      </p:to>
+                                    </p:set>
+                                  </p:childTnLst>
+                                </p:cTn>
+                              </p:par>
+                            </p:childTnLst>
+                          </p:cTn>
+                        </p:par>
+                      </p:childTnLst>
+                    </p:cTn>
+                  </p:par>
+                  <p:par>
+                    <p:cTn id="19" fill="hold">
+                      <p:stCondLst>
+                        <p:cond delay="indefinite"/>
+                      </p:stCondLst>
+                      <p:childTnLst>
+                        <p:par>
+                          <p:cTn id="20" fill="hold">
+                            <p:stCondLst>
+                              <p:cond delay="0"/>
+                            </p:stCondLst>
+                            <p:childTnLst>
+                              <p:par>
+                                <p:cTn id="21" presetID="1" presetClass="entr" presetSubtype="0" fill="hold" nodeType="clickEffect">
+                                  <p:stCondLst>
+                                    <p:cond delay="0"/>
+                                  </p:stCondLst>
+                                  <p:childTnLst>
+                                    <p:set>
+                                      <p:cBhvr>
+                                        <p:cTn id="22" dur="1" fill="hold">
+                                          <p:stCondLst>
+                                            <p:cond delay="0"/>
+                                          </p:stCondLst>
+                                        </p:cTn>
+                                        <p:tgtEl>
+                                          <p:spTgt spid="2">
+                                            <p:txEl>
+                                              <p:pRg st="2" end="2"/>
+                                            </p:txEl>
+                                          </p:spTgt>
+                                        </p:tgtEl>
+                                        <p:attrNameLst>
+                                          <p:attrName>style.visibility</p:attrName>
+                                        </p:attrNameLst>
+                                      </p:cBhvr>
+                                      <p:to>
+                                        <p:strVal val="visible"/>
+                                      </p:to>
+                                    </p:set>
+                                  </p:childTnLst>
+                                </p:cTn>
+                              </p:par>
+                            </p:childTnLst>
+                          </p:cTn>
+                        </p:par>
+                      </p:childTnLst>
+                    </p:cTn>
+                  </p:par>
+                  <p:par>
+                    <p:cTn id="23" fill="hold">
+                      <p:stCondLst>
+                        <p:cond delay="indefinite"/>
+                      </p:stCondLst>
+                      <p:childTnLst>
+                        <p:par>
+                          <p:cTn id="24" fill="hold">
+                            <p:stCondLst>
+                              <p:cond delay="0"/>
+                            </p:stCondLst>
+                            <p:childTnLst>
+                              <p:par>
+                                <p:cTn id="25" presetID="1" presetClass="entr" presetSubtype="0" fill="hold" nodeType="clickEffect">
+                                  <p:stCondLst>
+                                    <p:cond delay="0"/>
+                                  </p:stCondLst>
+                                  <p:childTnLst>
+                                    <p:set>
+                                      <p:cBhvr>
+                                        <p:cTn id="26" dur="1" fill="hold">
+                                          <p:stCondLst>
+                                            <p:cond delay="0"/>
+                                          </p:stCondLst>
+                                        </p:cTn>
+                                        <p:tgtEl>
+                                          <p:spTgt spid="2">
+                                            <p:txEl>
+                                              <p:pRg st="3" end="3"/>
+                                            </p:txEl>
+                                          </p:spTgt>
+                                        </p:tgtEl>
+                                        <p:attrNameLst>
+                                          <p:attrName>style.visibility</p:attrName>
+                                        </p:attrNameLst>
+                                      </p:cBhvr>
+                                      <p:to>
+                                        <p:strVal val="visible"/>
+                                      </p:to>
+                                    </p:set>
+                                  </p:childTnLst>
+                                </p:cTn>
+                              </p:par>
+                            </p:childTnLst>
+                          </p:cTn>
+                        </p:par>
+                      </p:childTnLst>
+                    </p:cTn>
+                  </p:par>
+                  <p:par>
+                    <p:cTn id="27" fill="hold">
+                      <p:stCondLst>
+                        <p:cond delay="indefinite"/>
+                      </p:stCondLst>
+                      <p:childTnLst>
+                        <p:par>
+                          <p:cTn id="28" fill="hold">
+                            <p:stCondLst>
+                              <p:cond delay="0"/>
+                            </p:stCondLst>
+                            <p:childTnLst>
+                              <p:par>
+                                <p:cTn id="29" presetID="1" presetClass="entr" presetSubtype="0" fill="hold" nodeType="clickEffect">
+                                  <p:stCondLst>
+                                    <p:cond delay="0"/>
+                                  </p:stCondLst>
+                                  <p:childTnLst>
+                                    <p:set>
+                                      <p:cBhvr>
+                                        <p:cTn id="30" dur="1" fill="hold">
+                                          <p:stCondLst>
+                                            <p:cond delay="0"/>
+                                          </p:stCondLst>
+                                        </p:cTn>
+                                        <p:tgtEl>
+                                          <p:spTgt spid="7"/>
+                                        </p:tgtEl>
+                                        <p:attrNameLst>
+                                          <p:attrName>style.visibility</p:attrName>
+                                        </p:attrNameLst>
+                                      </p:cBhvr>
+                                      <p:to>
+                                        <p:strVal val="visible"/>
+                                      </p:to>
+                                    </p:set>
+                                  </p:childTnLst>
+                                </p:cTn>
+                              </p:par>
+                            </p:childTnLst>
+                          </p:cTn>
+                        </p:par>
+                      </p:childTnLst>
+                    </p:cTn>
+                  </p:par>
+                  <p:par>
+                    <p:cTn id="31" fill="hold">
+                      <p:stCondLst>
+                        <p:cond delay="indefinite"/>
+                      </p:stCondLst>
+                      <p:childTnLst>
+                        <p:par>
+                          <p:cTn id="32" fill="hold">
+                            <p:stCondLst>
+                              <p:cond delay="0"/>
+                            </p:stCondLst>
+                            <p:childTnLst>
+                              <p:par>
+                                <p:cTn id="33" presetID="1" presetClass="entr" presetSubtype="0" fill="hold" grpId="0" nodeType="clickEffect">
+                                  <p:stCondLst>
+                                    <p:cond delay="0"/>
+                                  </p:stCondLst>
+                                  <p:childTnLst>
+                                    <p:set>
+                                      <p:cBhvr>
+                                        <p:cTn id="34" dur="1" fill="hold">
+                                          <p:stCondLst>
+                                            <p:cond delay="0"/>
+                                          </p:stCondLst>
+                                        </p:cTn>
+                                        <p:tgtEl>
+                                          <p:spTgt spid="8"/>
+                                        </p:tgtEl>
+                                        <p:attrNameLst>
+                                          <p:attrName>style.visibility</p:attrName>
+                                        </p:attrNameLst>
+                                      </p:cBhvr>
+                                      <p:to>
+                                        <p:strVal val="visible"/>
+                                      </p:to>
+                                    </p:set>
+                                  </p:childTnLst>
+                                </p:cTn>
+                              </p:par>
+                            </p:childTnLst>
+                          </p:cTn>
+                        </p:par>
+                      </p:childTnLst>
+                    </p:cTn>
+                  </p:par>
+                  <p:par>
+                    <p:cTn id="35" fill="hold">
+                      <p:stCondLst>
+                        <p:cond delay="indefinite"/>
+                      </p:stCondLst>
+                      <p:childTnLst>
+                        <p:par>
+                          <p:cTn id="36" fill="hold">
+                            <p:stCondLst>
+                              <p:cond delay="0"/>
+                            </p:stCondLst>
+                            <p:childTnLst>
+                              <p:par>
+                                <p:cTn id="37" presetID="1" presetClass="entr" presetSubtype="0" fill="hold" grpId="0" nodeType="clickEffect">
+                                  <p:stCondLst>
+                                    <p:cond delay="0"/>
+                                  </p:stCondLst>
+                                  <p:childTnLst>
+                                    <p:set>
+                                      <p:cBhvr>
+                                        <p:cTn id="38" dur="1" fill="hold">
+                                          <p:stCondLst>
+                                            <p:cond delay="0"/>
+                                          </p:stCondLst>
+                                        </p:cTn>
+                                        <p:tgtEl>
+                                          <p:spTgt spid="9"/>
+                                        </p:tgtEl>
+                                        <p:attrNameLst>
+                                          <p:attrName>style.visibility</p:attrName>
+                                        </p:attrNameLst>
+                                      </p:cBhvr>
+                                      <p:to>
+                                        <p:strVal val="visible"/>
+                                      </p:to>
+                                    </p:set>
+                                  </p:childTnLst>
+                                </p:cTn>
+                              </p:par>
+                            </p:childTnLst>
+                          </p:cTn>
+                        </p:par>
+                      </p:childTnLst>
+                    </p:cTn>
+                  </p:par>
+                  <p:par>
+                    <p:cTn id="39" fill="hold">
+                      <p:stCondLst>
+                        <p:cond delay="indefinite"/>
+                      </p:stCondLst>
+                      <p:childTnLst>
+                        <p:par>
+                          <p:cTn id="40" fill="hold">
+                            <p:stCondLst>
+                              <p:cond delay="0"/>
+                            </p:stCondLst>
+                            <p:childTnLst>
+                              <p:par>
+                                <p:cTn id="41" presetID="1" presetClass="entr" presetSubtype="0" fill="hold" nodeType="clickEffect">
+                                  <p:stCondLst>
+                                    <p:cond delay="0"/>
+                                  </p:stCondLst>
+                                  <p:childTnLst>
+                                    <p:set>
+                                      <p:cBhvr>
+                                        <p:cTn id="42" dur="1" fill="hold">
+                                          <p:stCondLst>
+                                            <p:cond delay="0"/>
+                                          </p:stCondLst>
+                                        </p:cTn>
+                                        <p:tgtEl>
+                                          <p:spTgt spid="11"/>
+                                        </p:tgtEl>
+                                        <p:attrNameLst>
+                                          <p:attrName>style.visibility</p:attrName>
+                                        </p:attrNameLst>
+                                      </p:cBhvr>
+                                      <p:to>
+                                        <p:strVal val="visible"/>
+                                      </p:to>
+                                    </p:set>
+                                  </p:childTnLst>
+                                </p:cTn>
+                              </p:par>
+                            </p:childTnLst>
+                          </p:cTn>
+                        </p:par>
+                      </p:childTnLst>
+                    </p:cTn>
+                  </p:par>
+                </p:childTnLst>
+              </p:cTn>
+              <p:prevCondLst>
+                <p:cond evt="onPrev" delay="0">
+                  <p:tgtEl>
+                    <p:sldTgt/>
+                  </p:tgtEl>
+                </p:cond>
+              </p:prevCondLst>
+              <p:nextCondLst>
+                <p:cond evt="onNext" delay="0">
+                  <p:tgtEl>
+                    <p:sldTgt/>
+                  </p:tgtEl>
+                </p:cond>
+              </p:nextCondLst>
+            </p:seq>
+          </p:childTnLst>
+        </p:cTn>
+      </p:par>
+    </p:tnLst>
+    <p:bldLst>
+      <p:bldP spid="8" grpId="0"/>
+      <p:bldP spid="9" grpId="0"/>
+      <p:bldP spid="12" grpId="0"/>
+      <p:bldP spid="13" grpId="0"/>
+    </p:bldLst>
+  </p:timing>
+</p:sld>
+</file>
+
+<file path=ppt/slides/slide14.xml><?xml version="1.0" encoding="utf-8"?>
+<p:sld xmlns:a="http://schemas.openxmlformats.org/drawingml/2006/main" xmlns:r="http://schemas.openxmlformats.org/officeDocument/2006/relationships" xmlns:p="http://schemas.openxmlformats.org/presentationml/2006/main">
+  <p:cSld>
+    <p:spTree>
+      <p:nvGrpSpPr>
+        <p:cNvPr id="1" name=""/>
+        <p:cNvGrpSpPr/>
+        <p:nvPr/>
+      </p:nvGrpSpPr>
+      <p:grpSpPr>
+        <a:xfrm>
+          <a:off x="0" y="0"/>
+          <a:ext cx="0" cy="0"/>
+          <a:chOff x="0" y="0"/>
+          <a:chExt cx="0" cy="0"/>
+        </a:xfrm>
+      </p:grpSpPr>
+      <p:sp>
+        <p:nvSpPr>
+          <p:cNvPr id="2" name="文本占位符 1"/>
+          <p:cNvSpPr>
+            <a:spLocks noGrp="1"/>
+          </p:cNvSpPr>
+          <p:nvPr>
+            <p:ph type="body" idx="1"/>
+          </p:nvPr>
+        </p:nvSpPr>
+        <p:spPr/>
+        <p:txBody>
+          <a:bodyPr/>
+          <a:lstStyle/>
+          <a:p>
+            <a:pPr marL="285750" indent="-285750">
+              <a:buFont typeface="Arial" panose="020B0604020202020204" pitchFamily="34" charset="0"/>
+              <a:buChar char="•"/>
+            </a:pPr>
+            <a:r>
+              <a:rPr lang="zh-CN" altLang="en-US" dirty="0"/>
+              <a:t>为什么会出现</a:t>
+            </a:r>
+            <a:r>
+              <a:rPr lang="en" altLang="zh-CN" dirty="0"/>
+              <a:t>loss</a:t>
+            </a:r>
+            <a:r>
+              <a:rPr lang="zh-CN" altLang="en-US" dirty="0"/>
+              <a:t>逐渐增大的情况？</a:t>
+            </a:r>
+            <a:endParaRPr lang="en-US" altLang="zh-CN" dirty="0"/>
+          </a:p>
+          <a:p>
+            <a:pPr marL="285750" indent="-285750">
+              <a:buFont typeface="Arial" panose="020B0604020202020204" pitchFamily="34" charset="0"/>
+              <a:buChar char="•"/>
+            </a:pPr>
+            <a:r>
+              <a:rPr lang="zh-CN" altLang="en-US" dirty="0"/>
+              <a:t>如何解决？</a:t>
+            </a:r>
+            <a:endParaRPr lang="en-US" altLang="zh-CN" dirty="0"/>
+          </a:p>
+          <a:p>
+            <a:pPr marL="285750" indent="-285750">
+              <a:buFont typeface="Arial" panose="020B0604020202020204" pitchFamily="34" charset="0"/>
+              <a:buChar char="•"/>
+            </a:pPr>
+            <a:r>
+              <a:rPr lang="zh-CN" altLang="en-US" dirty="0"/>
+              <a:t>修改代码，运行结果？</a:t>
+            </a:r>
+            <a:endParaRPr lang="en-US" altLang="zh-CN" dirty="0"/>
+          </a:p>
+          <a:p>
+            <a:pPr marL="285750" indent="-285750">
+              <a:buFont typeface="Arial" panose="020B0604020202020204" pitchFamily="34" charset="0"/>
+              <a:buChar char="•"/>
+            </a:pPr>
+            <a:endParaRPr lang="en-US" altLang="zh-CN" dirty="0"/>
+          </a:p>
+          <a:p>
+            <a:pPr marL="285750" indent="-285750">
+              <a:buFont typeface="Arial" panose="020B0604020202020204" pitchFamily="34" charset="0"/>
+              <a:buChar char="•"/>
+            </a:pPr>
+            <a:r>
+              <a:rPr lang="zh-CN" altLang="en-US" dirty="0"/>
+              <a:t>自学、互学、展学</a:t>
+            </a:r>
+          </a:p>
+          <a:p>
+            <a:pPr marL="285750" indent="-285750">
+              <a:buFont typeface="Arial" panose="020B0604020202020204" pitchFamily="34" charset="0"/>
+              <a:buChar char="•"/>
+            </a:pPr>
+            <a:endParaRPr lang="en-US" altLang="zh-CN" dirty="0"/>
+          </a:p>
+          <a:p>
+            <a:pPr marL="285750" indent="-285750">
+              <a:buFont typeface="Arial" panose="020B0604020202020204" pitchFamily="34" charset="0"/>
+              <a:buChar char="•"/>
+            </a:pPr>
+            <a:endParaRPr dirty="0">
+              <a:sym typeface="+mn-ea"/>
+            </a:endParaRPr>
+          </a:p>
+        </p:txBody>
+      </p:sp>
+      <p:sp>
+        <p:nvSpPr>
+          <p:cNvPr id="3" name="标题 2"/>
+          <p:cNvSpPr>
+            <a:spLocks noGrp="1"/>
+          </p:cNvSpPr>
+          <p:nvPr>
+            <p:ph type="title"/>
+          </p:nvPr>
+        </p:nvSpPr>
+        <p:spPr/>
+        <p:txBody>
+          <a:bodyPr/>
+          <a:lstStyle/>
+          <a:p>
+            <a:r>
+              <a:rPr lang="zh-CN" altLang="en-US" dirty="0"/>
+              <a:t>任务：改进训练，使其收敛</a:t>
+            </a:r>
+          </a:p>
+        </p:txBody>
+      </p:sp>
+      <p:sp>
+        <p:nvSpPr>
+          <p:cNvPr id="9" name="文本框 8">
+            <a:extLst>
+              <a:ext uri="{FF2B5EF4-FFF2-40B4-BE49-F238E27FC236}">
+                <a16:creationId xmlns:a16="http://schemas.microsoft.com/office/drawing/2014/main" id="{681AECBB-6936-E58F-FD1E-41FBE20C0988}"/>
+              </a:ext>
+            </a:extLst>
+          </p:cNvPr>
+          <p:cNvSpPr txBox="1"/>
+          <p:nvPr/>
+        </p:nvSpPr>
+        <p:spPr>
+          <a:xfrm>
+            <a:off x="5921621" y="1849389"/>
+            <a:ext cx="4367367" cy="2585323"/>
+          </a:xfrm>
+          <a:prstGeom prst="rect">
+            <a:avLst/>
+          </a:prstGeom>
+          <a:noFill/>
+        </p:spPr>
+        <p:txBody>
+          <a:bodyPr wrap="square" rtlCol="0">
+            <a:spAutoFit/>
+          </a:bodyPr>
+          <a:lstStyle/>
+          <a:p>
+            <a:r>
+              <a:rPr lang="zh-CN" altLang="en-US" dirty="0"/>
+              <a:t>学习率太大</a:t>
+            </a:r>
+            <a:endParaRPr lang="en-US" altLang="zh-CN" dirty="0"/>
+          </a:p>
+          <a:p>
+            <a:r>
+              <a:rPr kumimoji="1" lang="zh-CN" altLang="en-US" dirty="0"/>
+              <a:t>如下图所示：</a:t>
+            </a:r>
+            <a:endParaRPr kumimoji="1" lang="en-US" altLang="zh-CN" dirty="0"/>
+          </a:p>
+          <a:p>
+            <a:endParaRPr kumimoji="1" lang="en-US" altLang="zh-CN" dirty="0"/>
+          </a:p>
+          <a:p>
+            <a:endParaRPr kumimoji="1" lang="en-US" altLang="zh-CN" dirty="0"/>
+          </a:p>
+          <a:p>
+            <a:endParaRPr kumimoji="1" lang="en-US" altLang="zh-CN" dirty="0"/>
+          </a:p>
+          <a:p>
+            <a:endParaRPr kumimoji="1" lang="en-US" altLang="zh-CN" dirty="0"/>
+          </a:p>
+          <a:p>
+            <a:endParaRPr kumimoji="1" lang="en-US" altLang="zh-CN" dirty="0"/>
+          </a:p>
+          <a:p>
+            <a:endParaRPr kumimoji="1" lang="en-US" altLang="zh-CN" dirty="0"/>
+          </a:p>
+          <a:p>
+            <a:r>
+              <a:rPr kumimoji="1" lang="zh-CN" altLang="en-US" dirty="0"/>
+              <a:t>因为步长过大，可能会跨过谷底</a:t>
+            </a:r>
+          </a:p>
+        </p:txBody>
+      </p:sp>
+      <p:sp>
+        <p:nvSpPr>
+          <p:cNvPr id="4" name="文本框 3">
+            <a:extLst>
+              <a:ext uri="{FF2B5EF4-FFF2-40B4-BE49-F238E27FC236}">
+                <a16:creationId xmlns:a16="http://schemas.microsoft.com/office/drawing/2014/main" id="{7932DD63-8DDA-529B-2ADD-203742F352D9}"/>
+              </a:ext>
+            </a:extLst>
+          </p:cNvPr>
+          <p:cNvSpPr txBox="1"/>
+          <p:nvPr/>
+        </p:nvSpPr>
+        <p:spPr>
+          <a:xfrm>
+            <a:off x="3481897" y="4555617"/>
+            <a:ext cx="3745840" cy="646331"/>
+          </a:xfrm>
+          <a:prstGeom prst="rect">
+            <a:avLst/>
+          </a:prstGeom>
+          <a:noFill/>
+        </p:spPr>
+        <p:txBody>
+          <a:bodyPr wrap="square" rtlCol="0">
+            <a:spAutoFit/>
+          </a:bodyPr>
+          <a:lstStyle/>
+          <a:p>
+            <a:r>
+              <a:rPr lang="zh-CN" altLang="en-US" dirty="0"/>
+              <a:t>减小学习率，增加轮数；</a:t>
+            </a:r>
+            <a:endParaRPr lang="en-US" altLang="zh-CN" dirty="0"/>
+          </a:p>
+          <a:p>
+            <a:r>
+              <a:rPr kumimoji="1" lang="zh-CN" altLang="en-US" dirty="0"/>
+              <a:t>使用优化算法动态调整学习率</a:t>
+            </a:r>
+          </a:p>
+        </p:txBody>
+      </p:sp>
+      <p:pic>
+        <p:nvPicPr>
+          <p:cNvPr id="6" name="图片 5">
+            <a:extLst>
+              <a:ext uri="{FF2B5EF4-FFF2-40B4-BE49-F238E27FC236}">
+                <a16:creationId xmlns:a16="http://schemas.microsoft.com/office/drawing/2014/main" id="{15FD8858-14AE-0438-A146-22450B1452CF}"/>
+              </a:ext>
+            </a:extLst>
+          </p:cNvPr>
+          <p:cNvPicPr>
+            <a:picLocks noChangeAspect="1"/>
+          </p:cNvPicPr>
+          <p:nvPr/>
+        </p:nvPicPr>
+        <p:blipFill>
+          <a:blip r:embed="rId3">
+            <a:extLst>
+              <a:ext uri="{28A0092B-C50C-407E-A947-70E740481C1C}">
+                <a14:useLocalDpi xmlns:a14="http://schemas.microsoft.com/office/drawing/2010/main" val="0"/>
+              </a:ext>
+            </a:extLst>
+          </a:blip>
+          <a:stretch>
+            <a:fillRect/>
+          </a:stretch>
+        </p:blipFill>
+        <p:spPr>
+          <a:xfrm>
+            <a:off x="6859876" y="2619058"/>
+            <a:ext cx="1306113" cy="1175502"/>
+          </a:xfrm>
+          <a:prstGeom prst="rect">
+            <a:avLst/>
+          </a:prstGeom>
+        </p:spPr>
+      </p:pic>
+    </p:spTree>
+    <p:custDataLst>
+      <p:tags r:id="rId1"/>
+    </p:custDataLst>
+    <p:extLst>
+      <p:ext uri="{BB962C8B-B14F-4D97-AF65-F5344CB8AC3E}">
+        <p14:creationId xmlns:p14="http://schemas.microsoft.com/office/powerpoint/2010/main" val="1818727680"/>
+      </p:ext>
+    </p:extLst>
+  </p:cSld>
+  <p:clrMapOvr>
+    <a:masterClrMapping/>
+  </p:clrMapOvr>
+  <p:timing>
+    <p:tnLst>
+      <p:par>
+        <p:cTn id="1" dur="indefinite" restart="never" nodeType="tmRoot">
+          <p:childTnLst>
+            <p:seq concurrent="1" nextAc="seek">
+              <p:cTn id="2" dur="indefinite" nodeType="mainSeq">
+                <p:childTnLst>
+                  <p:par>
+                    <p:cTn id="3" fill="hold">
+                      <p:stCondLst>
+                        <p:cond delay="indefinite"/>
+                      </p:stCondLst>
+                      <p:childTnLst>
+                        <p:par>
+                          <p:cTn id="4" fill="hold">
+                            <p:stCondLst>
+                              <p:cond delay="0"/>
+                            </p:stCondLst>
+                            <p:childTnLst>
+                              <p:par>
+                                <p:cTn id="5" presetID="1" presetClass="entr" presetSubtype="0" fill="hold" nodeType="clickEffect">
+                                  <p:stCondLst>
+                                    <p:cond delay="0"/>
+                                  </p:stCondLst>
+                                  <p:childTnLst>
+                                    <p:set>
+                                      <p:cBhvr>
+                                        <p:cTn id="6" dur="1" fill="hold">
+                                          <p:stCondLst>
+                                            <p:cond delay="0"/>
+                                          </p:stCondLst>
+                                        </p:cTn>
+                                        <p:tgtEl>
+                                          <p:spTgt spid="2">
+                                            <p:txEl>
+                                              <p:pRg st="0" end="0"/>
+                                            </p:txEl>
+                                          </p:spTgt>
+                                        </p:tgtEl>
+                                        <p:attrNameLst>
+                                          <p:attrName>style.visibility</p:attrName>
+                                        </p:attrNameLst>
+                                      </p:cBhvr>
+                                      <p:to>
+                                        <p:strVal val="visible"/>
+                                      </p:to>
+                                    </p:set>
+                                  </p:childTnLst>
+                                </p:cTn>
+                              </p:par>
+                            </p:childTnLst>
+                          </p:cTn>
+                        </p:par>
+                      </p:childTnLst>
+                    </p:cTn>
+                  </p:par>
+                  <p:par>
+                    <p:cTn id="7" fill="hold">
+                      <p:stCondLst>
+                        <p:cond delay="indefinite"/>
+                      </p:stCondLst>
+                      <p:childTnLst>
+                        <p:par>
+                          <p:cTn id="8" fill="hold">
+                            <p:stCondLst>
+                              <p:cond delay="0"/>
+                            </p:stCondLst>
+                            <p:childTnLst>
+                              <p:par>
+                                <p:cTn id="9" presetID="1" presetClass="entr" presetSubtype="0" fill="hold" grpId="0" nodeType="clickEffect">
+                                  <p:stCondLst>
+                                    <p:cond delay="0"/>
+                                  </p:stCondLst>
+                                  <p:childTnLst>
+                                    <p:set>
+                                      <p:cBhvr>
+                                        <p:cTn id="10" dur="1" fill="hold">
+                                          <p:stCondLst>
+                                            <p:cond delay="0"/>
+                                          </p:stCondLst>
+                                        </p:cTn>
+                                        <p:tgtEl>
+                                          <p:spTgt spid="9"/>
+                                        </p:tgtEl>
+                                        <p:attrNameLst>
+                                          <p:attrName>style.visibility</p:attrName>
+                                        </p:attrNameLst>
+                                      </p:cBhvr>
+                                      <p:to>
+                                        <p:strVal val="visible"/>
+                                      </p:to>
+                                    </p:set>
+                                  </p:childTnLst>
+                                </p:cTn>
+                              </p:par>
+                              <p:par>
+                                <p:cTn id="11" presetID="1" presetClass="entr" presetSubtype="0" fill="hold" nodeType="withEffect">
+                                  <p:stCondLst>
+                                    <p:cond delay="0"/>
+                                  </p:stCondLst>
+                                  <p:childTnLst>
+                                    <p:set>
+                                      <p:cBhvr>
+                                        <p:cTn id="12" dur="1" fill="hold">
+                                          <p:stCondLst>
+                                            <p:cond delay="0"/>
+                                          </p:stCondLst>
+                                        </p:cTn>
+                                        <p:tgtEl>
+                                          <p:spTgt spid="6"/>
+                                        </p:tgtEl>
+                                        <p:attrNameLst>
+                                          <p:attrName>style.visibility</p:attrName>
+                                        </p:attrNameLst>
+                                      </p:cBhvr>
+                                      <p:to>
+                                        <p:strVal val="visible"/>
+                                      </p:to>
+                                    </p:set>
+                                  </p:childTnLst>
+                                </p:cTn>
+                              </p:par>
+                            </p:childTnLst>
+                          </p:cTn>
+                        </p:par>
+                      </p:childTnLst>
+                    </p:cTn>
+                  </p:par>
+                  <p:par>
+                    <p:cTn id="13" fill="hold">
+                      <p:stCondLst>
+                        <p:cond delay="indefinite"/>
+                      </p:stCondLst>
+                      <p:childTnLst>
+                        <p:par>
+                          <p:cTn id="14" fill="hold">
+                            <p:stCondLst>
+                              <p:cond delay="0"/>
+                            </p:stCondLst>
+                            <p:childTnLst>
+                              <p:par>
+                                <p:cTn id="15" presetID="1" presetClass="entr" presetSubtype="0" fill="hold" nodeType="clickEffect">
+                                  <p:stCondLst>
+                                    <p:cond delay="0"/>
+                                  </p:stCondLst>
+                                  <p:childTnLst>
+                                    <p:set>
+                                      <p:cBhvr>
+                                        <p:cTn id="16" dur="1" fill="hold">
+                                          <p:stCondLst>
+                                            <p:cond delay="0"/>
+                                          </p:stCondLst>
+                                        </p:cTn>
+                                        <p:tgtEl>
+                                          <p:spTgt spid="2">
+                                            <p:txEl>
+                                              <p:pRg st="1" end="1"/>
+                                            </p:txEl>
+                                          </p:spTgt>
+                                        </p:tgtEl>
+                                        <p:attrNameLst>
+                                          <p:attrName>style.visibility</p:attrName>
+                                        </p:attrNameLst>
+                                      </p:cBhvr>
+                                      <p:to>
+                                        <p:strVal val="visible"/>
+                                      </p:to>
+                                    </p:set>
+                                  </p:childTnLst>
+                                </p:cTn>
+                              </p:par>
+                            </p:childTnLst>
+                          </p:cTn>
+                        </p:par>
+                      </p:childTnLst>
+                    </p:cTn>
+                  </p:par>
+                  <p:par>
+                    <p:cTn id="17" fill="hold">
+                      <p:stCondLst>
+                        <p:cond delay="indefinite"/>
+                      </p:stCondLst>
+                      <p:childTnLst>
+                        <p:par>
+                          <p:cTn id="18" fill="hold">
+                            <p:stCondLst>
+                              <p:cond delay="0"/>
+                            </p:stCondLst>
+                            <p:childTnLst>
+                              <p:par>
+                                <p:cTn id="19" presetID="1" presetClass="entr" presetSubtype="0" fill="hold" grpId="0" nodeType="clickEffect">
+                                  <p:stCondLst>
+                                    <p:cond delay="0"/>
+                                  </p:stCondLst>
+                                  <p:childTnLst>
+                                    <p:set>
+                                      <p:cBhvr>
+                                        <p:cTn id="20" dur="1" fill="hold">
+                                          <p:stCondLst>
+                                            <p:cond delay="0"/>
+                                          </p:stCondLst>
+                                        </p:cTn>
+                                        <p:tgtEl>
+                                          <p:spTgt spid="4"/>
+                                        </p:tgtEl>
+                                        <p:attrNameLst>
+                                          <p:attrName>style.visibility</p:attrName>
+                                        </p:attrNameLst>
+                                      </p:cBhvr>
+                                      <p:to>
+                                        <p:strVal val="visible"/>
+                                      </p:to>
+                                    </p:set>
+                                  </p:childTnLst>
+                                </p:cTn>
+                              </p:par>
+                            </p:childTnLst>
+                          </p:cTn>
+                        </p:par>
+                      </p:childTnLst>
+                    </p:cTn>
+                  </p:par>
+                  <p:par>
+                    <p:cTn id="21" fill="hold">
+                      <p:stCondLst>
+                        <p:cond delay="indefinite"/>
+                      </p:stCondLst>
+                      <p:childTnLst>
+                        <p:par>
+                          <p:cTn id="22" fill="hold">
+                            <p:stCondLst>
+                              <p:cond delay="0"/>
+                            </p:stCondLst>
+                            <p:childTnLst>
+                              <p:par>
+                                <p:cTn id="23" presetID="1" presetClass="entr" presetSubtype="0" fill="hold" nodeType="clickEffect">
+                                  <p:stCondLst>
+                                    <p:cond delay="0"/>
+                                  </p:stCondLst>
+                                  <p:childTnLst>
+                                    <p:set>
+                                      <p:cBhvr>
+                                        <p:cTn id="24" dur="1" fill="hold">
+                                          <p:stCondLst>
+                                            <p:cond delay="0"/>
+                                          </p:stCondLst>
+                                        </p:cTn>
+                                        <p:tgtEl>
+                                          <p:spTgt spid="2">
+                                            <p:txEl>
+                                              <p:pRg st="2" end="2"/>
+                                            </p:txEl>
+                                          </p:spTgt>
+                                        </p:tgtEl>
+                                        <p:attrNameLst>
+                                          <p:attrName>style.visibility</p:attrName>
+                                        </p:attrNameLst>
+                                      </p:cBhvr>
+                                      <p:to>
+                                        <p:strVal val="visible"/>
+                                      </p:to>
+                                    </p:set>
+                                  </p:childTnLst>
+                                </p:cTn>
+                              </p:par>
+                            </p:childTnLst>
+                          </p:cTn>
+                        </p:par>
+                      </p:childTnLst>
+                    </p:cTn>
+                  </p:par>
+                </p:childTnLst>
+              </p:cTn>
+              <p:prevCondLst>
+                <p:cond evt="onPrev" delay="0">
+                  <p:tgtEl>
+                    <p:sldTgt/>
+                  </p:tgtEl>
+                </p:cond>
+              </p:prevCondLst>
+              <p:nextCondLst>
+                <p:cond evt="onNext" delay="0">
+                  <p:tgtEl>
+                    <p:sldTgt/>
+                  </p:tgtEl>
+                </p:cond>
+              </p:nextCondLst>
+            </p:seq>
+          </p:childTnLst>
+        </p:cTn>
+      </p:par>
+    </p:tnLst>
+    <p:bldLst>
+      <p:bldP spid="9" grpId="0"/>
+      <p:bldP spid="4" grpId="0"/>
+    </p:bldLst>
+  </p:timing>
+</p:sld>
+</file>
+
+<file path=ppt/slides/slide15.xml><?xml version="1.0" encoding="utf-8"?>
+<p:sld xmlns:a="http://schemas.openxmlformats.org/drawingml/2006/main" xmlns:r="http://schemas.openxmlformats.org/officeDocument/2006/relationships" xmlns:p="http://schemas.openxmlformats.org/presentationml/2006/main">
+  <p:cSld>
+    <p:spTree>
+      <p:nvGrpSpPr>
+        <p:cNvPr id="1" name=""/>
+        <p:cNvGrpSpPr/>
+        <p:nvPr/>
+      </p:nvGrpSpPr>
+      <p:grpSpPr>
+        <a:xfrm>
+          <a:off x="0" y="0"/>
+          <a:ext cx="0" cy="0"/>
+          <a:chOff x="0" y="0"/>
+          <a:chExt cx="0" cy="0"/>
+        </a:xfrm>
+      </p:grpSpPr>
+      <p:sp>
+        <p:nvSpPr>
+          <p:cNvPr id="2" name="标题 1"/>
+          <p:cNvSpPr>
+            <a:spLocks noGrp="1"/>
+          </p:cNvSpPr>
+          <p:nvPr>
+            <p:ph type="title"/>
+          </p:nvPr>
+        </p:nvSpPr>
+        <p:spPr/>
+        <p:txBody>
+          <a:bodyPr/>
+          <a:lstStyle/>
+          <a:p>
+            <a:r>
+              <a:rPr lang="zh-CN" altLang="en-US"/>
+              <a:t>总结</a:t>
+            </a:r>
+          </a:p>
+        </p:txBody>
+      </p:sp>
+    </p:spTree>
+    <p:custDataLst>
+      <p:tags r:id="rId1"/>
+    </p:custDataLst>
+  </p:cSld>
+  <p:clrMapOvr>
+    <a:masterClrMapping/>
+  </p:clrMapOvr>
+</p:sld>
+</file>
+
+<file path=ppt/slides/slide16.xml><?xml version="1.0" encoding="utf-8"?>
+<p:sld xmlns:a="http://schemas.openxmlformats.org/drawingml/2006/main" xmlns:r="http://schemas.openxmlformats.org/officeDocument/2006/relationships" xmlns:p="http://schemas.openxmlformats.org/presentationml/2006/main">
+  <p:cSld>
+    <p:spTree>
+      <p:nvGrpSpPr>
+        <p:cNvPr id="1" name=""/>
+        <p:cNvGrpSpPr/>
+        <p:nvPr/>
+      </p:nvGrpSpPr>
+      <p:grpSpPr>
+        <a:xfrm>
+          <a:off x="0" y="0"/>
+          <a:ext cx="0" cy="0"/>
+          <a:chOff x="0" y="0"/>
+          <a:chExt cx="0" cy="0"/>
+        </a:xfrm>
+      </p:grpSpPr>
+      <p:sp>
+        <p:nvSpPr>
+          <p:cNvPr id="2" name="文本占位符 1"/>
+          <p:cNvSpPr>
+            <a:spLocks noGrp="1"/>
+          </p:cNvSpPr>
+          <p:nvPr>
+            <p:ph type="body" idx="1"/>
+          </p:nvPr>
+        </p:nvSpPr>
+        <p:spPr/>
+        <p:txBody>
+          <a:bodyPr/>
+          <a:lstStyle/>
+          <a:p>
+            <a:pPr marL="285750" indent="-285750">
+              <a:buFont typeface="Arial" panose="020B0604020202020204" pitchFamily="34" charset="0"/>
+              <a:buChar char="•"/>
+            </a:pPr>
+            <a:r>
+              <a:rPr lang="en-US" dirty="0" err="1"/>
+              <a:t>请回答所有主问题</a:t>
+            </a:r>
+            <a:r>
+              <a:rPr lang="zh-CN" altLang="en-US" dirty="0"/>
+              <a:t>？</a:t>
+            </a:r>
+            <a:endParaRPr lang="en-US" altLang="zh-CN" dirty="0"/>
+          </a:p>
+          <a:p>
+            <a:pPr marL="285750" indent="-285750">
+              <a:buFont typeface="Arial" panose="020B0604020202020204" pitchFamily="34" charset="0"/>
+              <a:buChar char="•"/>
+            </a:pPr>
+            <a:r>
+              <a:rPr lang="zh-CN" altLang="en-US" dirty="0"/>
+              <a:t>如何</a:t>
+            </a:r>
+            <a:r>
+              <a:rPr lang="en-US" altLang="zh-CN" dirty="0" err="1"/>
+              <a:t>根据梯度下降算法实现训练</a:t>
+            </a:r>
+            <a:r>
+              <a:rPr lang="zh-CN" altLang="en-US"/>
+              <a:t>代码？</a:t>
+            </a:r>
+            <a:endParaRPr lang="en-US" altLang="zh-CN" dirty="0"/>
+          </a:p>
+          <a:p>
+            <a:pPr marL="285750" indent="-285750">
+              <a:buFont typeface="Arial" panose="020B0604020202020204" pitchFamily="34" charset="0"/>
+              <a:buChar char="•"/>
+            </a:pPr>
+            <a:r>
+              <a:rPr lang="zh-CN" altLang="en-US" dirty="0"/>
+              <a:t>会出现什么问题？如何解决？</a:t>
+            </a:r>
+            <a:endParaRPr dirty="0">
+              <a:sym typeface="+mn-ea"/>
+            </a:endParaRPr>
+          </a:p>
+          <a:p>
+            <a:endParaRPr dirty="0">
+              <a:solidFill>
+                <a:schemeClr val="bg2"/>
+              </a:solidFill>
+              <a:sym typeface="+mn-ea"/>
+            </a:endParaRPr>
+          </a:p>
+          <a:p>
+            <a:pPr marL="285750" indent="-285750">
+              <a:buFont typeface="Arial" panose="020B0604020202020204" pitchFamily="34" charset="0"/>
+              <a:buChar char="•"/>
+            </a:pPr>
+            <a:r>
+              <a:rPr lang="zh-CN" altLang="en-US" dirty="0"/>
+              <a:t>自学、展学</a:t>
+            </a:r>
+            <a:endParaRPr lang="en-US" altLang="zh-CN" dirty="0"/>
+          </a:p>
+          <a:p>
+            <a:pPr marL="285750" indent="-285750">
+              <a:buFont typeface="Arial" panose="020B0604020202020204" pitchFamily="34" charset="0"/>
+              <a:buChar char="•"/>
+            </a:pPr>
+            <a:endParaRPr dirty="0">
+              <a:sym typeface="+mn-ea"/>
+            </a:endParaRPr>
+          </a:p>
+        </p:txBody>
+      </p:sp>
+      <p:sp>
+        <p:nvSpPr>
+          <p:cNvPr id="3" name="标题 2"/>
+          <p:cNvSpPr>
+            <a:spLocks noGrp="1"/>
+          </p:cNvSpPr>
+          <p:nvPr>
+            <p:ph type="title"/>
+          </p:nvPr>
+        </p:nvSpPr>
+        <p:spPr/>
+        <p:txBody>
+          <a:bodyPr/>
+          <a:lstStyle/>
+          <a:p>
+            <a:r>
+              <a:rPr lang="zh-CN" altLang="en-US"/>
+              <a:t>总结</a:t>
+            </a:r>
+          </a:p>
+        </p:txBody>
+      </p:sp>
+      <p:graphicFrame>
+        <p:nvGraphicFramePr>
+          <p:cNvPr id="4" name="对象 3">
+            <a:hlinkClick r:id="" action="ppaction://ole?verb=0"/>
+          </p:cNvPr>
+          <p:cNvGraphicFramePr>
+            <a:graphicFrameLocks noChangeAspect="1"/>
+          </p:cNvGraphicFramePr>
+          <p:nvPr/>
+        </p:nvGraphicFramePr>
+        <p:xfrm>
+          <a:off x="5638800" y="3244850"/>
+          <a:ext cx="914400" cy="368300"/>
+        </p:xfrm>
+        <a:graphic>
+          <a:graphicData uri="http://schemas.openxmlformats.org/presentationml/2006/ole">
+            <mc:AlternateContent xmlns:mc="http://schemas.openxmlformats.org/markup-compatibility/2006">
+              <mc:Choice xmlns:v="urn:schemas-microsoft-com:vml" Requires="v">
+                <p:oleObj r:id="rId3" imgW="914400" imgH="368300" progId="Equation.KSEE3">
+                  <p:embed/>
+                </p:oleObj>
+              </mc:Choice>
+              <mc:Fallback>
+                <p:oleObj r:id="rId3" imgW="914400" imgH="368300" progId="Equation.KSEE3">
+                  <p:embed/>
+                  <p:pic>
+                    <p:nvPicPr>
+                      <p:cNvPr id="4" name="对象 3">
+                        <a:hlinkClick r:id="" action="ppaction://ole?verb=0"/>
+                      </p:cNvPr>
+                      <p:cNvPicPr/>
+                      <p:nvPr/>
+                    </p:nvPicPr>
+                    <p:blipFill>
+                      <a:blip r:embed="rId4"/>
+                      <a:stretch>
+                        <a:fillRect/>
+                      </a:stretch>
+                    </p:blipFill>
+                    <p:spPr>
+                      <a:xfrm>
+                        <a:off x="5638800" y="3244850"/>
+                        <a:ext cx="914400" cy="368300"/>
+                      </a:xfrm>
+                      <a:prstGeom prst="rect">
+                        <a:avLst/>
+                      </a:prstGeom>
+                    </p:spPr>
+                  </p:pic>
+                </p:oleObj>
+              </mc:Fallback>
+            </mc:AlternateContent>
+          </a:graphicData>
+        </a:graphic>
+      </p:graphicFrame>
+    </p:spTree>
+    <p:custDataLst>
+      <p:tags r:id="rId1"/>
+    </p:custDataLst>
+  </p:cSld>
+  <p:clrMapOvr>
+    <a:masterClrMapping/>
+  </p:clrMapOvr>
+  <p:timing>
+    <p:tnLst>
+      <p:par>
+        <p:cTn id="1" dur="indefinite" restart="never" nodeType="tmRoot">
+          <p:childTnLst>
+            <p:seq concurrent="1" nextAc="seek">
+              <p:cTn id="2" dur="indefinite" nodeType="mainSeq">
+                <p:childTnLst>
+                  <p:par>
+                    <p:cTn id="3" fill="hold">
+                      <p:stCondLst>
+                        <p:cond delay="indefinite"/>
+                      </p:stCondLst>
+                      <p:childTnLst>
+                        <p:par>
+                          <p:cTn id="4" fill="hold">
+                            <p:stCondLst>
+                              <p:cond delay="0"/>
+                            </p:stCondLst>
+                            <p:childTnLst>
+                              <p:par>
+                                <p:cTn id="5" presetID="1" presetClass="entr" presetSubtype="0" fill="hold" grpId="0" nodeType="clickEffect">
+                                  <p:stCondLst>
+                                    <p:cond delay="0"/>
+                                  </p:stCondLst>
+                                  <p:childTnLst>
+                                    <p:set>
+                                      <p:cBhvr>
+                                        <p:cTn id="6" dur="1" fill="hold">
+                                          <p:stCondLst>
+                                            <p:cond delay="0"/>
+                                          </p:stCondLst>
+                                        </p:cTn>
+                                        <p:tgtEl>
+                                          <p:spTgt spid="2">
+                                            <p:txEl>
+                                              <p:pRg st="0" end="0"/>
+                                            </p:txEl>
+                                          </p:spTgt>
+                                        </p:tgtEl>
+                                        <p:attrNameLst>
+                                          <p:attrName>style.visibility</p:attrName>
+                                        </p:attrNameLst>
+                                      </p:cBhvr>
+                                      <p:to>
+                                        <p:strVal val="visible"/>
+                                      </p:to>
+                                    </p:set>
+                                  </p:childTnLst>
+                                </p:cTn>
+                              </p:par>
+                            </p:childTnLst>
+                          </p:cTn>
+                        </p:par>
+                      </p:childTnLst>
+                    </p:cTn>
+                  </p:par>
+                  <p:par>
+                    <p:cTn id="7" fill="hold">
+                      <p:stCondLst>
+                        <p:cond delay="indefinite"/>
+                      </p:stCondLst>
+                      <p:childTnLst>
+                        <p:par>
+                          <p:cTn id="8" fill="hold">
+                            <p:stCondLst>
+                              <p:cond delay="0"/>
+                            </p:stCondLst>
+                            <p:childTnLst>
+                              <p:par>
+                                <p:cTn id="9" presetID="1" presetClass="entr" presetSubtype="0" fill="hold" grpId="0" nodeType="clickEffect">
+                                  <p:stCondLst>
+                                    <p:cond delay="0"/>
+                                  </p:stCondLst>
+                                  <p:childTnLst>
+                                    <p:set>
+                                      <p:cBhvr>
+                                        <p:cTn id="10" dur="1" fill="hold">
+                                          <p:stCondLst>
+                                            <p:cond delay="0"/>
+                                          </p:stCondLst>
+                                        </p:cTn>
+                                        <p:tgtEl>
+                                          <p:spTgt spid="2">
+                                            <p:txEl>
+                                              <p:pRg st="1" end="1"/>
+                                            </p:txEl>
+                                          </p:spTgt>
+                                        </p:tgtEl>
+                                        <p:attrNameLst>
+                                          <p:attrName>style.visibility</p:attrName>
+                                        </p:attrNameLst>
+                                      </p:cBhvr>
+                                      <p:to>
+                                        <p:strVal val="visible"/>
+                                      </p:to>
+                                    </p:set>
+                                  </p:childTnLst>
+                                </p:cTn>
+                              </p:par>
+                            </p:childTnLst>
+                          </p:cTn>
+                        </p:par>
+                      </p:childTnLst>
+                    </p:cTn>
+                  </p:par>
+                  <p:par>
+                    <p:cTn id="11" fill="hold">
+                      <p:stCondLst>
+                        <p:cond delay="indefinite"/>
+                      </p:stCondLst>
+                      <p:childTnLst>
+                        <p:par>
+                          <p:cTn id="12" fill="hold">
+                            <p:stCondLst>
+                              <p:cond delay="0"/>
+                            </p:stCondLst>
+                            <p:childTnLst>
+                              <p:par>
+                                <p:cTn id="13" presetID="1" presetClass="entr" presetSubtype="0" fill="hold" grpId="0" nodeType="clickEffect">
+                                  <p:stCondLst>
+                                    <p:cond delay="0"/>
+                                  </p:stCondLst>
+                                  <p:childTnLst>
+                                    <p:set>
+                                      <p:cBhvr>
+                                        <p:cTn id="14" dur="1" fill="hold">
+                                          <p:stCondLst>
+                                            <p:cond delay="0"/>
+                                          </p:stCondLst>
+                                        </p:cTn>
+                                        <p:tgtEl>
+                                          <p:spTgt spid="2">
+                                            <p:txEl>
+                                              <p:pRg st="2" end="2"/>
+                                            </p:txEl>
+                                          </p:spTgt>
+                                        </p:tgtEl>
+                                        <p:attrNameLst>
+                                          <p:attrName>style.visibility</p:attrName>
+                                        </p:attrNameLst>
+                                      </p:cBhvr>
+                                      <p:to>
+                                        <p:strVal val="visible"/>
+                                      </p:to>
+                                    </p:set>
+                                  </p:childTnLst>
+                                </p:cTn>
+                              </p:par>
+                            </p:childTnLst>
+                          </p:cTn>
+                        </p:par>
+                      </p:childTnLst>
+                    </p:cTn>
+                  </p:par>
+                </p:childTnLst>
+              </p:cTn>
+              <p:prevCondLst>
+                <p:cond evt="onPrev" delay="0">
+                  <p:tgtEl>
+                    <p:sldTgt/>
+                  </p:tgtEl>
+                </p:cond>
+              </p:prevCondLst>
+              <p:nextCondLst>
+                <p:cond evt="onNext" delay="0">
+                  <p:tgtEl>
+                    <p:sldTgt/>
+                  </p:tgtEl>
+                </p:cond>
+              </p:nextCondLst>
+            </p:seq>
+          </p:childTnLst>
+        </p:cTn>
+      </p:par>
+    </p:tnLst>
+    <p:bldLst>
+      <p:bldP spid="2" grpId="0" uiExpand="1" build="p"/>
+    </p:bldLst>
+  </p:timing>
+</p:sld>
+</file>
+
+<file path=ppt/slides/slide17.xml><?xml version="1.0" encoding="utf-8"?>
+<p:sld xmlns:a="http://schemas.openxmlformats.org/drawingml/2006/main" xmlns:r="http://schemas.openxmlformats.org/officeDocument/2006/relationships" xmlns:p="http://schemas.openxmlformats.org/presentationml/2006/main">
+  <p:cSld>
+    <p:spTree>
+      <p:nvGrpSpPr>
+        <p:cNvPr id="1" name=""/>
+        <p:cNvGrpSpPr/>
+        <p:nvPr/>
+      </p:nvGrpSpPr>
+      <p:grpSpPr>
+        <a:xfrm>
+          <a:off x="0" y="0"/>
+          <a:ext cx="0" cy="0"/>
+          <a:chOff x="0" y="0"/>
+          <a:chExt cx="0" cy="0"/>
+        </a:xfrm>
+      </p:grpSpPr>
+      <p:sp>
+        <p:nvSpPr>
+          <p:cNvPr id="2" name="文本占位符 1"/>
+          <p:cNvSpPr>
+            <a:spLocks noGrp="1"/>
+          </p:cNvSpPr>
+          <p:nvPr>
+            <p:ph type="body" idx="1"/>
+          </p:nvPr>
+        </p:nvSpPr>
+        <p:spPr/>
+        <p:txBody>
+          <a:bodyPr/>
+          <a:lstStyle/>
+          <a:p>
+            <a:pPr marL="285750" indent="-285750">
+              <a:buFont typeface="Arial" panose="020B0604020202020204" pitchFamily="34" charset="0"/>
+              <a:buChar char="•"/>
+            </a:pPr>
+            <a:r>
+              <a:rPr lang="zh-CN" altLang="en-US" dirty="0">
+                <a:sym typeface="+mn-ea"/>
+                <a:hlinkClick r:id="rId3"/>
+              </a:rPr>
+              <a:t>如何自己从零实现一个神经网络</a:t>
+            </a:r>
+            <a:r>
+              <a:rPr lang="en-US" altLang="zh-CN" dirty="0">
+                <a:sym typeface="+mn-ea"/>
+                <a:hlinkClick r:id="rId3"/>
+              </a:rPr>
+              <a:t>?</a:t>
+            </a:r>
+            <a:endParaRPr lang="en-US" altLang="zh-CN" dirty="0">
+              <a:sym typeface="+mn-ea"/>
+              <a:hlinkClick r:id="rId4"/>
+            </a:endParaRPr>
+          </a:p>
+          <a:p>
+            <a:pPr marL="285750" indent="-285750">
+              <a:buFont typeface="Arial" panose="020B0604020202020204" pitchFamily="34" charset="0"/>
+              <a:buChar char="•"/>
+            </a:pPr>
+            <a:r>
+              <a:rPr lang="en-US" altLang="zh-CN" dirty="0">
+                <a:sym typeface="+mn-ea"/>
+                <a:hlinkClick r:id="rId4"/>
+              </a:rPr>
+              <a:t>Why is sigmoid or tanh better than linear slope for an activation function?</a:t>
+            </a:r>
+            <a:endParaRPr lang="en-US" altLang="zh-CN" dirty="0">
+              <a:sym typeface="+mn-ea"/>
+              <a:hlinkClick r:id="rId5"/>
+            </a:endParaRPr>
+          </a:p>
+          <a:p>
+            <a:pPr marL="285750" indent="-285750">
+              <a:buFont typeface="Arial" panose="020B0604020202020204" pitchFamily="34" charset="0"/>
+              <a:buChar char="•"/>
+            </a:pPr>
+            <a:r>
+              <a:rPr lang="zh-CN" altLang="en-US" dirty="0">
+                <a:sym typeface="+mn-ea"/>
+                <a:hlinkClick r:id="rId5"/>
+              </a:rPr>
+              <a:t>归一化、标准化、零均值化作用及区别</a:t>
+            </a:r>
+            <a:endParaRPr lang="en-US" altLang="zh-CN" dirty="0">
+              <a:sym typeface="+mn-ea"/>
+            </a:endParaRPr>
+          </a:p>
+          <a:p>
+            <a:pPr marL="285750" indent="-285750">
+              <a:buFont typeface="Arial" panose="020B0604020202020204" pitchFamily="34" charset="0"/>
+              <a:buChar char="•"/>
+            </a:pPr>
+            <a:r>
+              <a:rPr lang="zh-CN" altLang="en-US" dirty="0">
+                <a:sym typeface="+mn-ea"/>
+                <a:hlinkClick r:id="rId6"/>
+              </a:rPr>
+              <a:t>训练网络时为什么会出现</a:t>
+            </a:r>
+            <a:r>
+              <a:rPr lang="en" dirty="0">
+                <a:sym typeface="+mn-ea"/>
+                <a:hlinkClick r:id="rId6"/>
+              </a:rPr>
+              <a:t>loss</a:t>
+            </a:r>
+            <a:r>
+              <a:rPr lang="zh-CN" altLang="en-US" dirty="0">
+                <a:sym typeface="+mn-ea"/>
+                <a:hlinkClick r:id="rId6"/>
+              </a:rPr>
+              <a:t>逐渐增大的情况？</a:t>
+            </a:r>
+            <a:endParaRPr lang="en-US" altLang="zh-CN" dirty="0">
+              <a:sym typeface="+mn-ea"/>
+            </a:endParaRPr>
+          </a:p>
+        </p:txBody>
+      </p:sp>
+      <p:sp>
+        <p:nvSpPr>
+          <p:cNvPr id="3" name="标题 2"/>
+          <p:cNvSpPr>
+            <a:spLocks noGrp="1"/>
+          </p:cNvSpPr>
+          <p:nvPr>
+            <p:ph type="title"/>
+          </p:nvPr>
+        </p:nvSpPr>
+        <p:spPr/>
+        <p:txBody>
+          <a:bodyPr/>
+          <a:lstStyle/>
+          <a:p>
+            <a:r>
+              <a:rPr lang="zh-CN" altLang="en-US" dirty="0"/>
+              <a:t>参考资料</a:t>
+            </a:r>
+          </a:p>
+        </p:txBody>
+      </p:sp>
+      <p:graphicFrame>
+        <p:nvGraphicFramePr>
+          <p:cNvPr id="4" name="对象 3">
+            <a:hlinkClick r:id="" action="ppaction://ole?verb=0"/>
+          </p:cNvPr>
+          <p:cNvGraphicFramePr>
+            <a:graphicFrameLocks noChangeAspect="1"/>
+          </p:cNvGraphicFramePr>
+          <p:nvPr/>
+        </p:nvGraphicFramePr>
+        <p:xfrm>
+          <a:off x="5638800" y="3244850"/>
+          <a:ext cx="914400" cy="368300"/>
+        </p:xfrm>
+        <a:graphic>
+          <a:graphicData uri="http://schemas.openxmlformats.org/presentationml/2006/ole">
+            <mc:AlternateContent xmlns:mc="http://schemas.openxmlformats.org/markup-compatibility/2006">
+              <mc:Choice xmlns:v="urn:schemas-microsoft-com:vml" Requires="v">
+                <p:oleObj r:id="rId7" imgW="914400" imgH="368300" progId="Equation.KSEE3">
+                  <p:embed/>
+                </p:oleObj>
+              </mc:Choice>
+              <mc:Fallback>
+                <p:oleObj r:id="rId7" imgW="914400" imgH="368300" progId="Equation.KSEE3">
+                  <p:embed/>
+                  <p:pic>
+                    <p:nvPicPr>
+                      <p:cNvPr id="4" name="对象 3">
+                        <a:hlinkClick r:id="" action="ppaction://ole?verb=0"/>
+                      </p:cNvPr>
+                      <p:cNvPicPr/>
+                      <p:nvPr/>
+                    </p:nvPicPr>
+                    <p:blipFill>
+                      <a:blip r:embed="rId8"/>
+                      <a:stretch>
+                        <a:fillRect/>
+                      </a:stretch>
+                    </p:blipFill>
+                    <p:spPr>
+                      <a:xfrm>
+                        <a:off x="5638800" y="3244850"/>
+                        <a:ext cx="914400" cy="368300"/>
+                      </a:xfrm>
+                      <a:prstGeom prst="rect">
+                        <a:avLst/>
+                      </a:prstGeom>
+                    </p:spPr>
+                  </p:pic>
+                </p:oleObj>
+              </mc:Fallback>
+            </mc:AlternateContent>
+          </a:graphicData>
+        </a:graphic>
+      </p:graphicFrame>
+    </p:spTree>
+    <p:custDataLst>
+      <p:tags r:id="rId1"/>
+    </p:custDataLst>
+    <p:extLst>
+      <p:ext uri="{BB962C8B-B14F-4D97-AF65-F5344CB8AC3E}">
+        <p14:creationId xmlns:p14="http://schemas.microsoft.com/office/powerpoint/2010/main" val="1281223233"/>
+      </p:ext>
+    </p:extLst>
+  </p:cSld>
+  <p:clrMapOvr>
+    <a:masterClrMapping/>
+  </p:clrMapOvr>
+</p:sld>
+</file>
+
+<file path=ppt/slides/slide18.xml><?xml version="1.0" encoding="utf-8"?>
+<p:sld xmlns:a="http://schemas.openxmlformats.org/drawingml/2006/main" xmlns:r="http://schemas.openxmlformats.org/officeDocument/2006/relationships" xmlns:p="http://schemas.openxmlformats.org/presentationml/2006/main">
+  <p:cSld>
+    <p:spTree>
+      <p:nvGrpSpPr>
+        <p:cNvPr id="1" name=""/>
+        <p:cNvGrpSpPr/>
+        <p:nvPr/>
+      </p:nvGrpSpPr>
+      <p:grpSpPr>
+        <a:xfrm>
+          <a:off x="0" y="0"/>
+          <a:ext cx="0" cy="0"/>
+          <a:chOff x="0" y="0"/>
+          <a:chExt cx="0" cy="0"/>
+        </a:xfrm>
+      </p:grpSpPr>
+      <p:sp>
+        <p:nvSpPr>
+          <p:cNvPr id="2" name="文本占位符 1"/>
+          <p:cNvSpPr>
+            <a:spLocks noGrp="1"/>
+          </p:cNvSpPr>
+          <p:nvPr>
+            <p:ph type="body" idx="1"/>
+          </p:nvPr>
+        </p:nvSpPr>
+        <p:spPr/>
+        <p:txBody>
+          <a:bodyPr/>
+          <a:lstStyle/>
+          <a:p>
+            <a:pPr marL="285750" indent="-285750">
+              <a:buFont typeface="Arial" panose="020B0604020202020204" pitchFamily="34" charset="0"/>
+              <a:buChar char="•"/>
+            </a:pPr>
+            <a:r>
+              <a:rPr lang="zh-CN" altLang="en-US" dirty="0"/>
+              <a:t>第三节课：使用</a:t>
+            </a:r>
+            <a:r>
+              <a:rPr lang="en-US" altLang="zh-CN" dirty="0"/>
+              <a:t>Meta3D</a:t>
+            </a:r>
+            <a:r>
+              <a:rPr lang="zh-CN" altLang="en-US" dirty="0"/>
+              <a:t>重写代码</a:t>
+            </a:r>
+            <a:endParaRPr dirty="0">
+              <a:sym typeface="+mn-ea"/>
+            </a:endParaRPr>
+          </a:p>
+        </p:txBody>
+      </p:sp>
+      <p:sp>
+        <p:nvSpPr>
+          <p:cNvPr id="3" name="标题 2"/>
+          <p:cNvSpPr>
+            <a:spLocks noGrp="1"/>
+          </p:cNvSpPr>
+          <p:nvPr>
+            <p:ph type="title"/>
+          </p:nvPr>
+        </p:nvSpPr>
+        <p:spPr/>
+        <p:txBody>
+          <a:bodyPr/>
+          <a:lstStyle/>
+          <a:p>
+            <a:r>
+              <a:rPr lang="zh-CN" altLang="en-US"/>
+              <a:t>下节课预告</a:t>
+            </a:r>
+          </a:p>
+        </p:txBody>
+      </p:sp>
+    </p:spTree>
+    <p:custDataLst>
+      <p:tags r:id="rId1"/>
+    </p:custDataLst>
+  </p:cSld>
+  <p:clrMapOvr>
+    <a:masterClrMapping/>
+  </p:clrMapOvr>
+</p:sld>
+</file>
+
+<file path=ppt/slides/slide19.xml><?xml version="1.0" encoding="utf-8"?>
+<p:sld xmlns:a="http://schemas.openxmlformats.org/drawingml/2006/main" xmlns:r="http://schemas.openxmlformats.org/officeDocument/2006/relationships" xmlns:p="http://schemas.openxmlformats.org/presentationml/2006/main">
+  <p:cSld>
+    <p:spTree>
+      <p:nvGrpSpPr>
+        <p:cNvPr id="1" name=""/>
+        <p:cNvGrpSpPr/>
+        <p:nvPr/>
+      </p:nvGrpSpPr>
+      <p:grpSpPr>
+        <a:xfrm>
+          <a:off x="0" y="0"/>
+          <a:ext cx="0" cy="0"/>
+          <a:chOff x="0" y="0"/>
+          <a:chExt cx="0" cy="0"/>
+        </a:xfrm>
+      </p:grpSpPr>
+    </p:spTree>
+    <p:custDataLst>
+      <p:tags r:id="rId1"/>
+    </p:custDataLst>
+  </p:cSld>
+  <p:clrMapOvr>
+    <a:masterClrMapping/>
+  </p:clrMapOvr>
+</p:sld>
+</file>
+
+<file path=ppt/slides/slide2.xml><?xml version="1.0" encoding="utf-8"?>
+<p:sld xmlns:a="http://schemas.openxmlformats.org/drawingml/2006/main" xmlns:r="http://schemas.openxmlformats.org/officeDocument/2006/relationships" xmlns:p="http://schemas.openxmlformats.org/presentationml/2006/main">
+  <p:cSld>
+    <p:spTree>
+      <p:nvGrpSpPr>
+        <p:cNvPr id="1" name=""/>
+        <p:cNvGrpSpPr/>
+        <p:nvPr/>
+      </p:nvGrpSpPr>
+      <p:grpSpPr>
+        <a:xfrm>
+          <a:off x="0" y="0"/>
+          <a:ext cx="0" cy="0"/>
+          <a:chOff x="0" y="0"/>
+          <a:chExt cx="0" cy="0"/>
+        </a:xfrm>
+      </p:grpSpPr>
+      <p:sp>
+        <p:nvSpPr>
+          <p:cNvPr id="2" name="标题 1"/>
+          <p:cNvSpPr>
+            <a:spLocks noGrp="1"/>
+          </p:cNvSpPr>
+          <p:nvPr>
+            <p:ph type="title"/>
+          </p:nvPr>
+        </p:nvSpPr>
+        <p:spPr>
+          <a:xfrm>
+            <a:off x="669882" y="2108221"/>
+            <a:ext cx="10852237" cy="899167"/>
+          </a:xfrm>
+        </p:spPr>
+        <p:txBody>
+          <a:bodyPr/>
+          <a:lstStyle/>
+          <a:p>
+            <a:r>
+              <a:rPr lang="zh-CN" altLang="en-US" dirty="0"/>
+              <a:t>第二节课：</a:t>
+            </a:r>
+            <a:br>
+              <a:rPr lang="en-US" altLang="zh-CN" dirty="0"/>
+            </a:br>
+            <a:r>
+              <a:rPr lang="zh-CN" altLang="en-US" dirty="0"/>
+              <a:t>“判断性别”</a:t>
+            </a:r>
+            <a:r>
+              <a:rPr lang="en-US" altLang="zh-CN" dirty="0"/>
+              <a:t>Demo</a:t>
+            </a:r>
+            <a:r>
+              <a:rPr lang="zh-CN" altLang="en-US" dirty="0"/>
+              <a:t>需求分析和初步设计（下</a:t>
+            </a:r>
+            <a:r>
+              <a:rPr lang="en-US" altLang="zh-CN" dirty="0"/>
+              <a:t>2</a:t>
+            </a:r>
+            <a:r>
+              <a:rPr lang="zh-CN" altLang="en-US" dirty="0"/>
+              <a:t>）</a:t>
+            </a:r>
+          </a:p>
+        </p:txBody>
+      </p:sp>
+    </p:spTree>
+    <p:custDataLst>
+      <p:tags r:id="rId1"/>
+    </p:custDataLst>
+  </p:cSld>
+  <p:clrMapOvr>
+    <a:masterClrMapping/>
+  </p:clrMapOvr>
+</p:sld>
+</file>
+
+<file path=ppt/slides/slide20.xml><?xml version="1.0" encoding="utf-8"?>
+<p:sld xmlns:a="http://schemas.openxmlformats.org/drawingml/2006/main" xmlns:r="http://schemas.openxmlformats.org/officeDocument/2006/relationships" xmlns:p="http://schemas.openxmlformats.org/presentationml/2006/main">
+  <p:cSld>
+    <p:spTree>
+      <p:nvGrpSpPr>
+        <p:cNvPr id="1" name=""/>
+        <p:cNvGrpSpPr/>
+        <p:nvPr/>
+      </p:nvGrpSpPr>
+      <p:grpSpPr>
+        <a:xfrm>
+          <a:off x="0" y="0"/>
+          <a:ext cx="0" cy="0"/>
+          <a:chOff x="0" y="0"/>
+          <a:chExt cx="0" cy="0"/>
+        </a:xfrm>
+      </p:grpSpPr>
+      <p:sp>
+        <p:nvSpPr>
+          <p:cNvPr id="2" name="文本占位符 1"/>
+          <p:cNvSpPr>
+            <a:spLocks noGrp="1"/>
+          </p:cNvSpPr>
+          <p:nvPr>
+            <p:ph type="body" idx="1"/>
+          </p:nvPr>
+        </p:nvSpPr>
+        <p:spPr/>
+        <p:txBody>
+          <a:bodyPr/>
+          <a:lstStyle/>
+          <a:p>
+            <a:pPr marL="285750" indent="-285750">
+              <a:buFont typeface="Arial" panose="020B0604020202020204" pitchFamily="34" charset="0"/>
+              <a:buChar char="•"/>
+            </a:pPr>
+            <a:endParaRPr lang="en-US" altLang="zh-CN" dirty="0"/>
+          </a:p>
+        </p:txBody>
+      </p:sp>
+      <p:sp>
+        <p:nvSpPr>
+          <p:cNvPr id="3" name="标题 2"/>
+          <p:cNvSpPr>
+            <a:spLocks noGrp="1"/>
+          </p:cNvSpPr>
+          <p:nvPr>
+            <p:ph type="title"/>
+          </p:nvPr>
+        </p:nvSpPr>
+        <p:spPr/>
+        <p:txBody>
+          <a:bodyPr/>
+          <a:lstStyle/>
+          <a:p>
+            <a:r>
+              <a:rPr lang="zh-CN" altLang="en-US"/>
+              <a:t>问答</a:t>
+            </a:r>
+          </a:p>
+        </p:txBody>
+      </p:sp>
+    </p:spTree>
+    <p:custDataLst>
+      <p:tags r:id="rId1"/>
+    </p:custDataLst>
+  </p:cSld>
+  <p:clrMapOvr>
+    <a:masterClrMapping/>
+  </p:clrMapOvr>
+</p:sld>
+</file>
+
+<file path=ppt/slides/slide21.xml><?xml version="1.0" encoding="utf-8"?>
+<p:sld xmlns:a="http://schemas.openxmlformats.org/drawingml/2006/main" xmlns:r="http://schemas.openxmlformats.org/officeDocument/2006/relationships" xmlns:p="http://schemas.openxmlformats.org/presentationml/2006/main">
+  <p:cSld>
+    <p:spTree>
+      <p:nvGrpSpPr>
+        <p:cNvPr id="1" name=""/>
+        <p:cNvGrpSpPr/>
+        <p:nvPr/>
+      </p:nvGrpSpPr>
+      <p:grpSpPr>
+        <a:xfrm>
+          <a:off x="0" y="0"/>
+          <a:ext cx="0" cy="0"/>
+          <a:chOff x="0" y="0"/>
+          <a:chExt cx="0" cy="0"/>
+        </a:xfrm>
+      </p:grpSpPr>
+    </p:spTree>
+    <p:custDataLst>
+      <p:tags r:id="rId1"/>
+    </p:custDataLst>
+  </p:cSld>
+  <p:clrMapOvr>
+    <a:masterClrMapping/>
+  </p:clrMapOvr>
+</p:sld>
+</file>
+
+<file path=ppt/slides/slide3.xml><?xml version="1.0" encoding="utf-8"?>
+<p:sld xmlns:a="http://schemas.openxmlformats.org/drawingml/2006/main" xmlns:r="http://schemas.openxmlformats.org/officeDocument/2006/relationships" xmlns:p="http://schemas.openxmlformats.org/presentationml/2006/main">
+  <p:cSld>
+    <p:spTree>
+      <p:nvGrpSpPr>
+        <p:cNvPr id="1" name=""/>
+        <p:cNvGrpSpPr/>
+        <p:nvPr/>
+      </p:nvGrpSpPr>
+      <p:grpSpPr>
+        <a:xfrm>
+          <a:off x="0" y="0"/>
+          <a:ext cx="0" cy="0"/>
+          <a:chOff x="0" y="0"/>
+          <a:chExt cx="0" cy="0"/>
+        </a:xfrm>
+      </p:grpSpPr>
+      <p:sp>
+        <p:nvSpPr>
+          <p:cNvPr id="2" name="文本占位符 1"/>
+          <p:cNvSpPr>
+            <a:spLocks noGrp="1"/>
+          </p:cNvSpPr>
+          <p:nvPr>
+            <p:ph type="body" idx="1"/>
+          </p:nvPr>
+        </p:nvSpPr>
+        <p:spPr/>
+        <p:txBody>
+          <a:bodyPr/>
+          <a:lstStyle/>
+          <a:p>
+            <a:pPr marL="285750" indent="-285750">
+              <a:buFont typeface="Arial" panose="020B0604020202020204" pitchFamily="34" charset="0"/>
+              <a:buChar char="•"/>
+            </a:pPr>
+            <a:r>
+              <a:rPr lang="zh-CN" altLang="en-US" dirty="0"/>
+              <a:t>回顾相关课程内容</a:t>
+            </a:r>
+            <a:endParaRPr lang="en-US" altLang="zh-CN" dirty="0"/>
+          </a:p>
+          <a:p>
+            <a:pPr marL="285750" indent="-285750">
+              <a:buFont typeface="Arial" panose="020B0604020202020204" pitchFamily="34" charset="0"/>
+              <a:buChar char="•"/>
+            </a:pPr>
+            <a:r>
+              <a:rPr lang="zh-CN" altLang="en-US" dirty="0"/>
+              <a:t>主问题：如何求梯度</a:t>
+            </a:r>
+            <a:endParaRPr lang="en-US" altLang="zh-CN" dirty="0"/>
+          </a:p>
+          <a:p>
+            <a:pPr marL="285750" indent="-285750">
+              <a:buFont typeface="Arial" panose="020B0604020202020204" pitchFamily="34" charset="0"/>
+              <a:buChar char="•"/>
+            </a:pPr>
+            <a:r>
+              <a:rPr lang="zh-CN" altLang="en-US" dirty="0"/>
+              <a:t>任务：根据梯度下降算法实现训练</a:t>
+            </a:r>
+            <a:endParaRPr lang="en-US" altLang="zh-CN" dirty="0"/>
+          </a:p>
+          <a:p>
+            <a:pPr marL="285750" indent="-285750">
+              <a:buFont typeface="Arial" panose="020B0604020202020204" pitchFamily="34" charset="0"/>
+              <a:buChar char="•"/>
+            </a:pPr>
+            <a:r>
+              <a:rPr lang="zh-CN" altLang="en-US" dirty="0"/>
+              <a:t>任务：改进训练，使其收敛</a:t>
+            </a:r>
+            <a:endParaRPr lang="en-US" altLang="zh-CN" dirty="0"/>
+          </a:p>
+          <a:p>
+            <a:pPr marL="285750" indent="-285750">
+              <a:buFont typeface="Arial" panose="020B0604020202020204" pitchFamily="34" charset="0"/>
+              <a:buChar char="•"/>
+            </a:pPr>
+            <a:endParaRPr lang="en-US" altLang="zh-CN" dirty="0"/>
+          </a:p>
+        </p:txBody>
+      </p:sp>
+      <p:sp>
+        <p:nvSpPr>
+          <p:cNvPr id="3" name="标题 2"/>
+          <p:cNvSpPr>
+            <a:spLocks noGrp="1"/>
+          </p:cNvSpPr>
+          <p:nvPr>
+            <p:ph type="title"/>
+          </p:nvPr>
+        </p:nvSpPr>
+        <p:spPr/>
+        <p:txBody>
+          <a:bodyPr/>
+          <a:lstStyle/>
+          <a:p>
+            <a:r>
+              <a:rPr lang="zh-CN" altLang="en-US" dirty="0"/>
+              <a:t>内容预览</a:t>
+            </a:r>
+          </a:p>
+        </p:txBody>
+      </p:sp>
+    </p:spTree>
+    <p:custDataLst>
+      <p:tags r:id="rId1"/>
+    </p:custDataLst>
   </p:cSld>
   <p:clrMapOvr>
     <a:masterClrMapping/>
@@ -9467,1466 +11870,6 @@
                       </p:childTnLst>
                     </p:cTn>
                   </p:par>
-                  <p:par>
-                    <p:cTn id="19" fill="hold">
-                      <p:stCondLst>
-                        <p:cond delay="indefinite"/>
-                      </p:stCondLst>
-                      <p:childTnLst>
-                        <p:par>
-                          <p:cTn id="20" fill="hold">
-                            <p:stCondLst>
-                              <p:cond delay="0"/>
-                            </p:stCondLst>
-                            <p:childTnLst>
-                              <p:par>
-                                <p:cTn id="21" presetID="1" presetClass="entr" presetSubtype="0" fill="hold" nodeType="clickEffect">
-                                  <p:stCondLst>
-                                    <p:cond delay="0"/>
-                                  </p:stCondLst>
-                                  <p:childTnLst>
-                                    <p:set>
-                                      <p:cBhvr>
-                                        <p:cTn id="22" dur="1" fill="hold">
-                                          <p:stCondLst>
-                                            <p:cond delay="0"/>
-                                          </p:stCondLst>
-                                        </p:cTn>
-                                        <p:tgtEl>
-                                          <p:spTgt spid="2">
-                                            <p:txEl>
-                                              <p:pRg st="4" end="4"/>
-                                            </p:txEl>
-                                          </p:spTgt>
-                                        </p:tgtEl>
-                                        <p:attrNameLst>
-                                          <p:attrName>style.visibility</p:attrName>
-                                        </p:attrNameLst>
-                                      </p:cBhvr>
-                                      <p:to>
-                                        <p:strVal val="visible"/>
-                                      </p:to>
-                                    </p:set>
-                                  </p:childTnLst>
-                                </p:cTn>
-                              </p:par>
-                            </p:childTnLst>
-                          </p:cTn>
-                        </p:par>
-                      </p:childTnLst>
-                    </p:cTn>
-                  </p:par>
-                  <p:par>
-                    <p:cTn id="23" fill="hold">
-                      <p:stCondLst>
-                        <p:cond delay="indefinite"/>
-                      </p:stCondLst>
-                      <p:childTnLst>
-                        <p:par>
-                          <p:cTn id="24" fill="hold">
-                            <p:stCondLst>
-                              <p:cond delay="0"/>
-                            </p:stCondLst>
-                            <p:childTnLst>
-                              <p:par>
-                                <p:cTn id="25" presetID="1" presetClass="entr" presetSubtype="0" fill="hold" nodeType="clickEffect">
-                                  <p:stCondLst>
-                                    <p:cond delay="0"/>
-                                  </p:stCondLst>
-                                  <p:childTnLst>
-                                    <p:set>
-                                      <p:cBhvr>
-                                        <p:cTn id="26" dur="1" fill="hold">
-                                          <p:stCondLst>
-                                            <p:cond delay="0"/>
-                                          </p:stCondLst>
-                                        </p:cTn>
-                                        <p:tgtEl>
-                                          <p:spTgt spid="7"/>
-                                        </p:tgtEl>
-                                        <p:attrNameLst>
-                                          <p:attrName>style.visibility</p:attrName>
-                                        </p:attrNameLst>
-                                      </p:cBhvr>
-                                      <p:to>
-                                        <p:strVal val="visible"/>
-                                      </p:to>
-                                    </p:set>
-                                  </p:childTnLst>
-                                </p:cTn>
-                              </p:par>
-                            </p:childTnLst>
-                          </p:cTn>
-                        </p:par>
-                      </p:childTnLst>
-                    </p:cTn>
-                  </p:par>
-                  <p:par>
-                    <p:cTn id="27" fill="hold">
-                      <p:stCondLst>
-                        <p:cond delay="indefinite"/>
-                      </p:stCondLst>
-                      <p:childTnLst>
-                        <p:par>
-                          <p:cTn id="28" fill="hold">
-                            <p:stCondLst>
-                              <p:cond delay="0"/>
-                            </p:stCondLst>
-                            <p:childTnLst>
-                              <p:par>
-                                <p:cTn id="29" presetID="1" presetClass="entr" presetSubtype="0" fill="hold" nodeType="clickEffect" nodePh="1">
-                                  <p:stCondLst>
-                                    <p:cond delay="0"/>
-                                  </p:stCondLst>
-                                  <p:endCondLst>
-                                    <p:cond evt="begin" delay="0">
-                                      <p:tn val="29"/>
-                                    </p:cond>
-                                  </p:endCondLst>
-                                  <p:childTnLst>
-                                    <p:set>
-                                      <p:cBhvr>
-                                        <p:cTn id="30" dur="1" fill="hold">
-                                          <p:stCondLst>
-                                            <p:cond delay="0"/>
-                                          </p:stCondLst>
-                                        </p:cTn>
-                                        <p:tgtEl>
-                                          <p:spTgt spid="10">
-                                            <p:txEl>
-                                              <p:pRg st="0" end="0"/>
-                                            </p:txEl>
-                                          </p:spTgt>
-                                        </p:tgtEl>
-                                        <p:attrNameLst>
-                                          <p:attrName>style.visibility</p:attrName>
-                                        </p:attrNameLst>
-                                      </p:cBhvr>
-                                      <p:to>
-                                        <p:strVal val="visible"/>
-                                      </p:to>
-                                    </p:set>
-                                  </p:childTnLst>
-                                </p:cTn>
-                              </p:par>
-                            </p:childTnLst>
-                          </p:cTn>
-                        </p:par>
-                      </p:childTnLst>
-                    </p:cTn>
-                  </p:par>
-                </p:childTnLst>
-              </p:cTn>
-              <p:prevCondLst>
-                <p:cond evt="onPrev" delay="0">
-                  <p:tgtEl>
-                    <p:sldTgt/>
-                  </p:tgtEl>
-                </p:cond>
-              </p:prevCondLst>
-              <p:nextCondLst>
-                <p:cond evt="onNext" delay="0">
-                  <p:tgtEl>
-                    <p:sldTgt/>
-                  </p:tgtEl>
-                </p:cond>
-              </p:nextCondLst>
-            </p:seq>
-          </p:childTnLst>
-        </p:cTn>
-      </p:par>
-    </p:tnLst>
-  </p:timing>
-</p:sld>
-</file>
-
-<file path=ppt/slides/slide15.xml><?xml version="1.0" encoding="utf-8"?>
-<p:sld xmlns:a="http://schemas.openxmlformats.org/drawingml/2006/main" xmlns:r="http://schemas.openxmlformats.org/officeDocument/2006/relationships" xmlns:p="http://schemas.openxmlformats.org/presentationml/2006/main">
-  <p:cSld>
-    <p:spTree>
-      <p:nvGrpSpPr>
-        <p:cNvPr id="1" name=""/>
-        <p:cNvGrpSpPr/>
-        <p:nvPr/>
-      </p:nvGrpSpPr>
-      <p:grpSpPr>
-        <a:xfrm>
-          <a:off x="0" y="0"/>
-          <a:ext cx="0" cy="0"/>
-          <a:chOff x="0" y="0"/>
-          <a:chExt cx="0" cy="0"/>
-        </a:xfrm>
-      </p:grpSpPr>
-      <p:sp>
-        <p:nvSpPr>
-          <p:cNvPr id="2" name="文本占位符 1"/>
-          <p:cNvSpPr>
-            <a:spLocks noGrp="1"/>
-          </p:cNvSpPr>
-          <p:nvPr>
-            <p:ph type="body" idx="1"/>
-          </p:nvPr>
-        </p:nvSpPr>
-        <p:spPr/>
-        <p:txBody>
-          <a:bodyPr/>
-          <a:lstStyle/>
-          <a:p>
-            <a:pPr marL="285750" indent="-285750">
-              <a:buFont typeface="Arial" panose="020B0604020202020204" pitchFamily="34" charset="0"/>
-              <a:buChar char="•"/>
-            </a:pPr>
-            <a:r>
-              <a:rPr lang="zh-CN" altLang="en-US" dirty="0"/>
-              <a:t>为什么会出现</a:t>
-            </a:r>
-            <a:r>
-              <a:rPr lang="en" altLang="zh-CN" dirty="0"/>
-              <a:t>loss</a:t>
-            </a:r>
-            <a:r>
-              <a:rPr lang="zh-CN" altLang="en-US" dirty="0"/>
-              <a:t>逐渐增大的情况？</a:t>
-            </a:r>
-            <a:endParaRPr lang="en-US" altLang="zh-CN" dirty="0"/>
-          </a:p>
-          <a:p>
-            <a:pPr marL="285750" indent="-285750">
-              <a:buFont typeface="Arial" panose="020B0604020202020204" pitchFamily="34" charset="0"/>
-              <a:buChar char="•"/>
-            </a:pPr>
-            <a:r>
-              <a:rPr lang="zh-CN" altLang="en-US" dirty="0"/>
-              <a:t>如何解决？</a:t>
-            </a:r>
-            <a:endParaRPr lang="en-US" altLang="zh-CN" dirty="0"/>
-          </a:p>
-          <a:p>
-            <a:pPr marL="285750" indent="-285750">
-              <a:buFont typeface="Arial" panose="020B0604020202020204" pitchFamily="34" charset="0"/>
-              <a:buChar char="•"/>
-            </a:pPr>
-            <a:r>
-              <a:rPr lang="zh-CN" altLang="en-US" dirty="0"/>
-              <a:t>修改代码，运行结果？</a:t>
-            </a:r>
-            <a:endParaRPr lang="en-US" altLang="zh-CN" dirty="0"/>
-          </a:p>
-          <a:p>
-            <a:pPr marL="285750" indent="-285750">
-              <a:buFont typeface="Arial" panose="020B0604020202020204" pitchFamily="34" charset="0"/>
-              <a:buChar char="•"/>
-            </a:pPr>
-            <a:endParaRPr lang="en-US" altLang="zh-CN" dirty="0"/>
-          </a:p>
-          <a:p>
-            <a:pPr marL="285750" indent="-285750">
-              <a:buFont typeface="Arial" panose="020B0604020202020204" pitchFamily="34" charset="0"/>
-              <a:buChar char="•"/>
-            </a:pPr>
-            <a:r>
-              <a:rPr lang="zh-CN" altLang="en-US" dirty="0"/>
-              <a:t>自学、互学、展学</a:t>
-            </a:r>
-          </a:p>
-          <a:p>
-            <a:pPr marL="285750" indent="-285750">
-              <a:buFont typeface="Arial" panose="020B0604020202020204" pitchFamily="34" charset="0"/>
-              <a:buChar char="•"/>
-            </a:pPr>
-            <a:endParaRPr lang="en-US" altLang="zh-CN" dirty="0"/>
-          </a:p>
-          <a:p>
-            <a:pPr marL="285750" indent="-285750">
-              <a:buFont typeface="Arial" panose="020B0604020202020204" pitchFamily="34" charset="0"/>
-              <a:buChar char="•"/>
-            </a:pPr>
-            <a:endParaRPr dirty="0">
-              <a:sym typeface="+mn-ea"/>
-            </a:endParaRPr>
-          </a:p>
-        </p:txBody>
-      </p:sp>
-      <p:sp>
-        <p:nvSpPr>
-          <p:cNvPr id="3" name="标题 2"/>
-          <p:cNvSpPr>
-            <a:spLocks noGrp="1"/>
-          </p:cNvSpPr>
-          <p:nvPr>
-            <p:ph type="title"/>
-          </p:nvPr>
-        </p:nvSpPr>
-        <p:spPr/>
-        <p:txBody>
-          <a:bodyPr/>
-          <a:lstStyle/>
-          <a:p>
-            <a:r>
-              <a:rPr lang="zh-CN" altLang="en-US" dirty="0"/>
-              <a:t>任务：改进训练，使其收敛</a:t>
-            </a:r>
-          </a:p>
-        </p:txBody>
-      </p:sp>
-      <p:sp>
-        <p:nvSpPr>
-          <p:cNvPr id="9" name="文本框 8">
-            <a:extLst>
-              <a:ext uri="{FF2B5EF4-FFF2-40B4-BE49-F238E27FC236}">
-                <a16:creationId xmlns:a16="http://schemas.microsoft.com/office/drawing/2014/main" id="{681AECBB-6936-E58F-FD1E-41FBE20C0988}"/>
-              </a:ext>
-            </a:extLst>
-          </p:cNvPr>
-          <p:cNvSpPr txBox="1"/>
-          <p:nvPr/>
-        </p:nvSpPr>
-        <p:spPr>
-          <a:xfrm>
-            <a:off x="5921621" y="1849389"/>
-            <a:ext cx="4367367" cy="1200329"/>
-          </a:xfrm>
-          <a:prstGeom prst="rect">
-            <a:avLst/>
-          </a:prstGeom>
-          <a:noFill/>
-        </p:spPr>
-        <p:txBody>
-          <a:bodyPr wrap="square" rtlCol="0">
-            <a:spAutoFit/>
-          </a:bodyPr>
-          <a:lstStyle/>
-          <a:p>
-            <a:r>
-              <a:rPr lang="zh-CN" altLang="en-US" dirty="0"/>
-              <a:t>学习率太大</a:t>
-            </a:r>
-            <a:endParaRPr lang="en-US" altLang="zh-CN" dirty="0"/>
-          </a:p>
-          <a:p>
-            <a:r>
-              <a:rPr kumimoji="1" lang="zh-CN" altLang="en-US" dirty="0"/>
-              <a:t>如下图所示：</a:t>
-            </a:r>
-            <a:endParaRPr kumimoji="1" lang="en-US" altLang="zh-CN" dirty="0"/>
-          </a:p>
-          <a:p>
-            <a:r>
-              <a:rPr kumimoji="1" lang="en-US" altLang="zh-CN" dirty="0"/>
-              <a:t>TODO </a:t>
-            </a:r>
-            <a:r>
-              <a:rPr kumimoji="1" lang="en-US" altLang="zh-CN" dirty="0" err="1"/>
-              <a:t>tu</a:t>
-            </a:r>
-            <a:endParaRPr kumimoji="1" lang="en-US" altLang="zh-CN" dirty="0"/>
-          </a:p>
-          <a:p>
-            <a:r>
-              <a:rPr kumimoji="1" lang="zh-CN" altLang="en-US" dirty="0"/>
-              <a:t>因为步长过大，可能会跨过谷底</a:t>
-            </a:r>
-          </a:p>
-        </p:txBody>
-      </p:sp>
-      <p:sp>
-        <p:nvSpPr>
-          <p:cNvPr id="4" name="文本框 3">
-            <a:extLst>
-              <a:ext uri="{FF2B5EF4-FFF2-40B4-BE49-F238E27FC236}">
-                <a16:creationId xmlns:a16="http://schemas.microsoft.com/office/drawing/2014/main" id="{7932DD63-8DDA-529B-2ADD-203742F352D9}"/>
-              </a:ext>
-            </a:extLst>
-          </p:cNvPr>
-          <p:cNvSpPr txBox="1"/>
-          <p:nvPr/>
-        </p:nvSpPr>
-        <p:spPr>
-          <a:xfrm>
-            <a:off x="4436053" y="3429000"/>
-            <a:ext cx="3745840" cy="646331"/>
-          </a:xfrm>
-          <a:prstGeom prst="rect">
-            <a:avLst/>
-          </a:prstGeom>
-          <a:noFill/>
-        </p:spPr>
-        <p:txBody>
-          <a:bodyPr wrap="square" rtlCol="0">
-            <a:spAutoFit/>
-          </a:bodyPr>
-          <a:lstStyle/>
-          <a:p>
-            <a:r>
-              <a:rPr lang="zh-CN" altLang="en-US" dirty="0"/>
-              <a:t>减小学习率，增加轮数；</a:t>
-            </a:r>
-            <a:endParaRPr lang="en-US" altLang="zh-CN" dirty="0"/>
-          </a:p>
-          <a:p>
-            <a:r>
-              <a:rPr kumimoji="1" lang="zh-CN" altLang="en-US" dirty="0"/>
-              <a:t>使用优化算法动态调整学习率</a:t>
-            </a:r>
-          </a:p>
-        </p:txBody>
-      </p:sp>
-    </p:spTree>
-    <p:custDataLst>
-      <p:tags r:id="rId1"/>
-    </p:custDataLst>
-    <p:extLst>
-      <p:ext uri="{BB962C8B-B14F-4D97-AF65-F5344CB8AC3E}">
-        <p14:creationId xmlns:p14="http://schemas.microsoft.com/office/powerpoint/2010/main" val="1818727680"/>
-      </p:ext>
-    </p:extLst>
-  </p:cSld>
-  <p:clrMapOvr>
-    <a:masterClrMapping/>
-  </p:clrMapOvr>
-  <p:timing>
-    <p:tnLst>
-      <p:par>
-        <p:cTn id="1" dur="indefinite" restart="never" nodeType="tmRoot">
-          <p:childTnLst>
-            <p:seq concurrent="1" nextAc="seek">
-              <p:cTn id="2" dur="indefinite" nodeType="mainSeq">
-                <p:childTnLst>
-                  <p:par>
-                    <p:cTn id="3" fill="hold">
-                      <p:stCondLst>
-                        <p:cond delay="indefinite"/>
-                      </p:stCondLst>
-                      <p:childTnLst>
-                        <p:par>
-                          <p:cTn id="4" fill="hold">
-                            <p:stCondLst>
-                              <p:cond delay="0"/>
-                            </p:stCondLst>
-                            <p:childTnLst>
-                              <p:par>
-                                <p:cTn id="5" presetID="1" presetClass="entr" presetSubtype="0" fill="hold" nodeType="clickEffect">
-                                  <p:stCondLst>
-                                    <p:cond delay="0"/>
-                                  </p:stCondLst>
-                                  <p:childTnLst>
-                                    <p:set>
-                                      <p:cBhvr>
-                                        <p:cTn id="6" dur="1" fill="hold">
-                                          <p:stCondLst>
-                                            <p:cond delay="0"/>
-                                          </p:stCondLst>
-                                        </p:cTn>
-                                        <p:tgtEl>
-                                          <p:spTgt spid="2">
-                                            <p:txEl>
-                                              <p:pRg st="0" end="0"/>
-                                            </p:txEl>
-                                          </p:spTgt>
-                                        </p:tgtEl>
-                                        <p:attrNameLst>
-                                          <p:attrName>style.visibility</p:attrName>
-                                        </p:attrNameLst>
-                                      </p:cBhvr>
-                                      <p:to>
-                                        <p:strVal val="visible"/>
-                                      </p:to>
-                                    </p:set>
-                                  </p:childTnLst>
-                                </p:cTn>
-                              </p:par>
-                            </p:childTnLst>
-                          </p:cTn>
-                        </p:par>
-                      </p:childTnLst>
-                    </p:cTn>
-                  </p:par>
-                  <p:par>
-                    <p:cTn id="7" fill="hold">
-                      <p:stCondLst>
-                        <p:cond delay="indefinite"/>
-                      </p:stCondLst>
-                      <p:childTnLst>
-                        <p:par>
-                          <p:cTn id="8" fill="hold">
-                            <p:stCondLst>
-                              <p:cond delay="0"/>
-                            </p:stCondLst>
-                            <p:childTnLst>
-                              <p:par>
-                                <p:cTn id="9" presetID="1" presetClass="entr" presetSubtype="0" fill="hold" nodeType="clickEffect">
-                                  <p:stCondLst>
-                                    <p:cond delay="0"/>
-                                  </p:stCondLst>
-                                  <p:childTnLst>
-                                    <p:set>
-                                      <p:cBhvr>
-                                        <p:cTn id="10" dur="1" fill="hold">
-                                          <p:stCondLst>
-                                            <p:cond delay="0"/>
-                                          </p:stCondLst>
-                                        </p:cTn>
-                                        <p:tgtEl>
-                                          <p:spTgt spid="2">
-                                            <p:txEl>
-                                              <p:pRg st="1" end="1"/>
-                                            </p:txEl>
-                                          </p:spTgt>
-                                        </p:tgtEl>
-                                        <p:attrNameLst>
-                                          <p:attrName>style.visibility</p:attrName>
-                                        </p:attrNameLst>
-                                      </p:cBhvr>
-                                      <p:to>
-                                        <p:strVal val="visible"/>
-                                      </p:to>
-                                    </p:set>
-                                  </p:childTnLst>
-                                </p:cTn>
-                              </p:par>
-                            </p:childTnLst>
-                          </p:cTn>
-                        </p:par>
-                      </p:childTnLst>
-                    </p:cTn>
-                  </p:par>
-                  <p:par>
-                    <p:cTn id="11" fill="hold">
-                      <p:stCondLst>
-                        <p:cond delay="indefinite"/>
-                      </p:stCondLst>
-                      <p:childTnLst>
-                        <p:par>
-                          <p:cTn id="12" fill="hold">
-                            <p:stCondLst>
-                              <p:cond delay="0"/>
-                            </p:stCondLst>
-                            <p:childTnLst>
-                              <p:par>
-                                <p:cTn id="13" presetID="1" presetClass="entr" presetSubtype="0" fill="hold" nodeType="clickEffect">
-                                  <p:stCondLst>
-                                    <p:cond delay="0"/>
-                                  </p:stCondLst>
-                                  <p:childTnLst>
-                                    <p:set>
-                                      <p:cBhvr>
-                                        <p:cTn id="14" dur="1" fill="hold">
-                                          <p:stCondLst>
-                                            <p:cond delay="0"/>
-                                          </p:stCondLst>
-                                        </p:cTn>
-                                        <p:tgtEl>
-                                          <p:spTgt spid="2">
-                                            <p:txEl>
-                                              <p:pRg st="2" end="2"/>
-                                            </p:txEl>
-                                          </p:spTgt>
-                                        </p:tgtEl>
-                                        <p:attrNameLst>
-                                          <p:attrName>style.visibility</p:attrName>
-                                        </p:attrNameLst>
-                                      </p:cBhvr>
-                                      <p:to>
-                                        <p:strVal val="visible"/>
-                                      </p:to>
-                                    </p:set>
-                                  </p:childTnLst>
-                                </p:cTn>
-                              </p:par>
-                            </p:childTnLst>
-                          </p:cTn>
-                        </p:par>
-                      </p:childTnLst>
-                    </p:cTn>
-                  </p:par>
-                </p:childTnLst>
-              </p:cTn>
-              <p:prevCondLst>
-                <p:cond evt="onPrev" delay="0">
-                  <p:tgtEl>
-                    <p:sldTgt/>
-                  </p:tgtEl>
-                </p:cond>
-              </p:prevCondLst>
-              <p:nextCondLst>
-                <p:cond evt="onNext" delay="0">
-                  <p:tgtEl>
-                    <p:sldTgt/>
-                  </p:tgtEl>
-                </p:cond>
-              </p:nextCondLst>
-            </p:seq>
-          </p:childTnLst>
-        </p:cTn>
-      </p:par>
-    </p:tnLst>
-  </p:timing>
-</p:sld>
-</file>
-
-<file path=ppt/slides/slide16.xml><?xml version="1.0" encoding="utf-8"?>
-<p:sld xmlns:a="http://schemas.openxmlformats.org/drawingml/2006/main" xmlns:r="http://schemas.openxmlformats.org/officeDocument/2006/relationships" xmlns:p="http://schemas.openxmlformats.org/presentationml/2006/main">
-  <p:cSld>
-    <p:spTree>
-      <p:nvGrpSpPr>
-        <p:cNvPr id="1" name=""/>
-        <p:cNvGrpSpPr/>
-        <p:nvPr/>
-      </p:nvGrpSpPr>
-      <p:grpSpPr>
-        <a:xfrm>
-          <a:off x="0" y="0"/>
-          <a:ext cx="0" cy="0"/>
-          <a:chOff x="0" y="0"/>
-          <a:chExt cx="0" cy="0"/>
-        </a:xfrm>
-      </p:grpSpPr>
-      <p:sp>
-        <p:nvSpPr>
-          <p:cNvPr id="2" name="标题 1"/>
-          <p:cNvSpPr>
-            <a:spLocks noGrp="1"/>
-          </p:cNvSpPr>
-          <p:nvPr>
-            <p:ph type="title"/>
-          </p:nvPr>
-        </p:nvSpPr>
-        <p:spPr/>
-        <p:txBody>
-          <a:bodyPr/>
-          <a:lstStyle/>
-          <a:p>
-            <a:r>
-              <a:rPr lang="zh-CN" altLang="en-US"/>
-              <a:t>总结</a:t>
-            </a:r>
-          </a:p>
-        </p:txBody>
-      </p:sp>
-    </p:spTree>
-    <p:custDataLst>
-      <p:tags r:id="rId1"/>
-    </p:custDataLst>
-  </p:cSld>
-  <p:clrMapOvr>
-    <a:masterClrMapping/>
-  </p:clrMapOvr>
-</p:sld>
-</file>
-
-<file path=ppt/slides/slide17.xml><?xml version="1.0" encoding="utf-8"?>
-<p:sld xmlns:a="http://schemas.openxmlformats.org/drawingml/2006/main" xmlns:r="http://schemas.openxmlformats.org/officeDocument/2006/relationships" xmlns:p="http://schemas.openxmlformats.org/presentationml/2006/main">
-  <p:cSld>
-    <p:spTree>
-      <p:nvGrpSpPr>
-        <p:cNvPr id="1" name=""/>
-        <p:cNvGrpSpPr/>
-        <p:nvPr/>
-      </p:nvGrpSpPr>
-      <p:grpSpPr>
-        <a:xfrm>
-          <a:off x="0" y="0"/>
-          <a:ext cx="0" cy="0"/>
-          <a:chOff x="0" y="0"/>
-          <a:chExt cx="0" cy="0"/>
-        </a:xfrm>
-      </p:grpSpPr>
-      <p:sp>
-        <p:nvSpPr>
-          <p:cNvPr id="2" name="文本占位符 1"/>
-          <p:cNvSpPr>
-            <a:spLocks noGrp="1"/>
-          </p:cNvSpPr>
-          <p:nvPr>
-            <p:ph type="body" idx="1"/>
-          </p:nvPr>
-        </p:nvSpPr>
-        <p:spPr/>
-        <p:txBody>
-          <a:bodyPr/>
-          <a:lstStyle/>
-          <a:p>
-            <a:pPr marL="285750" indent="-285750">
-              <a:buFont typeface="Arial" panose="020B0604020202020204" pitchFamily="34" charset="0"/>
-              <a:buChar char="•"/>
-            </a:pPr>
-            <a:r>
-              <a:rPr lang="en-US" dirty="0" err="1"/>
-              <a:t>请回答所有主问题</a:t>
-            </a:r>
-            <a:r>
-              <a:rPr lang="zh-CN" altLang="en-US" dirty="0"/>
-              <a:t>？</a:t>
-            </a:r>
-            <a:endParaRPr dirty="0">
-              <a:sym typeface="+mn-ea"/>
-            </a:endParaRPr>
-          </a:p>
-          <a:p>
-            <a:endParaRPr dirty="0">
-              <a:solidFill>
-                <a:schemeClr val="bg2"/>
-              </a:solidFill>
-              <a:sym typeface="+mn-ea"/>
-            </a:endParaRPr>
-          </a:p>
-          <a:p>
-            <a:pPr marL="285750" indent="-285750">
-              <a:buFont typeface="Arial" panose="020B0604020202020204" pitchFamily="34" charset="0"/>
-              <a:buChar char="•"/>
-            </a:pPr>
-            <a:r>
-              <a:rPr lang="zh-CN" altLang="en-US" dirty="0"/>
-              <a:t>自学、展学</a:t>
-            </a:r>
-            <a:endParaRPr lang="en-US" altLang="zh-CN" dirty="0"/>
-          </a:p>
-          <a:p>
-            <a:pPr marL="285750" indent="-285750">
-              <a:buFont typeface="Arial" panose="020B0604020202020204" pitchFamily="34" charset="0"/>
-              <a:buChar char="•"/>
-            </a:pPr>
-            <a:endParaRPr dirty="0">
-              <a:sym typeface="+mn-ea"/>
-            </a:endParaRPr>
-          </a:p>
-        </p:txBody>
-      </p:sp>
-      <p:sp>
-        <p:nvSpPr>
-          <p:cNvPr id="3" name="标题 2"/>
-          <p:cNvSpPr>
-            <a:spLocks noGrp="1"/>
-          </p:cNvSpPr>
-          <p:nvPr>
-            <p:ph type="title"/>
-          </p:nvPr>
-        </p:nvSpPr>
-        <p:spPr/>
-        <p:txBody>
-          <a:bodyPr/>
-          <a:lstStyle/>
-          <a:p>
-            <a:r>
-              <a:rPr lang="zh-CN" altLang="en-US"/>
-              <a:t>总结</a:t>
-            </a:r>
-          </a:p>
-        </p:txBody>
-      </p:sp>
-      <p:graphicFrame>
-        <p:nvGraphicFramePr>
-          <p:cNvPr id="4" name="对象 3">
-            <a:hlinkClick r:id="" action="ppaction://ole?verb=0"/>
-          </p:cNvPr>
-          <p:cNvGraphicFramePr>
-            <a:graphicFrameLocks noChangeAspect="1"/>
-          </p:cNvGraphicFramePr>
-          <p:nvPr/>
-        </p:nvGraphicFramePr>
-        <p:xfrm>
-          <a:off x="5638800" y="3244850"/>
-          <a:ext cx="914400" cy="368300"/>
-        </p:xfrm>
-        <a:graphic>
-          <a:graphicData uri="http://schemas.openxmlformats.org/presentationml/2006/ole">
-            <mc:AlternateContent xmlns:mc="http://schemas.openxmlformats.org/markup-compatibility/2006">
-              <mc:Choice xmlns:v="urn:schemas-microsoft-com:vml" Requires="v">
-                <p:oleObj r:id="rId3" imgW="914400" imgH="368300" progId="Equation.KSEE3">
-                  <p:embed/>
-                </p:oleObj>
-              </mc:Choice>
-              <mc:Fallback>
-                <p:oleObj r:id="rId3" imgW="914400" imgH="368300" progId="Equation.KSEE3">
-                  <p:embed/>
-                  <p:pic>
-                    <p:nvPicPr>
-                      <p:cNvPr id="4" name="对象 3">
-                        <a:hlinkClick r:id="" action="ppaction://ole?verb=0"/>
-                      </p:cNvPr>
-                      <p:cNvPicPr/>
-                      <p:nvPr/>
-                    </p:nvPicPr>
-                    <p:blipFill>
-                      <a:blip r:embed="rId4"/>
-                      <a:stretch>
-                        <a:fillRect/>
-                      </a:stretch>
-                    </p:blipFill>
-                    <p:spPr>
-                      <a:xfrm>
-                        <a:off x="5638800" y="3244850"/>
-                        <a:ext cx="914400" cy="368300"/>
-                      </a:xfrm>
-                      <a:prstGeom prst="rect">
-                        <a:avLst/>
-                      </a:prstGeom>
-                    </p:spPr>
-                  </p:pic>
-                </p:oleObj>
-              </mc:Fallback>
-            </mc:AlternateContent>
-          </a:graphicData>
-        </a:graphic>
-      </p:graphicFrame>
-    </p:spTree>
-    <p:custDataLst>
-      <p:tags r:id="rId1"/>
-    </p:custDataLst>
-  </p:cSld>
-  <p:clrMapOvr>
-    <a:masterClrMapping/>
-  </p:clrMapOvr>
-</p:sld>
-</file>
-
-<file path=ppt/slides/slide18.xml><?xml version="1.0" encoding="utf-8"?>
-<p:sld xmlns:a="http://schemas.openxmlformats.org/drawingml/2006/main" xmlns:r="http://schemas.openxmlformats.org/officeDocument/2006/relationships" xmlns:p="http://schemas.openxmlformats.org/presentationml/2006/main">
-  <p:cSld>
-    <p:spTree>
-      <p:nvGrpSpPr>
-        <p:cNvPr id="1" name=""/>
-        <p:cNvGrpSpPr/>
-        <p:nvPr/>
-      </p:nvGrpSpPr>
-      <p:grpSpPr>
-        <a:xfrm>
-          <a:off x="0" y="0"/>
-          <a:ext cx="0" cy="0"/>
-          <a:chOff x="0" y="0"/>
-          <a:chExt cx="0" cy="0"/>
-        </a:xfrm>
-      </p:grpSpPr>
-      <p:sp>
-        <p:nvSpPr>
-          <p:cNvPr id="2" name="文本占位符 1"/>
-          <p:cNvSpPr>
-            <a:spLocks noGrp="1"/>
-          </p:cNvSpPr>
-          <p:nvPr>
-            <p:ph type="body" idx="1"/>
-          </p:nvPr>
-        </p:nvSpPr>
-        <p:spPr/>
-        <p:txBody>
-          <a:bodyPr/>
-          <a:lstStyle/>
-          <a:p>
-            <a:pPr marL="285750" indent="-285750">
-              <a:buFont typeface="Arial" panose="020B0604020202020204" pitchFamily="34" charset="0"/>
-              <a:buChar char="•"/>
-            </a:pPr>
-            <a:r>
-              <a:rPr lang="en-US" altLang="zh-CN" dirty="0">
-                <a:sym typeface="+mn-ea"/>
-                <a:hlinkClick r:id="rId3"/>
-              </a:rPr>
-              <a:t>Why is sigmoid or tanh better than linear slope for an activation function?</a:t>
-            </a:r>
-            <a:endParaRPr lang="en-US" altLang="zh-CN" dirty="0">
-              <a:sym typeface="+mn-ea"/>
-              <a:hlinkClick r:id="rId4"/>
-            </a:endParaRPr>
-          </a:p>
-          <a:p>
-            <a:pPr marL="285750" indent="-285750">
-              <a:buFont typeface="Arial" panose="020B0604020202020204" pitchFamily="34" charset="0"/>
-              <a:buChar char="•"/>
-            </a:pPr>
-            <a:r>
-              <a:rPr lang="zh-CN" altLang="en-US" dirty="0">
-                <a:sym typeface="+mn-ea"/>
-                <a:hlinkClick r:id="rId4"/>
-              </a:rPr>
-              <a:t>归一化、标准化、零均值化作用及区别</a:t>
-            </a:r>
-            <a:endParaRPr lang="en-US" altLang="zh-CN" dirty="0">
-              <a:sym typeface="+mn-ea"/>
-            </a:endParaRPr>
-          </a:p>
-          <a:p>
-            <a:pPr marL="285750" indent="-285750">
-              <a:buFont typeface="Arial" panose="020B0604020202020204" pitchFamily="34" charset="0"/>
-              <a:buChar char="•"/>
-            </a:pPr>
-            <a:r>
-              <a:rPr lang="zh-CN" altLang="en-US" dirty="0">
-                <a:sym typeface="+mn-ea"/>
-                <a:hlinkClick r:id="rId5"/>
-              </a:rPr>
-              <a:t>训练网络时为什么会出现</a:t>
-            </a:r>
-            <a:r>
-              <a:rPr lang="en" dirty="0">
-                <a:sym typeface="+mn-ea"/>
-                <a:hlinkClick r:id="rId5"/>
-              </a:rPr>
-              <a:t>loss</a:t>
-            </a:r>
-            <a:r>
-              <a:rPr lang="zh-CN" altLang="en-US" dirty="0">
-                <a:sym typeface="+mn-ea"/>
-                <a:hlinkClick r:id="rId5"/>
-              </a:rPr>
-              <a:t>逐渐增大的情况？</a:t>
-            </a:r>
-            <a:endParaRPr lang="en-US" altLang="zh-CN" dirty="0">
-              <a:sym typeface="+mn-ea"/>
-            </a:endParaRPr>
-          </a:p>
-        </p:txBody>
-      </p:sp>
-      <p:sp>
-        <p:nvSpPr>
-          <p:cNvPr id="3" name="标题 2"/>
-          <p:cNvSpPr>
-            <a:spLocks noGrp="1"/>
-          </p:cNvSpPr>
-          <p:nvPr>
-            <p:ph type="title"/>
-          </p:nvPr>
-        </p:nvSpPr>
-        <p:spPr/>
-        <p:txBody>
-          <a:bodyPr/>
-          <a:lstStyle/>
-          <a:p>
-            <a:r>
-              <a:rPr lang="zh-CN" altLang="en-US" dirty="0"/>
-              <a:t>参考资料</a:t>
-            </a:r>
-          </a:p>
-        </p:txBody>
-      </p:sp>
-      <p:graphicFrame>
-        <p:nvGraphicFramePr>
-          <p:cNvPr id="4" name="对象 3">
-            <a:hlinkClick r:id="" action="ppaction://ole?verb=0"/>
-          </p:cNvPr>
-          <p:cNvGraphicFramePr>
-            <a:graphicFrameLocks noChangeAspect="1"/>
-          </p:cNvGraphicFramePr>
-          <p:nvPr/>
-        </p:nvGraphicFramePr>
-        <p:xfrm>
-          <a:off x="5638800" y="3244850"/>
-          <a:ext cx="914400" cy="368300"/>
-        </p:xfrm>
-        <a:graphic>
-          <a:graphicData uri="http://schemas.openxmlformats.org/presentationml/2006/ole">
-            <mc:AlternateContent xmlns:mc="http://schemas.openxmlformats.org/markup-compatibility/2006">
-              <mc:Choice xmlns:v="urn:schemas-microsoft-com:vml" Requires="v">
-                <p:oleObj r:id="rId6" imgW="914400" imgH="368300" progId="Equation.KSEE3">
-                  <p:embed/>
-                </p:oleObj>
-              </mc:Choice>
-              <mc:Fallback>
-                <p:oleObj r:id="rId6" imgW="914400" imgH="368300" progId="Equation.KSEE3">
-                  <p:embed/>
-                  <p:pic>
-                    <p:nvPicPr>
-                      <p:cNvPr id="4" name="对象 3">
-                        <a:hlinkClick r:id="" action="ppaction://ole?verb=0"/>
-                      </p:cNvPr>
-                      <p:cNvPicPr/>
-                      <p:nvPr/>
-                    </p:nvPicPr>
-                    <p:blipFill>
-                      <a:blip r:embed="rId7"/>
-                      <a:stretch>
-                        <a:fillRect/>
-                      </a:stretch>
-                    </p:blipFill>
-                    <p:spPr>
-                      <a:xfrm>
-                        <a:off x="5638800" y="3244850"/>
-                        <a:ext cx="914400" cy="368300"/>
-                      </a:xfrm>
-                      <a:prstGeom prst="rect">
-                        <a:avLst/>
-                      </a:prstGeom>
-                    </p:spPr>
-                  </p:pic>
-                </p:oleObj>
-              </mc:Fallback>
-            </mc:AlternateContent>
-          </a:graphicData>
-        </a:graphic>
-      </p:graphicFrame>
-    </p:spTree>
-    <p:custDataLst>
-      <p:tags r:id="rId1"/>
-    </p:custDataLst>
-    <p:extLst>
-      <p:ext uri="{BB962C8B-B14F-4D97-AF65-F5344CB8AC3E}">
-        <p14:creationId xmlns:p14="http://schemas.microsoft.com/office/powerpoint/2010/main" val="1281223233"/>
-      </p:ext>
-    </p:extLst>
-  </p:cSld>
-  <p:clrMapOvr>
-    <a:masterClrMapping/>
-  </p:clrMapOvr>
-</p:sld>
-</file>
-
-<file path=ppt/slides/slide19.xml><?xml version="1.0" encoding="utf-8"?>
-<p:sld xmlns:a="http://schemas.openxmlformats.org/drawingml/2006/main" xmlns:r="http://schemas.openxmlformats.org/officeDocument/2006/relationships" xmlns:p="http://schemas.openxmlformats.org/presentationml/2006/main">
-  <p:cSld>
-    <p:spTree>
-      <p:nvGrpSpPr>
-        <p:cNvPr id="1" name=""/>
-        <p:cNvGrpSpPr/>
-        <p:nvPr/>
-      </p:nvGrpSpPr>
-      <p:grpSpPr>
-        <a:xfrm>
-          <a:off x="0" y="0"/>
-          <a:ext cx="0" cy="0"/>
-          <a:chOff x="0" y="0"/>
-          <a:chExt cx="0" cy="0"/>
-        </a:xfrm>
-      </p:grpSpPr>
-      <p:sp>
-        <p:nvSpPr>
-          <p:cNvPr id="2" name="文本占位符 1"/>
-          <p:cNvSpPr>
-            <a:spLocks noGrp="1"/>
-          </p:cNvSpPr>
-          <p:nvPr>
-            <p:ph type="body" idx="1"/>
-          </p:nvPr>
-        </p:nvSpPr>
-        <p:spPr/>
-        <p:txBody>
-          <a:bodyPr/>
-          <a:lstStyle/>
-          <a:p>
-            <a:pPr marL="285750" indent="-285750">
-              <a:buFont typeface="Arial" panose="020B0604020202020204" pitchFamily="34" charset="0"/>
-              <a:buChar char="•"/>
-            </a:pPr>
-            <a:r>
-              <a:rPr lang="zh-CN" altLang="en-US" dirty="0"/>
-              <a:t>第二节课：“判断性别”</a:t>
-            </a:r>
-            <a:r>
-              <a:rPr lang="en-US" altLang="zh-CN" dirty="0"/>
-              <a:t>Demo</a:t>
-            </a:r>
-            <a:r>
-              <a:rPr lang="zh-CN" altLang="en-US" dirty="0"/>
-              <a:t>需求分析和初步设计（下</a:t>
-            </a:r>
-            <a:r>
-              <a:rPr lang="en-US" altLang="zh-CN" dirty="0"/>
-              <a:t>2</a:t>
-            </a:r>
-            <a:r>
-              <a:rPr lang="zh-CN" altLang="en-US" dirty="0"/>
-              <a:t>）</a:t>
-            </a:r>
-            <a:endParaRPr dirty="0">
-              <a:sym typeface="+mn-ea"/>
-            </a:endParaRPr>
-          </a:p>
-        </p:txBody>
-      </p:sp>
-      <p:sp>
-        <p:nvSpPr>
-          <p:cNvPr id="3" name="标题 2"/>
-          <p:cNvSpPr>
-            <a:spLocks noGrp="1"/>
-          </p:cNvSpPr>
-          <p:nvPr>
-            <p:ph type="title"/>
-          </p:nvPr>
-        </p:nvSpPr>
-        <p:spPr/>
-        <p:txBody>
-          <a:bodyPr/>
-          <a:lstStyle/>
-          <a:p>
-            <a:r>
-              <a:rPr lang="zh-CN" altLang="en-US"/>
-              <a:t>下节课预告</a:t>
-            </a:r>
-          </a:p>
-        </p:txBody>
-      </p:sp>
-    </p:spTree>
-    <p:custDataLst>
-      <p:tags r:id="rId1"/>
-    </p:custDataLst>
-  </p:cSld>
-  <p:clrMapOvr>
-    <a:masterClrMapping/>
-  </p:clrMapOvr>
-</p:sld>
-</file>
-
-<file path=ppt/slides/slide2.xml><?xml version="1.0" encoding="utf-8"?>
-<p:sld xmlns:a="http://schemas.openxmlformats.org/drawingml/2006/main" xmlns:r="http://schemas.openxmlformats.org/officeDocument/2006/relationships" xmlns:p="http://schemas.openxmlformats.org/presentationml/2006/main">
-  <p:cSld>
-    <p:spTree>
-      <p:nvGrpSpPr>
-        <p:cNvPr id="1" name=""/>
-        <p:cNvGrpSpPr/>
-        <p:nvPr/>
-      </p:nvGrpSpPr>
-      <p:grpSpPr>
-        <a:xfrm>
-          <a:off x="0" y="0"/>
-          <a:ext cx="0" cy="0"/>
-          <a:chOff x="0" y="0"/>
-          <a:chExt cx="0" cy="0"/>
-        </a:xfrm>
-      </p:grpSpPr>
-      <p:sp>
-        <p:nvSpPr>
-          <p:cNvPr id="2" name="标题 1"/>
-          <p:cNvSpPr>
-            <a:spLocks noGrp="1"/>
-          </p:cNvSpPr>
-          <p:nvPr>
-            <p:ph type="title"/>
-          </p:nvPr>
-        </p:nvSpPr>
-        <p:spPr>
-          <a:xfrm>
-            <a:off x="669882" y="2108221"/>
-            <a:ext cx="10852237" cy="899167"/>
-          </a:xfrm>
-        </p:spPr>
-        <p:txBody>
-          <a:bodyPr/>
-          <a:lstStyle/>
-          <a:p>
-            <a:r>
-              <a:rPr lang="zh-CN" altLang="en-US" dirty="0"/>
-              <a:t>第二节课：</a:t>
-            </a:r>
-            <a:br>
-              <a:rPr lang="en-US" altLang="zh-CN" dirty="0"/>
-            </a:br>
-            <a:r>
-              <a:rPr lang="zh-CN" altLang="en-US" dirty="0"/>
-              <a:t>“判断性别”</a:t>
-            </a:r>
-            <a:r>
-              <a:rPr lang="en-US" altLang="zh-CN" dirty="0"/>
-              <a:t>Demo</a:t>
-            </a:r>
-            <a:r>
-              <a:rPr lang="zh-CN" altLang="en-US" dirty="0"/>
-              <a:t>需求分析和初步设计（下</a:t>
-            </a:r>
-            <a:r>
-              <a:rPr lang="en-US" altLang="zh-CN" dirty="0"/>
-              <a:t>2</a:t>
-            </a:r>
-            <a:r>
-              <a:rPr lang="zh-CN" altLang="en-US" dirty="0"/>
-              <a:t>）</a:t>
-            </a:r>
-          </a:p>
-        </p:txBody>
-      </p:sp>
-    </p:spTree>
-    <p:custDataLst>
-      <p:tags r:id="rId1"/>
-    </p:custDataLst>
-  </p:cSld>
-  <p:clrMapOvr>
-    <a:masterClrMapping/>
-  </p:clrMapOvr>
-</p:sld>
-</file>
-
-<file path=ppt/slides/slide20.xml><?xml version="1.0" encoding="utf-8"?>
-<p:sld xmlns:a="http://schemas.openxmlformats.org/drawingml/2006/main" xmlns:r="http://schemas.openxmlformats.org/officeDocument/2006/relationships" xmlns:p="http://schemas.openxmlformats.org/presentationml/2006/main">
-  <p:cSld>
-    <p:spTree>
-      <p:nvGrpSpPr>
-        <p:cNvPr id="1" name=""/>
-        <p:cNvGrpSpPr/>
-        <p:nvPr/>
-      </p:nvGrpSpPr>
-      <p:grpSpPr>
-        <a:xfrm>
-          <a:off x="0" y="0"/>
-          <a:ext cx="0" cy="0"/>
-          <a:chOff x="0" y="0"/>
-          <a:chExt cx="0" cy="0"/>
-        </a:xfrm>
-      </p:grpSpPr>
-    </p:spTree>
-    <p:custDataLst>
-      <p:tags r:id="rId1"/>
-    </p:custDataLst>
-  </p:cSld>
-  <p:clrMapOvr>
-    <a:masterClrMapping/>
-  </p:clrMapOvr>
-</p:sld>
-</file>
-
-<file path=ppt/slides/slide21.xml><?xml version="1.0" encoding="utf-8"?>
-<p:sld xmlns:a="http://schemas.openxmlformats.org/drawingml/2006/main" xmlns:r="http://schemas.openxmlformats.org/officeDocument/2006/relationships" xmlns:p="http://schemas.openxmlformats.org/presentationml/2006/main">
-  <p:cSld>
-    <p:spTree>
-      <p:nvGrpSpPr>
-        <p:cNvPr id="1" name=""/>
-        <p:cNvGrpSpPr/>
-        <p:nvPr/>
-      </p:nvGrpSpPr>
-      <p:grpSpPr>
-        <a:xfrm>
-          <a:off x="0" y="0"/>
-          <a:ext cx="0" cy="0"/>
-          <a:chOff x="0" y="0"/>
-          <a:chExt cx="0" cy="0"/>
-        </a:xfrm>
-      </p:grpSpPr>
-      <p:sp>
-        <p:nvSpPr>
-          <p:cNvPr id="2" name="文本占位符 1"/>
-          <p:cNvSpPr>
-            <a:spLocks noGrp="1"/>
-          </p:cNvSpPr>
-          <p:nvPr>
-            <p:ph type="body" idx="1"/>
-          </p:nvPr>
-        </p:nvSpPr>
-        <p:spPr/>
-        <p:txBody>
-          <a:bodyPr/>
-          <a:lstStyle/>
-          <a:p>
-            <a:pPr marL="285750" indent="-285750">
-              <a:buFont typeface="Arial" panose="020B0604020202020204" pitchFamily="34" charset="0"/>
-              <a:buChar char="•"/>
-            </a:pPr>
-            <a:r>
-              <a:rPr lang="zh-CN" altLang="en-US" dirty="0"/>
-              <a:t>如何避免陷入局部最优？</a:t>
-            </a:r>
-            <a:br>
-              <a:rPr lang="en-US" altLang="zh-CN" dirty="0"/>
-            </a:br>
-            <a:r>
-              <a:rPr lang="zh-CN" altLang="en-US" dirty="0"/>
-              <a:t>再取一组值来判断；</a:t>
-            </a:r>
-            <a:br>
-              <a:rPr lang="en-US" altLang="zh-CN" dirty="0"/>
-            </a:br>
-            <a:r>
-              <a:rPr lang="zh-CN" altLang="en-US" dirty="0"/>
-              <a:t>小批量随机梯度下降</a:t>
-            </a:r>
-            <a:endParaRPr lang="en-US" altLang="zh-CN" dirty="0"/>
-          </a:p>
-        </p:txBody>
-      </p:sp>
-      <p:sp>
-        <p:nvSpPr>
-          <p:cNvPr id="3" name="标题 2"/>
-          <p:cNvSpPr>
-            <a:spLocks noGrp="1"/>
-          </p:cNvSpPr>
-          <p:nvPr>
-            <p:ph type="title"/>
-          </p:nvPr>
-        </p:nvSpPr>
-        <p:spPr/>
-        <p:txBody>
-          <a:bodyPr/>
-          <a:lstStyle/>
-          <a:p>
-            <a:r>
-              <a:rPr lang="zh-CN" altLang="en-US"/>
-              <a:t>问答</a:t>
-            </a:r>
-          </a:p>
-        </p:txBody>
-      </p:sp>
-    </p:spTree>
-    <p:custDataLst>
-      <p:tags r:id="rId1"/>
-    </p:custDataLst>
-  </p:cSld>
-  <p:clrMapOvr>
-    <a:masterClrMapping/>
-  </p:clrMapOvr>
-</p:sld>
-</file>
-
-<file path=ppt/slides/slide22.xml><?xml version="1.0" encoding="utf-8"?>
-<p:sld xmlns:a="http://schemas.openxmlformats.org/drawingml/2006/main" xmlns:r="http://schemas.openxmlformats.org/officeDocument/2006/relationships" xmlns:p="http://schemas.openxmlformats.org/presentationml/2006/main">
-  <p:cSld>
-    <p:spTree>
-      <p:nvGrpSpPr>
-        <p:cNvPr id="1" name=""/>
-        <p:cNvGrpSpPr/>
-        <p:nvPr/>
-      </p:nvGrpSpPr>
-      <p:grpSpPr>
-        <a:xfrm>
-          <a:off x="0" y="0"/>
-          <a:ext cx="0" cy="0"/>
-          <a:chOff x="0" y="0"/>
-          <a:chExt cx="0" cy="0"/>
-        </a:xfrm>
-      </p:grpSpPr>
-    </p:spTree>
-    <p:custDataLst>
-      <p:tags r:id="rId1"/>
-    </p:custDataLst>
-  </p:cSld>
-  <p:clrMapOvr>
-    <a:masterClrMapping/>
-  </p:clrMapOvr>
-</p:sld>
-</file>
-
-<file path=ppt/slides/slide3.xml><?xml version="1.0" encoding="utf-8"?>
-<p:sld xmlns:a="http://schemas.openxmlformats.org/drawingml/2006/main" xmlns:r="http://schemas.openxmlformats.org/officeDocument/2006/relationships" xmlns:p="http://schemas.openxmlformats.org/presentationml/2006/main">
-  <p:cSld>
-    <p:spTree>
-      <p:nvGrpSpPr>
-        <p:cNvPr id="1" name=""/>
-        <p:cNvGrpSpPr/>
-        <p:nvPr/>
-      </p:nvGrpSpPr>
-      <p:grpSpPr>
-        <a:xfrm>
-          <a:off x="0" y="0"/>
-          <a:ext cx="0" cy="0"/>
-          <a:chOff x="0" y="0"/>
-          <a:chExt cx="0" cy="0"/>
-        </a:xfrm>
-      </p:grpSpPr>
-      <p:sp>
-        <p:nvSpPr>
-          <p:cNvPr id="2" name="文本占位符 1"/>
-          <p:cNvSpPr>
-            <a:spLocks noGrp="1"/>
-          </p:cNvSpPr>
-          <p:nvPr>
-            <p:ph type="body" idx="1"/>
-          </p:nvPr>
-        </p:nvSpPr>
-        <p:spPr/>
-        <p:txBody>
-          <a:bodyPr/>
-          <a:lstStyle/>
-          <a:p>
-            <a:pPr marL="285750" indent="-285750">
-              <a:buFont typeface="Arial" panose="020B0604020202020204" pitchFamily="34" charset="0"/>
-              <a:buChar char="•"/>
-            </a:pPr>
-            <a:r>
-              <a:rPr lang="zh-CN" altLang="en-US" dirty="0"/>
-              <a:t>回顾相关课程内容</a:t>
-            </a:r>
-            <a:endParaRPr lang="en-US" altLang="zh-CN" dirty="0"/>
-          </a:p>
-          <a:p>
-            <a:pPr marL="285750" indent="-285750">
-              <a:buFont typeface="Arial" panose="020B0604020202020204" pitchFamily="34" charset="0"/>
-              <a:buChar char="•"/>
-            </a:pPr>
-            <a:endParaRPr lang="en-US" altLang="zh-CN" dirty="0"/>
-          </a:p>
-        </p:txBody>
-      </p:sp>
-      <p:sp>
-        <p:nvSpPr>
-          <p:cNvPr id="3" name="标题 2"/>
-          <p:cNvSpPr>
-            <a:spLocks noGrp="1"/>
-          </p:cNvSpPr>
-          <p:nvPr>
-            <p:ph type="title"/>
-          </p:nvPr>
-        </p:nvSpPr>
-        <p:spPr/>
-        <p:txBody>
-          <a:bodyPr/>
-          <a:lstStyle/>
-          <a:p>
-            <a:r>
-              <a:rPr lang="zh-CN" altLang="en-US" dirty="0"/>
-              <a:t>内容预览</a:t>
-            </a:r>
-          </a:p>
-        </p:txBody>
-      </p:sp>
-    </p:spTree>
-    <p:custDataLst>
-      <p:tags r:id="rId1"/>
-    </p:custDataLst>
-  </p:cSld>
-  <p:clrMapOvr>
-    <a:masterClrMapping/>
-  </p:clrMapOvr>
-  <p:timing>
-    <p:tnLst>
-      <p:par>
-        <p:cTn id="1" dur="indefinite" restart="never" nodeType="tmRoot">
-          <p:childTnLst>
-            <p:seq concurrent="1" nextAc="seek">
-              <p:cTn id="2" dur="indefinite" nodeType="mainSeq">
-                <p:childTnLst>
-                  <p:par>
-                    <p:cTn id="3" fill="hold">
-                      <p:stCondLst>
-                        <p:cond delay="indefinite"/>
-                      </p:stCondLst>
-                      <p:childTnLst>
-                        <p:par>
-                          <p:cTn id="4" fill="hold">
-                            <p:stCondLst>
-                              <p:cond delay="0"/>
-                            </p:stCondLst>
-                            <p:childTnLst>
-                              <p:par>
-                                <p:cTn id="5" presetID="1" presetClass="entr" presetSubtype="0" fill="hold" nodeType="clickEffect">
-                                  <p:stCondLst>
-                                    <p:cond delay="0"/>
-                                  </p:stCondLst>
-                                  <p:childTnLst>
-                                    <p:set>
-                                      <p:cBhvr>
-                                        <p:cTn id="6" dur="1" fill="hold">
-                                          <p:stCondLst>
-                                            <p:cond delay="0"/>
-                                          </p:stCondLst>
-                                        </p:cTn>
-                                        <p:tgtEl>
-                                          <p:spTgt spid="2">
-                                            <p:txEl>
-                                              <p:pRg st="0" end="0"/>
-                                            </p:txEl>
-                                          </p:spTgt>
-                                        </p:tgtEl>
-                                        <p:attrNameLst>
-                                          <p:attrName>style.visibility</p:attrName>
-                                        </p:attrNameLst>
-                                      </p:cBhvr>
-                                      <p:to>
-                                        <p:strVal val="visible"/>
-                                      </p:to>
-                                    </p:set>
-                                  </p:childTnLst>
-                                </p:cTn>
-                              </p:par>
-                            </p:childTnLst>
-                          </p:cTn>
-                        </p:par>
-                      </p:childTnLst>
-                    </p:cTn>
-                  </p:par>
                 </p:childTnLst>
               </p:cTn>
               <p:prevCondLst>
@@ -11290,6 +12233,53 @@
           <a:prstGeom prst="rect">
             <a:avLst/>
           </a:prstGeom>
+        </p:spPr>
+      </p:pic>
+      <p:pic>
+        <p:nvPicPr>
+          <p:cNvPr id="7" name="Picture 2" descr="image">
+            <a:extLst>
+              <a:ext uri="{FF2B5EF4-FFF2-40B4-BE49-F238E27FC236}">
+                <a16:creationId xmlns:a16="http://schemas.microsoft.com/office/drawing/2014/main" id="{73640052-2063-8D20-A345-13E600F9DB75}"/>
+              </a:ext>
+            </a:extLst>
+          </p:cNvPr>
+          <p:cNvPicPr>
+            <a:picLocks noChangeAspect="1" noChangeArrowheads="1"/>
+          </p:cNvPicPr>
+          <p:nvPr/>
+        </p:nvPicPr>
+        <p:blipFill>
+          <a:blip r:embed="rId6">
+            <a:extLst>
+              <a:ext uri="{28A0092B-C50C-407E-A947-70E740481C1C}">
+                <a14:useLocalDpi xmlns:a14="http://schemas.microsoft.com/office/drawing/2010/main" val="0"/>
+              </a:ext>
+            </a:extLst>
+          </a:blip>
+          <a:srcRect/>
+          <a:stretch>
+            <a:fillRect/>
+          </a:stretch>
+        </p:blipFill>
+        <p:spPr bwMode="auto">
+          <a:xfrm>
+            <a:off x="7854063" y="333323"/>
+            <a:ext cx="2869418" cy="2905285"/>
+          </a:xfrm>
+          <a:prstGeom prst="rect">
+            <a:avLst/>
+          </a:prstGeom>
+          <a:noFill/>
+          <a:extLst>
+            <a:ext uri="{909E8E84-426E-40DD-AFC4-6F175D3DCCD1}">
+              <a14:hiddenFill xmlns:a14="http://schemas.microsoft.com/office/drawing/2010/main">
+                <a:solidFill>
+                  <a:srgbClr val="FFFFFF"/>
+                </a:solidFill>
+              </a14:hiddenFill>
+            </a:ext>
+          </a:extLst>
         </p:spPr>
       </p:pic>
     </p:spTree>
@@ -11473,7 +12463,7 @@
                             </p:stCondLst>
                             <p:childTnLst>
                               <p:par>
-                                <p:cTn id="17" presetID="1" presetClass="entr" presetSubtype="0" fill="hold" nodeType="clickEffect">
+                                <p:cTn id="17" presetID="1" presetClass="entr" presetSubtype="0" fill="hold" grpId="0" nodeType="clickEffect">
                                   <p:stCondLst>
                                     <p:cond delay="0"/>
                                   </p:stCondLst>
@@ -11486,11 +12476,7 @@
                                           </p:stCondLst>
                                         </p:cTn>
                                         <p:tgtEl>
-                                          <p:spTgt spid="2">
-                                            <p:txEl>
-                                              <p:pRg st="3" end="3"/>
-                                            </p:txEl>
-                                          </p:spTgt>
+                                          <p:spTgt spid="5"/>
                                         </p:tgtEl>
                                         <p:attrNameLst>
                                           <p:attrName>style.visibility</p:attrName>
@@ -11537,7 +12523,7 @@
                                         <p:tgtEl>
                                           <p:spTgt spid="2">
                                             <p:txEl>
-                                              <p:pRg st="4" end="4"/>
+                                              <p:pRg st="3" end="3"/>
                                             </p:txEl>
                                           </p:spTgt>
                                         </p:tgtEl>
@@ -11586,7 +12572,7 @@
                                         <p:tgtEl>
                                           <p:spTgt spid="2">
                                             <p:txEl>
-                                              <p:pRg st="5" end="5"/>
+                                              <p:pRg st="4" end="4"/>
                                             </p:txEl>
                                           </p:spTgt>
                                         </p:tgtEl>
@@ -11620,7 +12606,7 @@
                             </p:stCondLst>
                             <p:childTnLst>
                               <p:par>
-                                <p:cTn id="29" presetID="1" presetClass="entr" presetSubtype="0" fill="hold" grpId="0" nodeType="clickEffect">
+                                <p:cTn id="29" presetID="1" presetClass="entr" presetSubtype="0" fill="hold" nodeType="clickEffect">
                                   <p:stCondLst>
                                     <p:cond delay="0"/>
                                   </p:stCondLst>
@@ -11633,7 +12619,7 @@
                                           </p:stCondLst>
                                         </p:cTn>
                                         <p:tgtEl>
-                                          <p:spTgt spid="5"/>
+                                          <p:spTgt spid="7"/>
                                         </p:tgtEl>
                                         <p:attrNameLst>
                                           <p:attrName>style.visibility</p:attrName>
@@ -11673,6 +12659,55 @@
                                     <p:set>
                                       <p:cBhvr>
                                         <p:cTn id="34" dur="1" fill="hold">
+                                          <p:stCondLst>
+                                            <p:cond delay="0"/>
+                                          </p:stCondLst>
+                                        </p:cTn>
+                                        <p:tgtEl>
+                                          <p:spTgt spid="2">
+                                            <p:txEl>
+                                              <p:pRg st="5" end="5"/>
+                                            </p:txEl>
+                                          </p:spTgt>
+                                        </p:tgtEl>
+                                        <p:attrNameLst>
+                                          <p:attrName>style.visibility</p:attrName>
+                                        </p:attrNameLst>
+                                      </p:cBhvr>
+                                      <p:to>
+                                        <p:strVal val="visible"/>
+                                      </p:to>
+                                    </p:set>
+                                  </p:childTnLst>
+                                </p:cTn>
+                              </p:par>
+                            </p:childTnLst>
+                          </p:cTn>
+                        </p:par>
+                      </p:childTnLst>
+                    </p:cTn>
+                  </p:par>
+                  <p:par>
+                    <p:cTn id="35" fill="hold">
+                      <p:stCondLst>
+                        <p:cond delay="indefinite"/>
+                      </p:stCondLst>
+                      <p:childTnLst>
+                        <p:par>
+                          <p:cTn id="36" fill="hold">
+                            <p:stCondLst>
+                              <p:cond delay="0"/>
+                            </p:stCondLst>
+                            <p:childTnLst>
+                              <p:par>
+                                <p:cTn id="37" presetID="1" presetClass="entr" presetSubtype="0" fill="hold" nodeType="clickEffect">
+                                  <p:stCondLst>
+                                    <p:cond delay="0"/>
+                                  </p:stCondLst>
+                                  <p:childTnLst>
+                                    <p:set>
+                                      <p:cBhvr>
+                                        <p:cTn id="38" dur="1" fill="hold">
                                           <p:stCondLst>
                                             <p:cond delay="0"/>
                                           </p:stCondLst>
@@ -11827,223 +12862,6 @@
             </a:pPr>
             <a:r>
               <a:rPr lang="zh-CN" altLang="en-US" dirty="0"/>
-              <a:t>为什么要求损失函数对权重和偏移的梯度？</a:t>
-            </a:r>
-            <a:endParaRPr lang="en-US" altLang="zh-CN" dirty="0"/>
-          </a:p>
-          <a:p>
-            <a:endParaRPr lang="en-US" altLang="zh-CN" dirty="0"/>
-          </a:p>
-          <a:p>
-            <a:pPr marL="285750" indent="-285750">
-              <a:buFont typeface="Arial" panose="020B0604020202020204" pitchFamily="34" charset="0"/>
-              <a:buChar char="•"/>
-            </a:pPr>
-            <a:r>
-              <a:rPr lang="zh-CN" altLang="en-US" dirty="0"/>
-              <a:t>自学、展学</a:t>
-            </a:r>
-          </a:p>
-          <a:p>
-            <a:pPr marL="285750" indent="-285750">
-              <a:buFont typeface="Arial" panose="020B0604020202020204" pitchFamily="34" charset="0"/>
-              <a:buChar char="•"/>
-            </a:pPr>
-            <a:endParaRPr lang="en-US" altLang="zh-CN" dirty="0"/>
-          </a:p>
-          <a:p>
-            <a:pPr marL="285750" indent="-285750">
-              <a:buFont typeface="Arial" panose="020B0604020202020204" pitchFamily="34" charset="0"/>
-              <a:buChar char="•"/>
-            </a:pPr>
-            <a:endParaRPr dirty="0">
-              <a:sym typeface="+mn-ea"/>
-            </a:endParaRPr>
-          </a:p>
-        </p:txBody>
-      </p:sp>
-      <p:sp>
-        <p:nvSpPr>
-          <p:cNvPr id="3" name="标题 2"/>
-          <p:cNvSpPr>
-            <a:spLocks noGrp="1"/>
-          </p:cNvSpPr>
-          <p:nvPr>
-            <p:ph type="title"/>
-          </p:nvPr>
-        </p:nvSpPr>
-        <p:spPr/>
-        <p:txBody>
-          <a:bodyPr/>
-          <a:lstStyle/>
-          <a:p>
-            <a:r>
-              <a:rPr lang="zh-CN" altLang="en-US" dirty="0"/>
-              <a:t>为什么求梯度？</a:t>
-            </a:r>
-          </a:p>
-        </p:txBody>
-      </p:sp>
-      <p:pic>
-        <p:nvPicPr>
-          <p:cNvPr id="4" name="图片 3">
-            <a:extLst>
-              <a:ext uri="{FF2B5EF4-FFF2-40B4-BE49-F238E27FC236}">
-                <a16:creationId xmlns:a16="http://schemas.microsoft.com/office/drawing/2014/main" id="{CD8E1827-5A1D-BA03-FF5D-4B7811098A39}"/>
-              </a:ext>
-            </a:extLst>
-          </p:cNvPr>
-          <p:cNvPicPr>
-            <a:picLocks noChangeAspect="1"/>
-          </p:cNvPicPr>
-          <p:nvPr/>
-        </p:nvPicPr>
-        <p:blipFill>
-          <a:blip r:embed="rId3">
-            <a:extLst>
-              <a:ext uri="{28A0092B-C50C-407E-A947-70E740481C1C}">
-                <a14:useLocalDpi xmlns:a14="http://schemas.microsoft.com/office/drawing/2010/main" val="0"/>
-              </a:ext>
-            </a:extLst>
-          </a:blip>
-          <a:stretch>
-            <a:fillRect/>
-          </a:stretch>
-        </p:blipFill>
-        <p:spPr>
-          <a:xfrm>
-            <a:off x="7788366" y="1711328"/>
-            <a:ext cx="2844800" cy="1955800"/>
-          </a:xfrm>
-          <a:prstGeom prst="rect">
-            <a:avLst/>
-          </a:prstGeom>
-        </p:spPr>
-      </p:pic>
-    </p:spTree>
-    <p:custDataLst>
-      <p:tags r:id="rId1"/>
-    </p:custDataLst>
-  </p:cSld>
-  <p:clrMapOvr>
-    <a:masterClrMapping/>
-  </p:clrMapOvr>
-  <p:timing>
-    <p:tnLst>
-      <p:par>
-        <p:cTn id="1" dur="indefinite" restart="never" nodeType="tmRoot">
-          <p:childTnLst>
-            <p:seq concurrent="1" nextAc="seek">
-              <p:cTn id="2" dur="indefinite" nodeType="mainSeq">
-                <p:childTnLst>
-                  <p:par>
-                    <p:cTn id="3" fill="hold">
-                      <p:stCondLst>
-                        <p:cond delay="indefinite"/>
-                      </p:stCondLst>
-                      <p:childTnLst>
-                        <p:par>
-                          <p:cTn id="4" fill="hold">
-                            <p:stCondLst>
-                              <p:cond delay="0"/>
-                            </p:stCondLst>
-                            <p:childTnLst>
-                              <p:par>
-                                <p:cTn id="5" presetID="1" presetClass="entr" presetSubtype="0" fill="hold" nodeType="clickEffect">
-                                  <p:stCondLst>
-                                    <p:cond delay="0"/>
-                                  </p:stCondLst>
-                                  <p:childTnLst>
-                                    <p:set>
-                                      <p:cBhvr>
-                                        <p:cTn id="6" dur="1" fill="hold">
-                                          <p:stCondLst>
-                                            <p:cond delay="0"/>
-                                          </p:stCondLst>
-                                        </p:cTn>
-                                        <p:tgtEl>
-                                          <p:spTgt spid="4"/>
-                                        </p:tgtEl>
-                                        <p:attrNameLst>
-                                          <p:attrName>style.visibility</p:attrName>
-                                        </p:attrNameLst>
-                                      </p:cBhvr>
-                                      <p:to>
-                                        <p:strVal val="visible"/>
-                                      </p:to>
-                                    </p:set>
-                                  </p:childTnLst>
-                                </p:cTn>
-                              </p:par>
-                            </p:childTnLst>
-                          </p:cTn>
-                        </p:par>
-                      </p:childTnLst>
-                    </p:cTn>
-                  </p:par>
-                </p:childTnLst>
-              </p:cTn>
-              <p:prevCondLst>
-                <p:cond evt="onPrev" delay="0">
-                  <p:tgtEl>
-                    <p:sldTgt/>
-                  </p:tgtEl>
-                </p:cond>
-              </p:prevCondLst>
-              <p:nextCondLst>
-                <p:cond evt="onNext" delay="0">
-                  <p:tgtEl>
-                    <p:sldTgt/>
-                  </p:tgtEl>
-                </p:cond>
-              </p:nextCondLst>
-            </p:seq>
-          </p:childTnLst>
-        </p:cTn>
-      </p:par>
-    </p:tnLst>
-  </p:timing>
-</p:sld>
-</file>
-
-<file path=ppt/slides/slide7.xml><?xml version="1.0" encoding="utf-8"?>
-<p:sld xmlns:a="http://schemas.openxmlformats.org/drawingml/2006/main" xmlns:r="http://schemas.openxmlformats.org/officeDocument/2006/relationships" xmlns:p="http://schemas.openxmlformats.org/presentationml/2006/main">
-  <p:cSld>
-    <p:spTree>
-      <p:nvGrpSpPr>
-        <p:cNvPr id="1" name=""/>
-        <p:cNvGrpSpPr/>
-        <p:nvPr/>
-      </p:nvGrpSpPr>
-      <p:grpSpPr>
-        <a:xfrm>
-          <a:off x="0" y="0"/>
-          <a:ext cx="0" cy="0"/>
-          <a:chOff x="0" y="0"/>
-          <a:chExt cx="0" cy="0"/>
-        </a:xfrm>
-      </p:grpSpPr>
-      <p:sp>
-        <p:nvSpPr>
-          <p:cNvPr id="2" name="文本占位符 1"/>
-          <p:cNvSpPr>
-            <a:spLocks noGrp="1"/>
-          </p:cNvSpPr>
-          <p:nvPr>
-            <p:ph type="body" idx="1"/>
-          </p:nvPr>
-        </p:nvSpPr>
-        <p:spPr/>
-        <p:txBody>
-          <a:bodyPr/>
-          <a:lstStyle/>
-          <a:p>
-            <a:pPr marL="285750" indent="-285750">
-              <a:buFont typeface="Arial" panose="020B0604020202020204" pitchFamily="34" charset="0"/>
-              <a:buChar char="•"/>
-            </a:pPr>
-            <a:r>
-              <a:rPr lang="zh-CN" altLang="en-US" dirty="0"/>
               <a:t>对于“判断性别”的</a:t>
             </a:r>
             <a:r>
@@ -12152,7 +12970,15 @@
               <a:p>
                 <a:r>
                   <a:rPr lang="zh-CN" altLang="en-US" dirty="0"/>
-                  <a:t>均分误差函数：</a:t>
+                  <a:t>均分误差函数（</a:t>
+                </a:r>
+                <a:r>
+                  <a:rPr lang="en-US" altLang="zh-CN" dirty="0"/>
+                  <a:t>MSE</a:t>
+                </a:r>
+                <a:r>
+                  <a:rPr lang="zh-CN" altLang="en-US" dirty="0"/>
+                  <a:t>）：</a:t>
                 </a:r>
                 <a:endParaRPr lang="en-US" altLang="zh-CN" dirty="0"/>
               </a:p>
@@ -12507,7 +13333,7 @@
 </p:sld>
 </file>
 
-<file path=ppt/slides/slide8.xml><?xml version="1.0" encoding="utf-8"?>
+<file path=ppt/slides/slide7.xml><?xml version="1.0" encoding="utf-8"?>
 <p:sld xmlns:a="http://schemas.openxmlformats.org/drawingml/2006/main" xmlns:r="http://schemas.openxmlformats.org/officeDocument/2006/relationships" xmlns:p="http://schemas.openxmlformats.org/presentationml/2006/main">
   <p:cSld>
     <p:spTree>
@@ -14085,7 +14911,195 @@
                                           </p:stCondLst>
                                         </p:cTn>
                                         <p:tgtEl>
+                                          <p:spTgt spid="2">
+                                            <p:txEl>
+                                              <p:pRg st="0" end="0"/>
+                                            </p:txEl>
+                                          </p:spTgt>
+                                        </p:tgtEl>
+                                        <p:attrNameLst>
+                                          <p:attrName>style.visibility</p:attrName>
+                                        </p:attrNameLst>
+                                      </p:cBhvr>
+                                      <p:to>
+                                        <p:strVal val="visible"/>
+                                      </p:to>
+                                    </p:set>
+                                  </p:childTnLst>
+                                </p:cTn>
+                              </p:par>
+                            </p:childTnLst>
+                          </p:cTn>
+                        </p:par>
+                      </p:childTnLst>
+                    </p:cTn>
+                  </p:par>
+                  <p:par>
+                    <p:cTn id="11" fill="hold">
+                      <p:stCondLst>
+                        <p:cond delay="indefinite"/>
+                      </p:stCondLst>
+                      <p:childTnLst>
+                        <p:par>
+                          <p:cTn id="12" fill="hold">
+                            <p:stCondLst>
+                              <p:cond delay="0"/>
+                            </p:stCondLst>
+                            <p:childTnLst>
+                              <p:par>
+                                <p:cTn id="13" presetID="1" presetClass="entr" presetSubtype="0" fill="hold" grpId="0" nodeType="clickEffect">
+                                  <p:stCondLst>
+                                    <p:cond delay="0"/>
+                                  </p:stCondLst>
+                                  <p:childTnLst>
+                                    <p:set>
+                                      <p:cBhvr>
+                                        <p:cTn id="14" dur="1" fill="hold">
+                                          <p:stCondLst>
+                                            <p:cond delay="0"/>
+                                          </p:stCondLst>
+                                        </p:cTn>
+                                        <p:tgtEl>
+                                          <p:spTgt spid="8"/>
+                                        </p:tgtEl>
+                                        <p:attrNameLst>
+                                          <p:attrName>style.visibility</p:attrName>
+                                        </p:attrNameLst>
+                                      </p:cBhvr>
+                                      <p:to>
+                                        <p:strVal val="visible"/>
+                                      </p:to>
+                                    </p:set>
+                                  </p:childTnLst>
+                                </p:cTn>
+                              </p:par>
+                            </p:childTnLst>
+                          </p:cTn>
+                        </p:par>
+                      </p:childTnLst>
+                    </p:cTn>
+                  </p:par>
+                  <p:par>
+                    <p:cTn id="15" fill="hold">
+                      <p:stCondLst>
+                        <p:cond delay="indefinite"/>
+                      </p:stCondLst>
+                      <p:childTnLst>
+                        <p:par>
+                          <p:cTn id="16" fill="hold">
+                            <p:stCondLst>
+                              <p:cond delay="0"/>
+                            </p:stCondLst>
+                            <p:childTnLst>
+                              <p:par>
+                                <p:cTn id="17" presetID="1" presetClass="entr" presetSubtype="0" fill="hold" nodeType="clickEffect">
+                                  <p:stCondLst>
+                                    <p:cond delay="0"/>
+                                  </p:stCondLst>
+                                  <p:childTnLst>
+                                    <p:set>
+                                      <p:cBhvr>
+                                        <p:cTn id="18" dur="1" fill="hold">
+                                          <p:stCondLst>
+                                            <p:cond delay="0"/>
+                                          </p:stCondLst>
+                                        </p:cTn>
+                                        <p:tgtEl>
                                           <p:spTgt spid="6"/>
+                                        </p:tgtEl>
+                                        <p:attrNameLst>
+                                          <p:attrName>style.visibility</p:attrName>
+                                        </p:attrNameLst>
+                                      </p:cBhvr>
+                                      <p:to>
+                                        <p:strVal val="visible"/>
+                                      </p:to>
+                                    </p:set>
+                                  </p:childTnLst>
+                                </p:cTn>
+                              </p:par>
+                            </p:childTnLst>
+                          </p:cTn>
+                        </p:par>
+                      </p:childTnLst>
+                    </p:cTn>
+                  </p:par>
+                  <p:par>
+                    <p:cTn id="19" fill="hold">
+                      <p:stCondLst>
+                        <p:cond delay="indefinite"/>
+                      </p:stCondLst>
+                      <p:childTnLst>
+                        <p:par>
+                          <p:cTn id="20" fill="hold">
+                            <p:stCondLst>
+                              <p:cond delay="0"/>
+                            </p:stCondLst>
+                            <p:childTnLst>
+                              <p:par>
+                                <p:cTn id="21" presetID="1" presetClass="entr" presetSubtype="0" fill="hold" grpId="0" nodeType="clickEffect">
+                                  <p:stCondLst>
+                                    <p:cond delay="0"/>
+                                  </p:stCondLst>
+                                  <p:childTnLst>
+                                    <p:set>
+                                      <p:cBhvr>
+                                        <p:cTn id="22" dur="1" fill="hold">
+                                          <p:stCondLst>
+                                            <p:cond delay="0"/>
+                                          </p:stCondLst>
+                                        </p:cTn>
+                                        <p:tgtEl>
+                                          <p:spTgt spid="10"/>
+                                        </p:tgtEl>
+                                        <p:attrNameLst>
+                                          <p:attrName>style.visibility</p:attrName>
+                                        </p:attrNameLst>
+                                      </p:cBhvr>
+                                      <p:to>
+                                        <p:strVal val="visible"/>
+                                      </p:to>
+                                    </p:set>
+                                  </p:childTnLst>
+                                </p:cTn>
+                              </p:par>
+                            </p:childTnLst>
+                          </p:cTn>
+                        </p:par>
+                      </p:childTnLst>
+                    </p:cTn>
+                  </p:par>
+                  <p:par>
+                    <p:cTn id="23" fill="hold">
+                      <p:stCondLst>
+                        <p:cond delay="indefinite"/>
+                      </p:stCondLst>
+                      <p:childTnLst>
+                        <p:par>
+                          <p:cTn id="24" fill="hold">
+                            <p:stCondLst>
+                              <p:cond delay="0"/>
+                            </p:stCondLst>
+                            <p:childTnLst>
+                              <p:par>
+                                <p:cTn id="25" presetID="1" presetClass="entr" presetSubtype="0" fill="hold" nodeType="clickEffect">
+                                  <p:stCondLst>
+                                    <p:cond delay="0"/>
+                                  </p:stCondLst>
+                                  <p:childTnLst>
+                                    <p:set>
+                                      <p:cBhvr>
+                                        <p:cTn id="26" dur="1" fill="hold">
+                                          <p:stCondLst>
+                                            <p:cond delay="0"/>
+                                          </p:stCondLst>
+                                        </p:cTn>
+                                        <p:tgtEl>
+                                          <p:spTgt spid="2">
+                                            <p:txEl>
+                                              <p:pRg st="1" end="1"/>
+                                            </p:txEl>
+                                          </p:spTgt>
                                         </p:tgtEl>
                                         <p:attrNameLst>
                                           <p:attrName>style.visibility</p:attrName>
@@ -14125,11 +15139,15 @@
         </p:cTn>
       </p:par>
     </p:tnLst>
+    <p:bldLst>
+      <p:bldP spid="8" grpId="0"/>
+      <p:bldP spid="10" grpId="0"/>
+    </p:bldLst>
   </p:timing>
 </p:sld>
 </file>
 
-<file path=ppt/slides/slide9.xml><?xml version="1.0" encoding="utf-8"?>
+<file path=ppt/slides/slide8.xml><?xml version="1.0" encoding="utf-8"?>
 <p:sld xmlns:a="http://schemas.openxmlformats.org/drawingml/2006/main" xmlns:r="http://schemas.openxmlformats.org/officeDocument/2006/relationships" xmlns:p="http://schemas.openxmlformats.org/presentationml/2006/main">
   <p:cSld>
     <p:spTree>
@@ -14603,10 +15621,6 @@
                 <a:r>
                   <a:rPr kumimoji="1" lang="zh-CN" altLang="en-US" dirty="0"/>
                   <a:t>，</a:t>
-                </a:r>
-                <a:r>
-                  <a:rPr kumimoji="1" lang="en-US" altLang="zh-CN" dirty="0"/>
-                  <a:t> </a:t>
                 </a:r>
                 <a14:m>
                   <m:oMath xmlns:m="http://schemas.openxmlformats.org/officeDocument/2006/math">
@@ -15866,7 +16880,101 @@
                                           </p:stCondLst>
                                         </p:cTn>
                                         <p:tgtEl>
+                                          <p:spTgt spid="2">
+                                            <p:txEl>
+                                              <p:pRg st="0" end="0"/>
+                                            </p:txEl>
+                                          </p:spTgt>
+                                        </p:tgtEl>
+                                        <p:attrNameLst>
+                                          <p:attrName>style.visibility</p:attrName>
+                                        </p:attrNameLst>
+                                      </p:cBhvr>
+                                      <p:to>
+                                        <p:strVal val="visible"/>
+                                      </p:to>
+                                    </p:set>
+                                  </p:childTnLst>
+                                </p:cTn>
+                              </p:par>
+                            </p:childTnLst>
+                          </p:cTn>
+                        </p:par>
+                      </p:childTnLst>
+                    </p:cTn>
+                  </p:par>
+                  <p:par>
+                    <p:cTn id="11" fill="hold">
+                      <p:stCondLst>
+                        <p:cond delay="indefinite"/>
+                      </p:stCondLst>
+                      <p:childTnLst>
+                        <p:par>
+                          <p:cTn id="12" fill="hold">
+                            <p:stCondLst>
+                              <p:cond delay="0"/>
+                            </p:stCondLst>
+                            <p:childTnLst>
+                              <p:par>
+                                <p:cTn id="13" presetID="1" presetClass="entr" presetSubtype="0" fill="hold" nodeType="clickEffect">
+                                  <p:stCondLst>
+                                    <p:cond delay="0"/>
+                                  </p:stCondLst>
+                                  <p:childTnLst>
+                                    <p:set>
+                                      <p:cBhvr>
+                                        <p:cTn id="14" dur="1" fill="hold">
+                                          <p:stCondLst>
+                                            <p:cond delay="0"/>
+                                          </p:stCondLst>
+                                        </p:cTn>
+                                        <p:tgtEl>
                                           <p:spTgt spid="6"/>
+                                        </p:tgtEl>
+                                        <p:attrNameLst>
+                                          <p:attrName>style.visibility</p:attrName>
+                                        </p:attrNameLst>
+                                      </p:cBhvr>
+                                      <p:to>
+                                        <p:strVal val="visible"/>
+                                      </p:to>
+                                    </p:set>
+                                  </p:childTnLst>
+                                </p:cTn>
+                              </p:par>
+                            </p:childTnLst>
+                          </p:cTn>
+                        </p:par>
+                      </p:childTnLst>
+                    </p:cTn>
+                  </p:par>
+                  <p:par>
+                    <p:cTn id="15" fill="hold">
+                      <p:stCondLst>
+                        <p:cond delay="indefinite"/>
+                      </p:stCondLst>
+                      <p:childTnLst>
+                        <p:par>
+                          <p:cTn id="16" fill="hold">
+                            <p:stCondLst>
+                              <p:cond delay="0"/>
+                            </p:stCondLst>
+                            <p:childTnLst>
+                              <p:par>
+                                <p:cTn id="17" presetID="1" presetClass="entr" presetSubtype="0" fill="hold" grpId="0" nodeType="clickEffect">
+                                  <p:stCondLst>
+                                    <p:cond delay="0"/>
+                                  </p:stCondLst>
+                                  <p:childTnLst>
+                                    <p:set>
+                                      <p:cBhvr>
+                                        <p:cTn id="18" dur="1" fill="hold">
+                                          <p:stCondLst>
+                                            <p:cond delay="0"/>
+                                          </p:stCondLst>
+                                        </p:cTn>
+                                        <p:tgtEl>
+                                          <p:spTgt spid="10"/>
                                         </p:tgtEl>
                                         <p:attrNameLst>
                                           <p:attrName>style.visibility</p:attrName>
@@ -15906,7 +17014,85 @@
         </p:cTn>
       </p:par>
     </p:tnLst>
+    <p:bldLst>
+      <p:bldP spid="10" grpId="0"/>
+    </p:bldLst>
   </p:timing>
+</p:sld>
+</file>
+
+<file path=ppt/slides/slide9.xml><?xml version="1.0" encoding="utf-8"?>
+<p:sld xmlns:a="http://schemas.openxmlformats.org/drawingml/2006/main" xmlns:r="http://schemas.openxmlformats.org/officeDocument/2006/relationships" xmlns:p="http://schemas.openxmlformats.org/presentationml/2006/main">
+  <p:cSld>
+    <p:spTree>
+      <p:nvGrpSpPr>
+        <p:cNvPr id="1" name=""/>
+        <p:cNvGrpSpPr/>
+        <p:nvPr/>
+      </p:nvGrpSpPr>
+      <p:grpSpPr>
+        <a:xfrm>
+          <a:off x="0" y="0"/>
+          <a:ext cx="0" cy="0"/>
+          <a:chOff x="0" y="0"/>
+          <a:chExt cx="0" cy="0"/>
+        </a:xfrm>
+      </p:grpSpPr>
+      <p:sp>
+        <p:nvSpPr>
+          <p:cNvPr id="2" name="标题 1"/>
+          <p:cNvSpPr>
+            <a:spLocks noGrp="1"/>
+          </p:cNvSpPr>
+          <p:nvPr>
+            <p:ph type="title"/>
+          </p:nvPr>
+        </p:nvSpPr>
+        <p:spPr/>
+        <p:txBody>
+          <a:bodyPr/>
+          <a:lstStyle/>
+          <a:p>
+            <a:r>
+              <a:rPr lang="zh-CN" altLang="en-US" dirty="0">
+                <a:sym typeface="+mn-ea"/>
+              </a:rPr>
+              <a:t>任务</a:t>
+            </a:r>
+            <a:r>
+              <a:rPr dirty="0">
+                <a:sym typeface="+mn-ea"/>
+              </a:rPr>
+              <a:t>：</a:t>
+            </a:r>
+            <a:br>
+              <a:rPr lang="en-US" dirty="0">
+                <a:sym typeface="+mn-ea"/>
+              </a:rPr>
+            </a:br>
+            <a:r>
+              <a:rPr lang="en-US" dirty="0" err="1">
+                <a:sym typeface="+mn-ea"/>
+              </a:rPr>
+              <a:t>根据梯度下降算法实现训练</a:t>
+            </a:r>
+            <a:endParaRPr lang="zh-CN" altLang="en-US" dirty="0"/>
+          </a:p>
+        </p:txBody>
+      </p:sp>
+    </p:spTree>
+    <p:custDataLst>
+      <p:tags r:id="rId1"/>
+    </p:custDataLst>
+    <p:extLst>
+      <p:ext uri="{BB962C8B-B14F-4D97-AF65-F5344CB8AC3E}">
+        <p14:creationId xmlns:p14="http://schemas.microsoft.com/office/powerpoint/2010/main" val="2008857281"/>
+      </p:ext>
+    </p:extLst>
+  </p:cSld>
+  <p:clrMapOvr>
+    <a:masterClrMapping/>
+  </p:clrMapOvr>
 </p:sld>
 </file>
 
@@ -16998,15 +18184,6 @@
 </p:tagLst>
 </file>
 
-<file path=ppt/tags/tag91.xml><?xml version="1.0" encoding="utf-8"?>
-<p:tagLst xmlns:a="http://schemas.openxmlformats.org/drawingml/2006/main" xmlns:r="http://schemas.openxmlformats.org/officeDocument/2006/relationships" xmlns:p="http://schemas.openxmlformats.org/presentationml/2006/main">
-  <p:tag name="KSO_WM_BEAUTIFY_FLAG" val="#wm#"/>
-  <p:tag name="KSO_WM_TEMPLATE_CATEGORY" val="custom"/>
-  <p:tag name="KSO_WM_TEMPLATE_INDEX" val="20187308"/>
-  <p:tag name="KSO_WM_SPECIAL_SOURCE" val="bdnull"/>
-</p:tagLst>
-</file>
-
 <file path=ppt/theme/theme1.xml><?xml version="1.0" encoding="utf-8"?>
 <a:theme xmlns:a="http://schemas.openxmlformats.org/drawingml/2006/main" name="Office 主题​​">
   <a:themeElements>

--- a/lessons/2_gender_analyze/ppt/“判断性别”Demo需求分析和初步设计（下2）.pptx
+++ b/lessons/2_gender_analyze/ppt/“判断性别”Demo需求分析和初步设计（下2）.pptx
@@ -10729,7 +10729,7 @@
               <a:t>根据梯度下降算法实现训练</a:t>
             </a:r>
             <a:r>
-              <a:rPr lang="zh-CN" altLang="en-US"/>
+              <a:rPr lang="zh-CN" altLang="en-US" dirty="0"/>
               <a:t>代码？</a:t>
             </a:r>
             <a:endParaRPr lang="en-US" altLang="zh-CN" dirty="0"/>
@@ -11482,6 +11482,24 @@
         <p:txBody>
           <a:bodyPr/>
           <a:lstStyle/>
+          <a:p>
+            <a:pPr marL="285750" indent="-285750">
+              <a:buFont typeface="Arial" panose="020B0604020202020204" pitchFamily="34" charset="0"/>
+              <a:buChar char="•"/>
+            </a:pPr>
+            <a:r>
+              <a:rPr lang="zh-CN" altLang="en-US" dirty="0"/>
+              <a:t>计算损失函数的目的？</a:t>
+            </a:r>
+            <a:br>
+              <a:rPr lang="en-US" altLang="zh-CN" dirty="0"/>
+            </a:br>
+            <a:r>
+              <a:rPr lang="zh-CN" altLang="en-US" dirty="0"/>
+              <a:t>用于判断权重、偏移是否为合适的值</a:t>
+            </a:r>
+            <a:endParaRPr lang="en-US" altLang="zh-CN" dirty="0"/>
+          </a:p>
           <a:p>
             <a:pPr marL="285750" indent="-285750">
               <a:buFont typeface="Arial" panose="020B0604020202020204" pitchFamily="34" charset="0"/>

--- a/lessons/2_gender_analyze/ppt/“判断性别”Demo需求分析和初步设计（下2）.pptx
+++ b/lessons/2_gender_analyze/ppt/“判断性别”Demo需求分析和初步设计（下2）.pptx
@@ -229,7 +229,7 @@
                 <a:latin typeface="微软雅黑" panose="020B0503020204020204" charset="-122"/>
                 <a:ea typeface="微软雅黑" panose="020B0503020204020204" charset="-122"/>
               </a:rPr>
-              <a:t>2022/9/5</a:t>
+              <a:t>2022/10/30</a:t>
             </a:fld>
             <a:endParaRPr lang="zh-CN" altLang="en-US">
               <a:latin typeface="微软雅黑" panose="020B0503020204020204" charset="-122"/>
@@ -412,7 +412,7 @@
           <a:p>
             <a:fld id="{1AC49D05-6128-4D0D-A32A-06A5E73B386C}" type="datetimeFigureOut">
               <a:rPr lang="zh-CN" altLang="en-US" smtClean="0"/>
-              <a:t>2022/9/5</a:t>
+              <a:t>2022/10/30</a:t>
             </a:fld>
             <a:endParaRPr lang="zh-CN" altLang="en-US"/>
           </a:p>
@@ -1074,7 +1074,7 @@
           <a:p>
             <a:fld id="{9EFD9D74-47D9-4702-A33C-335B63B48DBF}" type="datetimeFigureOut">
               <a:rPr lang="zh-CN" altLang="en-US" smtClean="0"/>
-              <a:t>2022/9/5</a:t>
+              <a:t>2022/10/30</a:t>
             </a:fld>
             <a:endParaRPr lang="zh-CN" altLang="en-US" dirty="0"/>
           </a:p>
@@ -1407,7 +1407,7 @@
           <a:p>
             <a:fld id="{760FBDFE-C587-4B4C-A407-44438C67B59E}" type="datetimeFigureOut">
               <a:rPr lang="zh-CN" altLang="en-US" smtClean="0"/>
-              <a:t>2022/9/5</a:t>
+              <a:t>2022/10/30</a:t>
             </a:fld>
             <a:endParaRPr lang="zh-CN" altLang="en-US"/>
           </a:p>
@@ -1580,7 +1580,7 @@
           <a:p>
             <a:fld id="{9EFD9D74-47D9-4702-A33C-335B63B48DBF}" type="datetimeFigureOut">
               <a:rPr lang="zh-CN" altLang="en-US" smtClean="0"/>
-              <a:t>2022/9/5</a:t>
+              <a:t>2022/10/30</a:t>
             </a:fld>
             <a:endParaRPr lang="zh-CN" altLang="en-US" dirty="0"/>
           </a:p>
@@ -2105,7 +2105,7 @@
           <a:p>
             <a:fld id="{760FBDFE-C587-4B4C-A407-44438C67B59E}" type="datetimeFigureOut">
               <a:rPr lang="zh-CN" altLang="en-US" smtClean="0"/>
-              <a:t>2022/9/5</a:t>
+              <a:t>2022/10/30</a:t>
             </a:fld>
             <a:endParaRPr lang="zh-CN" altLang="en-US"/>
           </a:p>
@@ -2853,7 +2853,7 @@
           <a:p>
             <a:fld id="{760FBDFE-C587-4B4C-A407-44438C67B59E}" type="datetimeFigureOut">
               <a:rPr lang="zh-CN" altLang="en-US" smtClean="0"/>
-              <a:t>2022/9/5</a:t>
+              <a:t>2022/10/30</a:t>
             </a:fld>
             <a:endParaRPr lang="zh-CN" altLang="en-US"/>
           </a:p>
@@ -3019,7 +3019,7 @@
           <a:p>
             <a:fld id="{760FBDFE-C587-4B4C-A407-44438C67B59E}" type="datetimeFigureOut">
               <a:rPr lang="zh-CN" altLang="en-US" smtClean="0"/>
-              <a:t>2022/9/5</a:t>
+              <a:t>2022/10/30</a:t>
             </a:fld>
             <a:endParaRPr lang="zh-CN" altLang="en-US"/>
           </a:p>
@@ -3133,7 +3133,7 @@
           <a:p>
             <a:fld id="{760FBDFE-C587-4B4C-A407-44438C67B59E}" type="datetimeFigureOut">
               <a:rPr lang="zh-CN" altLang="en-US" smtClean="0"/>
-              <a:t>2022/9/5</a:t>
+              <a:t>2022/10/30</a:t>
             </a:fld>
             <a:endParaRPr lang="zh-CN" altLang="en-US"/>
           </a:p>
@@ -3463,7 +3463,7 @@
           <a:p>
             <a:fld id="{9EFD9D74-47D9-4702-A33C-335B63B48DBF}" type="datetimeFigureOut">
               <a:rPr lang="zh-CN" altLang="en-US" smtClean="0"/>
-              <a:t>2022/9/5</a:t>
+              <a:t>2022/10/30</a:t>
             </a:fld>
             <a:endParaRPr lang="zh-CN" altLang="en-US" dirty="0"/>
           </a:p>
@@ -3976,7 +3976,7 @@
           <a:p>
             <a:fld id="{760FBDFE-C587-4B4C-A407-44438C67B59E}" type="datetimeFigureOut">
               <a:rPr lang="zh-CN" altLang="en-US" smtClean="0"/>
-              <a:t>2022/9/5</a:t>
+              <a:t>2022/10/30</a:t>
             </a:fld>
             <a:endParaRPr lang="zh-CN" altLang="en-US"/>
           </a:p>
@@ -4090,7 +4090,7 @@
           <a:p>
             <a:fld id="{760FBDFE-C587-4B4C-A407-44438C67B59E}" type="datetimeFigureOut">
               <a:rPr lang="zh-CN" altLang="en-US" smtClean="0"/>
-              <a:t>2022/9/5</a:t>
+              <a:t>2022/10/30</a:t>
             </a:fld>
             <a:endParaRPr lang="zh-CN" altLang="en-US"/>
           </a:p>
@@ -4378,7 +4378,7 @@
           <a:p>
             <a:fld id="{82F288E0-7875-42C4-84C8-98DBBD3BF4D2}" type="datetimeFigureOut">
               <a:rPr lang="zh-CN" altLang="en-US" smtClean="0"/>
-              <a:t>2022/9/5</a:t>
+              <a:t>2022/10/30</a:t>
             </a:fld>
             <a:endParaRPr lang="zh-CN" altLang="en-US"/>
           </a:p>
@@ -4837,7 +4837,7 @@
           <a:p>
             <a:fld id="{760FBDFE-C587-4B4C-A407-44438C67B59E}" type="datetimeFigureOut">
               <a:rPr lang="zh-CN" altLang="en-US" smtClean="0"/>
-              <a:t>2022/9/5</a:t>
+              <a:t>2022/10/30</a:t>
             </a:fld>
             <a:endParaRPr lang="zh-CN" altLang="en-US"/>
           </a:p>
@@ -5506,7 +5506,7 @@
           <a:p>
             <a:fld id="{9EFD9D74-47D9-4702-A33C-335B63B48DBF}" type="datetimeFigureOut">
               <a:rPr lang="zh-CN" altLang="en-US" smtClean="0"/>
-              <a:t>2022/9/5</a:t>
+              <a:t>2022/10/30</a:t>
             </a:fld>
             <a:endParaRPr lang="zh-CN" altLang="en-US" dirty="0"/>
           </a:p>
@@ -5654,7 +5654,7 @@
           <a:p>
             <a:fld id="{9EFD9D74-47D9-4702-A33C-335B63B48DBF}" type="datetimeFigureOut">
               <a:rPr lang="zh-CN" altLang="en-US" smtClean="0"/>
-              <a:t>2022/9/5</a:t>
+              <a:t>2022/10/30</a:t>
             </a:fld>
             <a:endParaRPr lang="zh-CN" altLang="en-US" dirty="0"/>
           </a:p>
@@ -7381,8 +7381,8 @@
           </a:extLst>
         </p:spPr>
       </p:pic>
-      <mc:AlternateContent xmlns:mc="http://schemas.openxmlformats.org/markup-compatibility/2006">
-        <mc:Choice xmlns:a14="http://schemas.microsoft.com/office/drawing/2010/main" Requires="a14">
+      <mc:AlternateContent xmlns:mc="http://schemas.openxmlformats.org/markup-compatibility/2006" xmlns:a14="http://schemas.microsoft.com/office/drawing/2010/main">
+        <mc:Choice Requires="a14">
           <p:sp>
             <p:nvSpPr>
               <p:cNvPr id="5" name="文本框 4">
@@ -7426,6 +7426,7 @@
                 <a:endParaRPr lang="en-US" altLang="zh-CN" dirty="0"/>
               </a:p>
               <a:p>
+                <a:pPr/>
                 <a14:m>
                   <m:oMathPara xmlns:m="http://schemas.openxmlformats.org/officeDocument/2006/math">
                     <m:oMathParaPr>
@@ -7525,7 +7526,7 @@
             </p:txBody>
           </p:sp>
         </mc:Choice>
-        <mc:Fallback>
+        <mc:Fallback xmlns="">
           <p:sp>
             <p:nvSpPr>
               <p:cNvPr id="5" name="文本框 4">
@@ -7570,8 +7571,8 @@
           </p:sp>
         </mc:Fallback>
       </mc:AlternateContent>
-      <mc:AlternateContent xmlns:mc="http://schemas.openxmlformats.org/markup-compatibility/2006">
-        <mc:Choice xmlns:a14="http://schemas.microsoft.com/office/drawing/2010/main" Requires="a14">
+      <mc:AlternateContent xmlns:mc="http://schemas.openxmlformats.org/markup-compatibility/2006" xmlns:a14="http://schemas.microsoft.com/office/drawing/2010/main">
+        <mc:Choice Requires="a14">
           <p:sp>
             <p:nvSpPr>
               <p:cNvPr id="6" name="文本框 5">
@@ -7607,6 +7608,7 @@
                 <a:endParaRPr lang="en-US" altLang="zh-CN" dirty="0"/>
               </a:p>
               <a:p>
+                <a:pPr/>
                 <a14:m>
                   <m:oMathPara xmlns:m="http://schemas.openxmlformats.org/officeDocument/2006/math">
                     <m:oMathParaPr>
@@ -7727,7 +7729,7 @@
             </p:txBody>
           </p:sp>
         </mc:Choice>
-        <mc:Fallback>
+        <mc:Fallback xmlns="">
           <p:sp>
             <p:nvSpPr>
               <p:cNvPr id="6" name="文本框 5">
@@ -8396,42 +8398,6 @@
           </a:p>
         </p:txBody>
       </p:sp>
-      <p:pic>
-        <p:nvPicPr>
-          <p:cNvPr id="7" name="图片 6">
-            <a:extLst>
-              <a:ext uri="{FF2B5EF4-FFF2-40B4-BE49-F238E27FC236}">
-                <a16:creationId xmlns:a16="http://schemas.microsoft.com/office/drawing/2014/main" id="{888C31EB-1CF6-0D95-BCC2-C5C5DCC6B670}"/>
-              </a:ext>
-            </a:extLst>
-          </p:cNvPr>
-          <p:cNvPicPr>
-            <a:picLocks noChangeAspect="1"/>
-          </p:cNvPicPr>
-          <p:nvPr/>
-        </p:nvPicPr>
-        <p:blipFill>
-          <a:blip r:embed="rId3">
-            <a:extLst>
-              <a:ext uri="{28A0092B-C50C-407E-A947-70E740481C1C}">
-                <a14:useLocalDpi xmlns:a14="http://schemas.microsoft.com/office/drawing/2010/main" val="0"/>
-              </a:ext>
-            </a:extLst>
-          </a:blip>
-          <a:stretch>
-            <a:fillRect/>
-          </a:stretch>
-        </p:blipFill>
-        <p:spPr>
-          <a:xfrm>
-            <a:off x="8288424" y="1470845"/>
-            <a:ext cx="3233651" cy="2089436"/>
-          </a:xfrm>
-          <a:prstGeom prst="rect">
-            <a:avLst/>
-          </a:prstGeom>
-        </p:spPr>
-      </p:pic>
       <mc:AlternateContent xmlns:mc="http://schemas.openxmlformats.org/markup-compatibility/2006">
         <mc:Choice xmlns:a14="http://schemas.microsoft.com/office/drawing/2010/main" Requires="a14">
           <p:sp>
@@ -8462,6 +8428,7 @@
               </a:bodyPr>
               <a:lstStyle/>
               <a:p>
+                <a:pPr/>
                 <a14:m>
                   <m:oMathPara xmlns:m="http://schemas.openxmlformats.org/officeDocument/2006/math">
                     <m:oMathParaPr>
@@ -8512,7 +8479,7 @@
                                 <a:rPr kumimoji="1" lang="en-US" altLang="zh-CN" b="0" i="1" smtClean="0">
                                   <a:latin typeface="Cambria Math" panose="02040503050406030204" pitchFamily="18" charset="0"/>
                                 </a:rPr>
-                                <m:t>13</m:t>
+                                <m:t>31</m:t>
                               </m:r>
                             </m:sub>
                           </m:sSub>
@@ -8718,7 +8685,7 @@
                                 <a:rPr kumimoji="1" lang="en-US" altLang="zh-CN" b="0" i="1" smtClean="0">
                                   <a:latin typeface="Cambria Math" panose="02040503050406030204" pitchFamily="18" charset="0"/>
                                 </a:rPr>
-                                <m:t>13</m:t>
+                                <m:t>31</m:t>
                               </m:r>
                             </m:sub>
                           </m:sSub>
@@ -8737,6 +8704,7 @@
                 <a:endParaRPr kumimoji="1" lang="en-US" altLang="zh-CN" dirty="0"/>
               </a:p>
               <a:p>
+                <a:pPr/>
                 <a14:m>
                   <m:oMathPara xmlns:m="http://schemas.openxmlformats.org/officeDocument/2006/math">
                     <m:oMathParaPr>
@@ -8812,7 +8780,7 @@
                                 <a:rPr kumimoji="1" lang="en-US" altLang="zh-CN" b="0" i="1" smtClean="0">
                                   <a:latin typeface="Cambria Math" panose="02040503050406030204" pitchFamily="18" charset="0"/>
                                 </a:rPr>
-                                <m:t>13</m:t>
+                                <m:t>31</m:t>
                               </m:r>
                             </m:sub>
                           </m:sSub>
@@ -8926,7 +8894,7 @@
                             <a:rPr kumimoji="1" lang="en-US" altLang="zh-CN" b="0" i="1" smtClean="0">
                               <a:latin typeface="Cambria Math" panose="02040503050406030204" pitchFamily="18" charset="0"/>
                             </a:rPr>
-                            <m:t>13</m:t>
+                            <m:t>31</m:t>
                           </m:r>
                         </m:sub>
                       </m:sSub>
@@ -8982,7 +8950,7 @@
                             <a:rPr kumimoji="1" lang="en-US" altLang="zh-CN" b="0" i="1" smtClean="0">
                               <a:latin typeface="Cambria Math" panose="02040503050406030204" pitchFamily="18" charset="0"/>
                             </a:rPr>
-                            <m:t>23</m:t>
+                            <m:t>32</m:t>
                           </m:r>
                         </m:sub>
                       </m:sSub>
@@ -9058,7 +9026,7 @@
                 <a:avLst/>
               </a:prstGeom>
               <a:blipFill>
-                <a:blip r:embed="rId4"/>
+                <a:blip r:embed="rId3"/>
                 <a:stretch>
                   <a:fillRect l="-920"/>
                 </a:stretch>
@@ -9386,7 +9354,7 @@
           <p:nvPr/>
         </p:nvPicPr>
         <p:blipFill>
-          <a:blip r:embed="rId5">
+          <a:blip r:embed="rId4">
             <a:extLst>
               <a:ext uri="{28A0092B-C50C-407E-A947-70E740481C1C}">
                 <a14:useLocalDpi xmlns:a14="http://schemas.microsoft.com/office/drawing/2010/main" val="0"/>
@@ -9513,6 +9481,42 @@
           </a:p>
         </p:txBody>
       </p:sp>
+      <p:pic>
+        <p:nvPicPr>
+          <p:cNvPr id="4" name="图片 3">
+            <a:extLst>
+              <a:ext uri="{FF2B5EF4-FFF2-40B4-BE49-F238E27FC236}">
+                <a16:creationId xmlns:a16="http://schemas.microsoft.com/office/drawing/2014/main" id="{96FE5C77-A3F3-750B-3A0B-633061CCABEE}"/>
+              </a:ext>
+            </a:extLst>
+          </p:cNvPr>
+          <p:cNvPicPr>
+            <a:picLocks noChangeAspect="1"/>
+          </p:cNvPicPr>
+          <p:nvPr/>
+        </p:nvPicPr>
+        <p:blipFill>
+          <a:blip r:embed="rId5">
+            <a:extLst>
+              <a:ext uri="{28A0092B-C50C-407E-A947-70E740481C1C}">
+                <a14:useLocalDpi xmlns:a14="http://schemas.microsoft.com/office/drawing/2010/main" val="0"/>
+              </a:ext>
+            </a:extLst>
+          </a:blip>
+          <a:stretch>
+            <a:fillRect/>
+          </a:stretch>
+        </p:blipFill>
+        <p:spPr>
+          <a:xfrm>
+            <a:off x="8144738" y="1304248"/>
+            <a:ext cx="3218438" cy="2079606"/>
+          </a:xfrm>
+          <a:prstGeom prst="rect">
+            <a:avLst/>
+          </a:prstGeom>
+        </p:spPr>
+      </p:pic>
     </p:spTree>
     <p:custDataLst>
       <p:tags r:id="rId1"/>
@@ -9846,7 +9850,7 @@
                                           </p:stCondLst>
                                         </p:cTn>
                                         <p:tgtEl>
-                                          <p:spTgt spid="7"/>
+                                          <p:spTgt spid="4"/>
                                         </p:tgtEl>
                                         <p:attrNameLst>
                                           <p:attrName>style.visibility</p:attrName>
@@ -12088,8 +12092,8 @@
           </a:p>
         </p:txBody>
       </p:sp>
-      <mc:AlternateContent xmlns:mc="http://schemas.openxmlformats.org/markup-compatibility/2006">
-        <mc:Choice xmlns:a14="http://schemas.microsoft.com/office/drawing/2010/main" Requires="a14">
+      <mc:AlternateContent xmlns:mc="http://schemas.openxmlformats.org/markup-compatibility/2006" xmlns:a14="http://schemas.microsoft.com/office/drawing/2010/main">
+        <mc:Choice Requires="a14">
           <p:sp>
             <p:nvSpPr>
               <p:cNvPr id="5" name="文本框 4">
@@ -12172,7 +12176,7 @@
             </p:txBody>
           </p:sp>
         </mc:Choice>
-        <mc:Fallback>
+        <mc:Fallback xmlns="">
           <p:sp>
             <p:nvSpPr>
               <p:cNvPr id="5" name="文本框 4">
@@ -12956,8 +12960,8 @@
           </a:p>
         </p:txBody>
       </p:sp>
-      <mc:AlternateContent xmlns:mc="http://schemas.openxmlformats.org/markup-compatibility/2006">
-        <mc:Choice xmlns:a14="http://schemas.microsoft.com/office/drawing/2010/main" Requires="a14">
+      <mc:AlternateContent xmlns:mc="http://schemas.openxmlformats.org/markup-compatibility/2006" xmlns:a14="http://schemas.microsoft.com/office/drawing/2010/main">
+        <mc:Choice Requires="a14">
           <p:sp>
             <p:nvSpPr>
               <p:cNvPr id="5" name="文本框 4">
@@ -13163,7 +13167,7 @@
             </p:txBody>
           </p:sp>
         </mc:Choice>
-        <mc:Fallback>
+        <mc:Fallback xmlns="">
           <p:sp>
             <p:nvSpPr>
               <p:cNvPr id="5" name="文本框 4">
@@ -13439,7 +13443,7 @@
                               <a:rPr lang="en-US" altLang="zh-CN" b="0" i="1" smtClean="0">
                                 <a:latin typeface="Cambria Math" panose="02040503050406030204" pitchFamily="18" charset="0"/>
                               </a:rPr>
-                              <m:t>35</m:t>
+                              <m:t>53</m:t>
                             </m:r>
                           </m:sub>
                         </m:sSub>
@@ -13663,80 +13667,8 @@
           </a:p>
         </p:txBody>
       </p:sp>
-      <p:pic>
-        <p:nvPicPr>
-          <p:cNvPr id="4" name="图片 3">
-            <a:extLst>
-              <a:ext uri="{FF2B5EF4-FFF2-40B4-BE49-F238E27FC236}">
-                <a16:creationId xmlns:a16="http://schemas.microsoft.com/office/drawing/2014/main" id="{3B2127D4-12A5-48E9-006D-6F67A22BDD57}"/>
-              </a:ext>
-            </a:extLst>
-          </p:cNvPr>
-          <p:cNvPicPr>
-            <a:picLocks noChangeAspect="1"/>
-          </p:cNvPicPr>
-          <p:nvPr/>
-        </p:nvPicPr>
-        <p:blipFill>
-          <a:blip r:embed="rId4">
-            <a:extLst>
-              <a:ext uri="{28A0092B-C50C-407E-A947-70E740481C1C}">
-                <a14:useLocalDpi xmlns:a14="http://schemas.microsoft.com/office/drawing/2010/main" val="0"/>
-              </a:ext>
-            </a:extLst>
-          </a:blip>
-          <a:stretch>
-            <a:fillRect/>
-          </a:stretch>
-        </p:blipFill>
-        <p:spPr>
-          <a:xfrm>
-            <a:off x="8161203" y="1368776"/>
-            <a:ext cx="3233651" cy="2089436"/>
-          </a:xfrm>
-          <a:prstGeom prst="rect">
-            <a:avLst/>
-          </a:prstGeom>
-        </p:spPr>
-      </p:pic>
-      <p:pic>
-        <p:nvPicPr>
-          <p:cNvPr id="6" name="图片 5">
-            <a:extLst>
-              <a:ext uri="{FF2B5EF4-FFF2-40B4-BE49-F238E27FC236}">
-                <a16:creationId xmlns:a16="http://schemas.microsoft.com/office/drawing/2014/main" id="{2680414E-FFE9-689A-144E-14F1F23091AA}"/>
-              </a:ext>
-            </a:extLst>
-          </p:cNvPr>
-          <p:cNvPicPr>
-            <a:picLocks noChangeAspect="1"/>
-          </p:cNvPicPr>
-          <p:nvPr/>
-        </p:nvPicPr>
-        <p:blipFill>
-          <a:blip r:embed="rId5">
-            <a:extLst>
-              <a:ext uri="{28A0092B-C50C-407E-A947-70E740481C1C}">
-                <a14:useLocalDpi xmlns:a14="http://schemas.microsoft.com/office/drawing/2010/main" val="0"/>
-              </a:ext>
-            </a:extLst>
-          </a:blip>
-          <a:stretch>
-            <a:fillRect/>
-          </a:stretch>
-        </p:blipFill>
-        <p:spPr>
-          <a:xfrm>
-            <a:off x="7164124" y="3580058"/>
-            <a:ext cx="4930443" cy="1666056"/>
-          </a:xfrm>
-          <a:prstGeom prst="rect">
-            <a:avLst/>
-          </a:prstGeom>
-        </p:spPr>
-      </p:pic>
-      <mc:AlternateContent xmlns:mc="http://schemas.openxmlformats.org/markup-compatibility/2006">
-        <mc:Choice xmlns:a14="http://schemas.microsoft.com/office/drawing/2010/main" Requires="a14">
+      <mc:AlternateContent xmlns:mc="http://schemas.openxmlformats.org/markup-compatibility/2006" xmlns:a14="http://schemas.microsoft.com/office/drawing/2010/main">
+        <mc:Choice Requires="a14">
           <p:sp>
             <p:nvSpPr>
               <p:cNvPr id="8" name="文本框 7">
@@ -13927,7 +13859,7 @@
             </p:txBody>
           </p:sp>
         </mc:Choice>
-        <mc:Fallback>
+        <mc:Fallback xmlns="">
           <p:sp>
             <p:nvSpPr>
               <p:cNvPr id="8" name="文本框 7">
@@ -14103,13 +14035,7 @@
                           <a:rPr kumimoji="1" lang="en-US" altLang="zh-CN" b="0" i="1" smtClean="0">
                             <a:latin typeface="Cambria Math" panose="02040503050406030204" pitchFamily="18" charset="0"/>
                           </a:rPr>
-                          <m:t>3</m:t>
-                        </m:r>
-                        <m:r>
-                          <a:rPr kumimoji="1" lang="en-US" altLang="zh-CN" i="1">
-                            <a:latin typeface="Cambria Math" panose="02040503050406030204" pitchFamily="18" charset="0"/>
-                          </a:rPr>
-                          <m:t>5</m:t>
+                          <m:t>53</m:t>
                         </m:r>
                       </m:sub>
                     </m:sSub>
@@ -14134,6 +14060,7 @@
                 <a:endParaRPr kumimoji="1" lang="en-US" altLang="zh-CN" dirty="0"/>
               </a:p>
               <a:p>
+                <a:pPr/>
                 <a14:m>
                   <m:oMathPara xmlns:m="http://schemas.openxmlformats.org/officeDocument/2006/math">
                     <m:oMathParaPr>
@@ -14184,7 +14111,7 @@
                                 <a:rPr kumimoji="1" lang="en-US" altLang="zh-CN" b="0" i="1" smtClean="0">
                                   <a:latin typeface="Cambria Math" panose="02040503050406030204" pitchFamily="18" charset="0"/>
                                 </a:rPr>
-                                <m:t>35</m:t>
+                                <m:t>53</m:t>
                               </m:r>
                             </m:sub>
                           </m:sSub>
@@ -14315,7 +14242,7 @@
                                 <a:rPr kumimoji="1" lang="en-US" altLang="zh-CN" b="0" i="1" smtClean="0">
                                   <a:latin typeface="Cambria Math" panose="02040503050406030204" pitchFamily="18" charset="0"/>
                                 </a:rPr>
-                                <m:t>35</m:t>
+                                <m:t>53</m:t>
                               </m:r>
                             </m:sub>
                           </m:sSub>
@@ -14334,6 +14261,7 @@
                 <a:endParaRPr kumimoji="1" lang="en-US" altLang="zh-CN" dirty="0"/>
               </a:p>
               <a:p>
+                <a:pPr/>
                 <a14:m>
                   <m:oMathPara xmlns:m="http://schemas.openxmlformats.org/officeDocument/2006/math">
                     <m:oMathParaPr>
@@ -14495,6 +14423,7 @@
                 <a:endParaRPr kumimoji="1" lang="en-US" altLang="zh-CN" dirty="0"/>
               </a:p>
               <a:p>
+                <a:pPr/>
                 <a14:m>
                   <m:oMathPara xmlns:m="http://schemas.openxmlformats.org/officeDocument/2006/math">
                     <m:oMathParaPr>
@@ -14567,10 +14496,10 @@
                             </m:e>
                             <m:sub>
                               <m:r>
-                                <a:rPr kumimoji="1" lang="en-US" altLang="zh-CN" i="1">
+                                <a:rPr kumimoji="1" lang="en-US" altLang="zh-CN" b="0" i="1" smtClean="0">
                                   <a:latin typeface="Cambria Math" panose="02040503050406030204" pitchFamily="18" charset="0"/>
                                 </a:rPr>
-                                <m:t>35</m:t>
+                                <m:t>53</m:t>
                               </m:r>
                             </m:sub>
                           </m:sSub>
@@ -14684,7 +14613,7 @@
                             <a:rPr kumimoji="1" lang="en-US" altLang="zh-CN" b="0" i="1" smtClean="0">
                               <a:latin typeface="Cambria Math" panose="02040503050406030204" pitchFamily="18" charset="0"/>
                             </a:rPr>
-                            <m:t>35</m:t>
+                            <m:t>53</m:t>
                           </m:r>
                         </m:sub>
                       </m:sSub>
@@ -14740,7 +14669,7 @@
                             <a:rPr kumimoji="1" lang="en-US" altLang="zh-CN" b="0" i="1" smtClean="0">
                               <a:latin typeface="Cambria Math" panose="02040503050406030204" pitchFamily="18" charset="0"/>
                             </a:rPr>
-                            <m:t>45</m:t>
+                            <m:t>54</m:t>
                           </m:r>
                         </m:sub>
                       </m:sSub>
@@ -14837,6 +14766,78 @@
           </p:sp>
         </mc:Fallback>
       </mc:AlternateContent>
+      <p:pic>
+        <p:nvPicPr>
+          <p:cNvPr id="7" name="图片 6">
+            <a:extLst>
+              <a:ext uri="{FF2B5EF4-FFF2-40B4-BE49-F238E27FC236}">
+                <a16:creationId xmlns:a16="http://schemas.microsoft.com/office/drawing/2014/main" id="{F6E26F55-C30A-7A64-313E-2495F92668B2}"/>
+              </a:ext>
+            </a:extLst>
+          </p:cNvPr>
+          <p:cNvPicPr>
+            <a:picLocks noChangeAspect="1"/>
+          </p:cNvPicPr>
+          <p:nvPr/>
+        </p:nvPicPr>
+        <p:blipFill>
+          <a:blip r:embed="rId8">
+            <a:extLst>
+              <a:ext uri="{28A0092B-C50C-407E-A947-70E740481C1C}">
+                <a14:useLocalDpi xmlns:a14="http://schemas.microsoft.com/office/drawing/2010/main" val="0"/>
+              </a:ext>
+            </a:extLst>
+          </a:blip>
+          <a:stretch>
+            <a:fillRect/>
+          </a:stretch>
+        </p:blipFill>
+        <p:spPr>
+          <a:xfrm>
+            <a:off x="7801961" y="913058"/>
+            <a:ext cx="4127500" cy="2667000"/>
+          </a:xfrm>
+          <a:prstGeom prst="rect">
+            <a:avLst/>
+          </a:prstGeom>
+        </p:spPr>
+      </p:pic>
+      <p:pic>
+        <p:nvPicPr>
+          <p:cNvPr id="11" name="图片 10">
+            <a:extLst>
+              <a:ext uri="{FF2B5EF4-FFF2-40B4-BE49-F238E27FC236}">
+                <a16:creationId xmlns:a16="http://schemas.microsoft.com/office/drawing/2014/main" id="{06677AD5-A606-EAA3-CCEB-EFAF48C5482F}"/>
+              </a:ext>
+            </a:extLst>
+          </p:cNvPr>
+          <p:cNvPicPr>
+            <a:picLocks noChangeAspect="1"/>
+          </p:cNvPicPr>
+          <p:nvPr/>
+        </p:nvPicPr>
+        <p:blipFill>
+          <a:blip r:embed="rId9">
+            <a:extLst>
+              <a:ext uri="{28A0092B-C50C-407E-A947-70E740481C1C}">
+                <a14:useLocalDpi xmlns:a14="http://schemas.microsoft.com/office/drawing/2010/main" val="0"/>
+              </a:ext>
+            </a:extLst>
+          </a:blip>
+          <a:stretch>
+            <a:fillRect/>
+          </a:stretch>
+        </p:blipFill>
+        <p:spPr>
+          <a:xfrm>
+            <a:off x="7412292" y="4722875"/>
+            <a:ext cx="4731474" cy="1382297"/>
+          </a:xfrm>
+          <a:prstGeom prst="rect">
+            <a:avLst/>
+          </a:prstGeom>
+        </p:spPr>
+      </p:pic>
     </p:spTree>
     <p:custDataLst>
       <p:tags r:id="rId1"/>
@@ -14884,7 +14885,7 @@
                                           </p:stCondLst>
                                         </p:cTn>
                                         <p:tgtEl>
-                                          <p:spTgt spid="4"/>
+                                          <p:spTgt spid="7"/>
                                         </p:tgtEl>
                                         <p:attrNameLst>
                                           <p:attrName>style.visibility</p:attrName>
@@ -14965,7 +14966,7 @@
                             </p:stCondLst>
                             <p:childTnLst>
                               <p:par>
-                                <p:cTn id="13" presetID="1" presetClass="entr" presetSubtype="0" fill="hold" grpId="0" nodeType="clickEffect">
+                                <p:cTn id="13" presetID="1" presetClass="entr" presetSubtype="0" fill="hold" nodeType="clickEffect">
                                   <p:stCondLst>
                                     <p:cond delay="0"/>
                                   </p:stCondLst>
@@ -14978,7 +14979,11 @@
                                           </p:stCondLst>
                                         </p:cTn>
                                         <p:tgtEl>
-                                          <p:spTgt spid="8"/>
+                                          <p:spTgt spid="2">
+                                            <p:txEl>
+                                              <p:pRg st="1" end="1"/>
+                                            </p:txEl>
+                                          </p:spTgt>
                                         </p:tgtEl>
                                         <p:attrNameLst>
                                           <p:attrName>style.visibility</p:attrName>
@@ -15023,7 +15028,7 @@
                                           </p:stCondLst>
                                         </p:cTn>
                                         <p:tgtEl>
-                                          <p:spTgt spid="6"/>
+                                          <p:spTgt spid="11"/>
                                         </p:tgtEl>
                                         <p:attrNameLst>
                                           <p:attrName>style.visibility</p:attrName>
@@ -15068,7 +15073,7 @@
                                           </p:stCondLst>
                                         </p:cTn>
                                         <p:tgtEl>
-                                          <p:spTgt spid="10"/>
+                                          <p:spTgt spid="8"/>
                                         </p:tgtEl>
                                         <p:attrNameLst>
                                           <p:attrName>style.visibility</p:attrName>
@@ -15100,7 +15105,7 @@
                             </p:stCondLst>
                             <p:childTnLst>
                               <p:par>
-                                <p:cTn id="25" presetID="1" presetClass="entr" presetSubtype="0" fill="hold" nodeType="clickEffect">
+                                <p:cTn id="25" presetID="1" presetClass="entr" presetSubtype="0" fill="hold" grpId="0" nodeType="clickEffect">
                                   <p:stCondLst>
                                     <p:cond delay="0"/>
                                   </p:stCondLst>
@@ -15113,11 +15118,7 @@
                                           </p:stCondLst>
                                         </p:cTn>
                                         <p:tgtEl>
-                                          <p:spTgt spid="2">
-                                            <p:txEl>
-                                              <p:pRg st="1" end="1"/>
-                                            </p:txEl>
-                                          </p:spTgt>
+                                          <p:spTgt spid="10"/>
                                         </p:tgtEl>
                                         <p:attrNameLst>
                                           <p:attrName>style.visibility</p:attrName>
@@ -15250,10 +15251,10 @@
                           </m:e>
                           <m:sub>
                             <m:r>
-                              <a:rPr lang="en-US" altLang="zh-CN" i="1">
+                              <a:rPr lang="en-US" altLang="zh-CN" b="0" i="1" smtClean="0">
                                 <a:latin typeface="Cambria Math" panose="02040503050406030204" pitchFamily="18" charset="0"/>
                               </a:rPr>
-                              <m:t>13</m:t>
+                              <m:t>31</m:t>
                             </m:r>
                           </m:sub>
                         </m:sSub>
@@ -15265,6 +15266,13 @@
                   <a:rPr lang="zh-CN" altLang="en-US" dirty="0"/>
                   <a:t>？</a:t>
                 </a:r>
+                <a:endParaRPr lang="en-US" altLang="zh-CN" dirty="0"/>
+              </a:p>
+              <a:p>
+                <a:pPr marL="285750" indent="-285750">
+                  <a:buFont typeface="Arial" panose="020B0604020202020204" pitchFamily="34" charset="0"/>
+                  <a:buChar char="•"/>
+                </a:pPr>
                 <a:endParaRPr lang="en-US" altLang="zh-CN" dirty="0"/>
               </a:p>
               <a:p>
@@ -15415,78 +15423,6 @@
           </a:p>
         </p:txBody>
       </p:sp>
-      <p:pic>
-        <p:nvPicPr>
-          <p:cNvPr id="4" name="图片 3">
-            <a:extLst>
-              <a:ext uri="{FF2B5EF4-FFF2-40B4-BE49-F238E27FC236}">
-                <a16:creationId xmlns:a16="http://schemas.microsoft.com/office/drawing/2014/main" id="{3B2127D4-12A5-48E9-006D-6F67A22BDD57}"/>
-              </a:ext>
-            </a:extLst>
-          </p:cNvPr>
-          <p:cNvPicPr>
-            <a:picLocks noChangeAspect="1"/>
-          </p:cNvPicPr>
-          <p:nvPr/>
-        </p:nvPicPr>
-        <p:blipFill>
-          <a:blip r:embed="rId4">
-            <a:extLst>
-              <a:ext uri="{28A0092B-C50C-407E-A947-70E740481C1C}">
-                <a14:useLocalDpi xmlns:a14="http://schemas.microsoft.com/office/drawing/2010/main" val="0"/>
-              </a:ext>
-            </a:extLst>
-          </a:blip>
-          <a:stretch>
-            <a:fillRect/>
-          </a:stretch>
-        </p:blipFill>
-        <p:spPr>
-          <a:xfrm>
-            <a:off x="8161203" y="1368776"/>
-            <a:ext cx="3233651" cy="2089436"/>
-          </a:xfrm>
-          <a:prstGeom prst="rect">
-            <a:avLst/>
-          </a:prstGeom>
-        </p:spPr>
-      </p:pic>
-      <p:pic>
-        <p:nvPicPr>
-          <p:cNvPr id="6" name="图片 5">
-            <a:extLst>
-              <a:ext uri="{FF2B5EF4-FFF2-40B4-BE49-F238E27FC236}">
-                <a16:creationId xmlns:a16="http://schemas.microsoft.com/office/drawing/2014/main" id="{2680414E-FFE9-689A-144E-14F1F23091AA}"/>
-              </a:ext>
-            </a:extLst>
-          </p:cNvPr>
-          <p:cNvPicPr>
-            <a:picLocks noChangeAspect="1"/>
-          </p:cNvPicPr>
-          <p:nvPr/>
-        </p:nvPicPr>
-        <p:blipFill>
-          <a:blip r:embed="rId5">
-            <a:extLst>
-              <a:ext uri="{28A0092B-C50C-407E-A947-70E740481C1C}">
-                <a14:useLocalDpi xmlns:a14="http://schemas.microsoft.com/office/drawing/2010/main" val="0"/>
-              </a:ext>
-            </a:extLst>
-          </a:blip>
-          <a:stretch>
-            <a:fillRect/>
-          </a:stretch>
-        </p:blipFill>
-        <p:spPr>
-          <a:xfrm>
-            <a:off x="7164124" y="3580058"/>
-            <a:ext cx="4930443" cy="1666056"/>
-          </a:xfrm>
-          <a:prstGeom prst="rect">
-            <a:avLst/>
-          </a:prstGeom>
-        </p:spPr>
-      </p:pic>
       <mc:AlternateContent xmlns:mc="http://schemas.openxmlformats.org/markup-compatibility/2006">
         <mc:Choice xmlns:a14="http://schemas.microsoft.com/office/drawing/2010/main" Requires="a14">
           <p:sp>
@@ -15696,13 +15632,7 @@
                           <a:rPr kumimoji="1" lang="en-US" altLang="zh-CN" b="0" i="1" smtClean="0">
                             <a:latin typeface="Cambria Math" panose="02040503050406030204" pitchFamily="18" charset="0"/>
                           </a:rPr>
-                          <m:t>1</m:t>
-                        </m:r>
-                        <m:r>
-                          <a:rPr kumimoji="1" lang="en-US" altLang="zh-CN" i="1">
-                            <a:latin typeface="Cambria Math" panose="02040503050406030204" pitchFamily="18" charset="0"/>
-                          </a:rPr>
-                          <m:t>3</m:t>
+                          <m:t>31</m:t>
                         </m:r>
                       </m:sub>
                     </m:sSub>
@@ -15710,13 +15640,7 @@
                       <a:rPr kumimoji="1" lang="zh-CN" altLang="en-US" i="1">
                         <a:latin typeface="Cambria Math" panose="02040503050406030204" pitchFamily="18" charset="0"/>
                       </a:rPr>
-                      <m:t>的</m:t>
-                    </m:r>
-                    <m:r>
-                      <a:rPr kumimoji="1" lang="zh-CN" altLang="en-US" i="1">
-                        <a:latin typeface="Cambria Math" panose="02040503050406030204" pitchFamily="18" charset="0"/>
-                      </a:rPr>
-                      <m:t>函数</m:t>
+                      <m:t>的函数</m:t>
                     </m:r>
                   </m:oMath>
                 </a14:m>
@@ -15727,6 +15651,7 @@
                 <a:endParaRPr kumimoji="1" lang="en-US" altLang="zh-CN" dirty="0"/>
               </a:p>
               <a:p>
+                <a:pPr/>
                 <a14:m>
                   <m:oMathPara xmlns:m="http://schemas.openxmlformats.org/officeDocument/2006/math">
                     <m:oMathParaPr>
@@ -15777,7 +15702,7 @@
                                 <a:rPr kumimoji="1" lang="en-US" altLang="zh-CN" b="0" i="1" smtClean="0">
                                   <a:latin typeface="Cambria Math" panose="02040503050406030204" pitchFamily="18" charset="0"/>
                                 </a:rPr>
-                                <m:t>13</m:t>
+                                <m:t>31</m:t>
                               </m:r>
                             </m:sub>
                           </m:sSub>
@@ -15983,7 +15908,7 @@
                                 <a:rPr kumimoji="1" lang="en-US" altLang="zh-CN" b="0" i="1" smtClean="0">
                                   <a:latin typeface="Cambria Math" panose="02040503050406030204" pitchFamily="18" charset="0"/>
                                 </a:rPr>
-                                <m:t>13</m:t>
+                                <m:t>31</m:t>
                               </m:r>
                             </m:sub>
                           </m:sSub>
@@ -16002,6 +15927,7 @@
                 <a:endParaRPr kumimoji="1" lang="en-US" altLang="zh-CN" dirty="0"/>
               </a:p>
               <a:p>
+                <a:pPr/>
                 <a14:m>
                   <m:oMathPara xmlns:m="http://schemas.openxmlformats.org/officeDocument/2006/math">
                     <m:oMathParaPr>
@@ -16163,6 +16089,7 @@
                 <a:endParaRPr kumimoji="1" lang="en-US" altLang="zh-CN" dirty="0"/>
               </a:p>
               <a:p>
+                <a:pPr/>
                 <a14:m>
                   <m:oMathPara xmlns:m="http://schemas.openxmlformats.org/officeDocument/2006/math">
                     <m:oMathParaPr>
@@ -16268,16 +16195,10 @@
                         </m:e>
                         <m:sub>
                           <m:r>
-                            <a:rPr kumimoji="1" lang="en-US" altLang="zh-CN" i="1">
-                              <a:latin typeface="Cambria Math" panose="02040503050406030204" pitchFamily="18" charset="0"/>
-                            </a:rPr>
-                            <m:t>3</m:t>
-                          </m:r>
-                          <m:r>
                             <a:rPr kumimoji="1" lang="en-US" altLang="zh-CN" b="0" i="1" smtClean="0">
                               <a:latin typeface="Cambria Math" panose="02040503050406030204" pitchFamily="18" charset="0"/>
                             </a:rPr>
-                            <m:t>5</m:t>
+                            <m:t>53</m:t>
                           </m:r>
                         </m:sub>
                       </m:sSub>
@@ -16355,10 +16276,10 @@
                         </m:e>
                         <m:sub>
                           <m:r>
-                            <a:rPr kumimoji="1" lang="en-US" altLang="zh-CN" i="1">
+                            <a:rPr kumimoji="1" lang="en-US" altLang="zh-CN" b="0" i="1" smtClean="0">
                               <a:latin typeface="Cambria Math" panose="02040503050406030204" pitchFamily="18" charset="0"/>
                             </a:rPr>
-                            <m:t>35</m:t>
+                            <m:t>53</m:t>
                           </m:r>
                         </m:sub>
                       </m:sSub>
@@ -16411,10 +16332,10 @@
                         </m:e>
                         <m:sub>
                           <m:r>
-                            <a:rPr kumimoji="1" lang="en-US" altLang="zh-CN" i="1">
+                            <a:rPr kumimoji="1" lang="en-US" altLang="zh-CN" b="0" i="1" smtClean="0">
                               <a:latin typeface="Cambria Math" panose="02040503050406030204" pitchFamily="18" charset="0"/>
                             </a:rPr>
-                            <m:t>45</m:t>
+                            <m:t>54</m:t>
                           </m:r>
                         </m:sub>
                       </m:sSub>
@@ -16464,6 +16385,7 @@
                 <a:endParaRPr kumimoji="1" lang="en-US" altLang="zh-CN" dirty="0"/>
               </a:p>
               <a:p>
+                <a:pPr/>
                 <a14:m>
                   <m:oMathPara xmlns:m="http://schemas.openxmlformats.org/officeDocument/2006/math">
                     <m:oMathParaPr>
@@ -16539,7 +16461,7 @@
                                 <a:rPr kumimoji="1" lang="en-US" altLang="zh-CN" b="0" i="1" smtClean="0">
                                   <a:latin typeface="Cambria Math" panose="02040503050406030204" pitchFamily="18" charset="0"/>
                                 </a:rPr>
-                                <m:t>13</m:t>
+                                <m:t>31</m:t>
                               </m:r>
                             </m:sub>
                           </m:sSub>
@@ -16653,7 +16575,7 @@
                             <a:rPr kumimoji="1" lang="en-US" altLang="zh-CN" b="0" i="1" smtClean="0">
                               <a:latin typeface="Cambria Math" panose="02040503050406030204" pitchFamily="18" charset="0"/>
                             </a:rPr>
-                            <m:t>13</m:t>
+                            <m:t>31</m:t>
                           </m:r>
                         </m:sub>
                       </m:sSub>
@@ -16709,7 +16631,7 @@
                             <a:rPr kumimoji="1" lang="en-US" altLang="zh-CN" b="0" i="1" smtClean="0">
                               <a:latin typeface="Cambria Math" panose="02040503050406030204" pitchFamily="18" charset="0"/>
                             </a:rPr>
-                            <m:t>23</m:t>
+                            <m:t>32</m:t>
                           </m:r>
                         </m:sub>
                       </m:sSub>
@@ -16785,7 +16707,7 @@
                 <a:avLst/>
               </a:prstGeom>
               <a:blipFill>
-                <a:blip r:embed="rId6"/>
+                <a:blip r:embed="rId4"/>
                 <a:stretch>
                   <a:fillRect l="-784" t="-1007"/>
                 </a:stretch>
@@ -16806,6 +16728,78 @@
           </p:sp>
         </mc:Fallback>
       </mc:AlternateContent>
+      <p:pic>
+        <p:nvPicPr>
+          <p:cNvPr id="5" name="图片 4">
+            <a:extLst>
+              <a:ext uri="{FF2B5EF4-FFF2-40B4-BE49-F238E27FC236}">
+                <a16:creationId xmlns:a16="http://schemas.microsoft.com/office/drawing/2014/main" id="{CBA1F390-B920-ADE7-810B-FC544CA1F951}"/>
+              </a:ext>
+            </a:extLst>
+          </p:cNvPr>
+          <p:cNvPicPr>
+            <a:picLocks noChangeAspect="1"/>
+          </p:cNvPicPr>
+          <p:nvPr/>
+        </p:nvPicPr>
+        <p:blipFill>
+          <a:blip r:embed="rId5">
+            <a:extLst>
+              <a:ext uri="{28A0092B-C50C-407E-A947-70E740481C1C}">
+                <a14:useLocalDpi xmlns:a14="http://schemas.microsoft.com/office/drawing/2010/main" val="0"/>
+              </a:ext>
+            </a:extLst>
+          </a:blip>
+          <a:stretch>
+            <a:fillRect/>
+          </a:stretch>
+        </p:blipFill>
+        <p:spPr>
+          <a:xfrm>
+            <a:off x="8232420" y="1201696"/>
+            <a:ext cx="3218438" cy="2079606"/>
+          </a:xfrm>
+          <a:prstGeom prst="rect">
+            <a:avLst/>
+          </a:prstGeom>
+        </p:spPr>
+      </p:pic>
+      <p:pic>
+        <p:nvPicPr>
+          <p:cNvPr id="7" name="图片 6">
+            <a:extLst>
+              <a:ext uri="{FF2B5EF4-FFF2-40B4-BE49-F238E27FC236}">
+                <a16:creationId xmlns:a16="http://schemas.microsoft.com/office/drawing/2014/main" id="{2C8FDBDF-C966-1605-9B63-70DB80174D23}"/>
+              </a:ext>
+            </a:extLst>
+          </p:cNvPr>
+          <p:cNvPicPr>
+            <a:picLocks noChangeAspect="1"/>
+          </p:cNvPicPr>
+          <p:nvPr/>
+        </p:nvPicPr>
+        <p:blipFill>
+          <a:blip r:embed="rId6">
+            <a:extLst>
+              <a:ext uri="{28A0092B-C50C-407E-A947-70E740481C1C}">
+                <a14:useLocalDpi xmlns:a14="http://schemas.microsoft.com/office/drawing/2010/main" val="0"/>
+              </a:ext>
+            </a:extLst>
+          </a:blip>
+          <a:stretch>
+            <a:fillRect/>
+          </a:stretch>
+        </p:blipFill>
+        <p:spPr>
+          <a:xfrm>
+            <a:off x="7475902" y="4661883"/>
+            <a:ext cx="4731474" cy="1382297"/>
+          </a:xfrm>
+          <a:prstGeom prst="rect">
+            <a:avLst/>
+          </a:prstGeom>
+        </p:spPr>
+      </p:pic>
     </p:spTree>
     <p:custDataLst>
       <p:tags r:id="rId1"/>
@@ -16853,7 +16847,7 @@
                                           </p:stCondLst>
                                         </p:cTn>
                                         <p:tgtEl>
-                                          <p:spTgt spid="4"/>
+                                          <p:spTgt spid="5"/>
                                         </p:tgtEl>
                                         <p:attrNameLst>
                                           <p:attrName>style.visibility</p:attrName>
@@ -16947,7 +16941,11 @@
                                           </p:stCondLst>
                                         </p:cTn>
                                         <p:tgtEl>
-                                          <p:spTgt spid="6"/>
+                                          <p:spTgt spid="2">
+                                            <p:txEl>
+                                              <p:pRg st="9" end="9"/>
+                                            </p:txEl>
+                                          </p:spTgt>
                                         </p:tgtEl>
                                         <p:attrNameLst>
                                           <p:attrName>style.visibility</p:attrName>
@@ -16979,7 +16977,7 @@
                             </p:stCondLst>
                             <p:childTnLst>
                               <p:par>
-                                <p:cTn id="17" presetID="1" presetClass="entr" presetSubtype="0" fill="hold" grpId="0" nodeType="clickEffect">
+                                <p:cTn id="17" presetID="1" presetClass="entr" presetSubtype="0" fill="hold" nodeType="clickEffect">
                                   <p:stCondLst>
                                     <p:cond delay="0"/>
                                   </p:stCondLst>
@@ -16987,6 +16985,51 @@
                                     <p:set>
                                       <p:cBhvr>
                                         <p:cTn id="18" dur="1" fill="hold">
+                                          <p:stCondLst>
+                                            <p:cond delay="0"/>
+                                          </p:stCondLst>
+                                        </p:cTn>
+                                        <p:tgtEl>
+                                          <p:spTgt spid="7"/>
+                                        </p:tgtEl>
+                                        <p:attrNameLst>
+                                          <p:attrName>style.visibility</p:attrName>
+                                        </p:attrNameLst>
+                                      </p:cBhvr>
+                                      <p:to>
+                                        <p:strVal val="visible"/>
+                                      </p:to>
+                                    </p:set>
+                                  </p:childTnLst>
+                                </p:cTn>
+                              </p:par>
+                            </p:childTnLst>
+                          </p:cTn>
+                        </p:par>
+                      </p:childTnLst>
+                    </p:cTn>
+                  </p:par>
+                  <p:par>
+                    <p:cTn id="19" fill="hold">
+                      <p:stCondLst>
+                        <p:cond delay="indefinite"/>
+                      </p:stCondLst>
+                      <p:childTnLst>
+                        <p:par>
+                          <p:cTn id="20" fill="hold">
+                            <p:stCondLst>
+                              <p:cond delay="0"/>
+                            </p:stCondLst>
+                            <p:childTnLst>
+                              <p:par>
+                                <p:cTn id="21" presetID="1" presetClass="entr" presetSubtype="0" fill="hold" grpId="0" nodeType="clickEffect">
+                                  <p:stCondLst>
+                                    <p:cond delay="0"/>
+                                  </p:stCondLst>
+                                  <p:childTnLst>
+                                    <p:set>
+                                      <p:cBhvr>
+                                        <p:cTn id="22" dur="1" fill="hold">
                                           <p:stCondLst>
                                             <p:cond delay="0"/>
                                           </p:stCondLst>
